--- a/BuildingALanguage/BuildingALanguage.pptx
+++ b/BuildingALanguage/BuildingALanguage.pptx
@@ -7,22 +7,23 @@
   <p:sldIdLst>
     <p:sldId id="256" r:id="rId2"/>
     <p:sldId id="258" r:id="rId3"/>
-    <p:sldId id="257" r:id="rId4"/>
-    <p:sldId id="259" r:id="rId5"/>
-    <p:sldId id="260" r:id="rId6"/>
-    <p:sldId id="261" r:id="rId7"/>
-    <p:sldId id="273" r:id="rId8"/>
-    <p:sldId id="262" r:id="rId9"/>
-    <p:sldId id="263" r:id="rId10"/>
-    <p:sldId id="264" r:id="rId11"/>
-    <p:sldId id="265" r:id="rId12"/>
-    <p:sldId id="266" r:id="rId13"/>
-    <p:sldId id="267" r:id="rId14"/>
-    <p:sldId id="269" r:id="rId15"/>
-    <p:sldId id="270" r:id="rId16"/>
-    <p:sldId id="272" r:id="rId17"/>
-    <p:sldId id="271" r:id="rId18"/>
-    <p:sldId id="268" r:id="rId19"/>
+    <p:sldId id="276" r:id="rId4"/>
+    <p:sldId id="257" r:id="rId5"/>
+    <p:sldId id="259" r:id="rId6"/>
+    <p:sldId id="260" r:id="rId7"/>
+    <p:sldId id="261" r:id="rId8"/>
+    <p:sldId id="273" r:id="rId9"/>
+    <p:sldId id="262" r:id="rId10"/>
+    <p:sldId id="263" r:id="rId11"/>
+    <p:sldId id="264" r:id="rId12"/>
+    <p:sldId id="265" r:id="rId13"/>
+    <p:sldId id="266" r:id="rId14"/>
+    <p:sldId id="275" r:id="rId15"/>
+    <p:sldId id="269" r:id="rId16"/>
+    <p:sldId id="270" r:id="rId17"/>
+    <p:sldId id="272" r:id="rId18"/>
+    <p:sldId id="271" r:id="rId19"/>
+    <p:sldId id="268" r:id="rId20"/>
   </p:sldIdLst>
   <p:sldSz cx="9144000" cy="6858000" type="screen4x3"/>
   <p:notesSz cx="6858000" cy="9144000"/>
@@ -306,7 +307,7 @@
             <a:fld id="{1D8BD707-D9CF-40AE-B4C6-C98DA3205C09}" type="datetimeFigureOut">
               <a:rPr lang="en-US" smtClean="0"/>
               <a:pPr/>
-              <a:t>6/10/2012</a:t>
+              <a:t>10/3/2012</a:t>
             </a:fld>
             <a:endParaRPr lang="en-US"/>
           </a:p>
@@ -473,7 +474,7 @@
             <a:fld id="{1D8BD707-D9CF-40AE-B4C6-C98DA3205C09}" type="datetimeFigureOut">
               <a:rPr lang="en-US" smtClean="0"/>
               <a:pPr/>
-              <a:t>6/10/2012</a:t>
+              <a:t>10/3/2012</a:t>
             </a:fld>
             <a:endParaRPr lang="en-US"/>
           </a:p>
@@ -650,7 +651,7 @@
             <a:fld id="{1D8BD707-D9CF-40AE-B4C6-C98DA3205C09}" type="datetimeFigureOut">
               <a:rPr lang="en-US" smtClean="0"/>
               <a:pPr/>
-              <a:t>6/10/2012</a:t>
+              <a:t>10/3/2012</a:t>
             </a:fld>
             <a:endParaRPr lang="en-US"/>
           </a:p>
@@ -817,7 +818,7 @@
             <a:fld id="{1D8BD707-D9CF-40AE-B4C6-C98DA3205C09}" type="datetimeFigureOut">
               <a:rPr lang="en-US" smtClean="0"/>
               <a:pPr/>
-              <a:t>6/10/2012</a:t>
+              <a:t>10/3/2012</a:t>
             </a:fld>
             <a:endParaRPr lang="en-US"/>
           </a:p>
@@ -1060,7 +1061,7 @@
             <a:fld id="{1D8BD707-D9CF-40AE-B4C6-C98DA3205C09}" type="datetimeFigureOut">
               <a:rPr lang="en-US" smtClean="0"/>
               <a:pPr/>
-              <a:t>6/10/2012</a:t>
+              <a:t>10/3/2012</a:t>
             </a:fld>
             <a:endParaRPr lang="en-US"/>
           </a:p>
@@ -1345,7 +1346,7 @@
             <a:fld id="{1D8BD707-D9CF-40AE-B4C6-C98DA3205C09}" type="datetimeFigureOut">
               <a:rPr lang="en-US" smtClean="0"/>
               <a:pPr/>
-              <a:t>6/10/2012</a:t>
+              <a:t>10/3/2012</a:t>
             </a:fld>
             <a:endParaRPr lang="en-US"/>
           </a:p>
@@ -1764,7 +1765,7 @@
             <a:fld id="{1D8BD707-D9CF-40AE-B4C6-C98DA3205C09}" type="datetimeFigureOut">
               <a:rPr lang="en-US" smtClean="0"/>
               <a:pPr/>
-              <a:t>6/10/2012</a:t>
+              <a:t>10/3/2012</a:t>
             </a:fld>
             <a:endParaRPr lang="en-US"/>
           </a:p>
@@ -1879,7 +1880,7 @@
             <a:fld id="{1D8BD707-D9CF-40AE-B4C6-C98DA3205C09}" type="datetimeFigureOut">
               <a:rPr lang="en-US" smtClean="0"/>
               <a:pPr/>
-              <a:t>6/10/2012</a:t>
+              <a:t>10/3/2012</a:t>
             </a:fld>
             <a:endParaRPr lang="en-US"/>
           </a:p>
@@ -1971,7 +1972,7 @@
             <a:fld id="{1D8BD707-D9CF-40AE-B4C6-C98DA3205C09}" type="datetimeFigureOut">
               <a:rPr lang="en-US" smtClean="0"/>
               <a:pPr/>
-              <a:t>6/10/2012</a:t>
+              <a:t>10/3/2012</a:t>
             </a:fld>
             <a:endParaRPr lang="en-US"/>
           </a:p>
@@ -2245,7 +2246,7 @@
             <a:fld id="{1D8BD707-D9CF-40AE-B4C6-C98DA3205C09}" type="datetimeFigureOut">
               <a:rPr lang="en-US" smtClean="0"/>
               <a:pPr/>
-              <a:t>6/10/2012</a:t>
+              <a:t>10/3/2012</a:t>
             </a:fld>
             <a:endParaRPr lang="en-US"/>
           </a:p>
@@ -2495,7 +2496,7 @@
             <a:fld id="{1D8BD707-D9CF-40AE-B4C6-C98DA3205C09}" type="datetimeFigureOut">
               <a:rPr lang="en-US" smtClean="0"/>
               <a:pPr/>
-              <a:t>6/10/2012</a:t>
+              <a:t>10/3/2012</a:t>
             </a:fld>
             <a:endParaRPr lang="en-US"/>
           </a:p>
@@ -2705,7 +2706,7 @@
             <a:fld id="{1D8BD707-D9CF-40AE-B4C6-C98DA3205C09}" type="datetimeFigureOut">
               <a:rPr lang="en-US" smtClean="0"/>
               <a:pPr/>
-              <a:t>6/10/2012</a:t>
+              <a:t>10/3/2012</a:t>
             </a:fld>
             <a:endParaRPr lang="en-US"/>
           </a:p>
@@ -3198,95 +3199,146 @@
       </p:grpSpPr>
       <p:sp>
         <p:nvSpPr>
-          <p:cNvPr id="2" name="Title 1"/>
-          <p:cNvSpPr>
-            <a:spLocks noGrp="1"/>
-          </p:cNvSpPr>
-          <p:nvPr>
-            <p:ph type="title"/>
-          </p:nvPr>
+          <p:cNvPr id="4" name="TextBox 3"/>
+          <p:cNvSpPr txBox="1"/>
+          <p:nvPr/>
         </p:nvSpPr>
-        <p:spPr/>
+        <p:spPr>
+          <a:xfrm>
+            <a:off x="1066800" y="609600"/>
+            <a:ext cx="7239000" cy="4031873"/>
+          </a:xfrm>
+          <a:prstGeom prst="rect">
+            <a:avLst/>
+          </a:prstGeom>
+          <a:noFill/>
+        </p:spPr>
         <p:txBody>
-          <a:bodyPr/>
+          <a:bodyPr wrap="square" rtlCol="0">
+            <a:spAutoFit/>
+          </a:bodyPr>
           <a:lstStyle/>
           <a:p>
             <a:r>
-              <a:rPr lang="en-US" dirty="0" smtClean="0"/>
-              <a:t>Phase 3: Type Checking</a:t>
-            </a:r>
-            <a:endParaRPr lang="en-US" dirty="0"/>
+              <a:rPr lang="en-US" sz="3200" dirty="0" smtClean="0"/>
+              <a:t>Parsley’s 3 Pattern Recognition Operations</a:t>
+            </a:r>
+          </a:p>
+          <a:p>
+            <a:endParaRPr lang="en-US" sz="3200" dirty="0" smtClean="0"/>
+          </a:p>
+          <a:p>
+            <a:pPr marL="742950" lvl="1" indent="-285750">
+              <a:buFont typeface="Arial" pitchFamily="34" charset="0"/>
+              <a:buChar char="•"/>
+            </a:pPr>
+            <a:r>
+              <a:rPr lang="en-US" sz="3200" dirty="0" smtClean="0"/>
+              <a:t>Repetition: </a:t>
+            </a:r>
+            <a:r>
+              <a:rPr lang="en-US" sz="3200" dirty="0" err="1" smtClean="0"/>
+              <a:t>ZeroOrMore</a:t>
+            </a:r>
+            <a:r>
+              <a:rPr lang="en-US" sz="3200" dirty="0" smtClean="0"/>
+              <a:t>(a),</a:t>
+            </a:r>
+          </a:p>
+          <a:p>
+            <a:pPr lvl="1"/>
+            <a:r>
+              <a:rPr lang="en-US" sz="3200" dirty="0"/>
+              <a:t> </a:t>
+            </a:r>
+            <a:r>
+              <a:rPr lang="en-US" sz="3200" dirty="0" smtClean="0"/>
+              <a:t>                       </a:t>
+            </a:r>
+            <a:r>
+              <a:rPr lang="en-US" sz="3200" dirty="0" err="1" smtClean="0"/>
+              <a:t>OneOrMore</a:t>
+            </a:r>
+            <a:r>
+              <a:rPr lang="en-US" sz="3200" dirty="0" smtClean="0"/>
+              <a:t>(a)</a:t>
+            </a:r>
+          </a:p>
+          <a:p>
+            <a:pPr lvl="1"/>
+            <a:endParaRPr lang="en-US" sz="3200" dirty="0" smtClean="0"/>
+          </a:p>
+          <a:p>
+            <a:pPr marL="742950" lvl="1" indent="-285750">
+              <a:buFont typeface="Arial" pitchFamily="34" charset="0"/>
+              <a:buChar char="•"/>
+            </a:pPr>
+            <a:r>
+              <a:rPr lang="en-US" sz="3200" dirty="0" smtClean="0"/>
+              <a:t>Choice: Choice(a, b, c)</a:t>
+            </a:r>
+          </a:p>
+          <a:p>
+            <a:pPr lvl="1"/>
+            <a:endParaRPr lang="en-US" sz="3200" dirty="0" smtClean="0"/>
+          </a:p>
+          <a:p>
+            <a:pPr marL="742950" lvl="1" indent="-285750">
+              <a:buFont typeface="Arial" pitchFamily="34" charset="0"/>
+              <a:buChar char="•"/>
+            </a:pPr>
+            <a:r>
+              <a:rPr lang="en-US" sz="3200" dirty="0" smtClean="0"/>
+              <a:t>Sequence: </a:t>
+            </a:r>
+            <a:r>
+              <a:rPr lang="en-US" sz="3200" i="1" dirty="0" smtClean="0"/>
+              <a:t>from</a:t>
+            </a:r>
+            <a:r>
+              <a:rPr lang="en-US" sz="3200" dirty="0" smtClean="0"/>
+              <a:t> clauses</a:t>
+            </a:r>
           </a:p>
         </p:txBody>
       </p:sp>
       <p:sp>
         <p:nvSpPr>
-          <p:cNvPr id="3" name="Content Placeholder 2"/>
-          <p:cNvSpPr>
-            <a:spLocks noGrp="1"/>
-          </p:cNvSpPr>
-          <p:nvPr>
-            <p:ph idx="1"/>
-          </p:nvPr>
+          <p:cNvPr id="5" name="Rectangle 4"/>
+          <p:cNvSpPr/>
+          <p:nvPr/>
         </p:nvSpPr>
-        <p:spPr/>
+        <p:spPr>
+          <a:xfrm>
+            <a:off x="2543047" y="5877580"/>
+            <a:ext cx="4057906" cy="523220"/>
+          </a:xfrm>
+          <a:prstGeom prst="rect">
+            <a:avLst/>
+          </a:prstGeom>
+        </p:spPr>
         <p:txBody>
-          <a:bodyPr/>
+          <a:bodyPr wrap="none">
+            <a:spAutoFit/>
+          </a:bodyPr>
           <a:lstStyle/>
           <a:p>
-            <a:pPr marL="0" indent="0">
-              <a:buNone/>
-            </a:pPr>
-            <a:r>
-              <a:rPr lang="en-US" dirty="0" smtClean="0"/>
-              <a:t>Decorate the tree’s nodes with information about data types.</a:t>
-            </a:r>
-          </a:p>
-          <a:p>
-            <a:pPr marL="0" indent="0">
-              <a:buNone/>
-            </a:pPr>
-            <a:endParaRPr lang="en-US" dirty="0" smtClean="0"/>
-          </a:p>
-          <a:p>
-            <a:pPr marL="0" indent="0">
-              <a:buNone/>
-            </a:pPr>
-            <a:r>
-              <a:rPr lang="en-US" b="1" dirty="0" smtClean="0">
-                <a:solidFill>
-                  <a:srgbClr val="FF0000"/>
-                </a:solidFill>
-              </a:rPr>
-              <a:t>This is the hard part</a:t>
-            </a:r>
-            <a:r>
-              <a:rPr lang="en-US" dirty="0" smtClean="0"/>
-              <a:t>, but we can approach it incrementally.</a:t>
-            </a:r>
-          </a:p>
-          <a:p>
-            <a:pPr marL="0" indent="0">
-              <a:buNone/>
-            </a:pPr>
-            <a:endParaRPr lang="en-US" dirty="0" smtClean="0"/>
-          </a:p>
-          <a:p>
-            <a:pPr marL="0" indent="0">
-              <a:buNone/>
-            </a:pPr>
-            <a:r>
-              <a:rPr lang="en-US" dirty="0" smtClean="0"/>
-              <a:t>Let’s type check some expressions…</a:t>
-            </a:r>
-            <a:endParaRPr lang="en-US" dirty="0"/>
+            <a:r>
+              <a:rPr lang="en-US" sz="2800" dirty="0"/>
+              <a:t>Example: </a:t>
+            </a:r>
+            <a:r>
+              <a:rPr lang="en-US" sz="2800" dirty="0" err="1" smtClean="0"/>
+              <a:t>RookGrammar.cs</a:t>
+            </a:r>
+            <a:endParaRPr lang="en-US" sz="2800" dirty="0"/>
           </a:p>
         </p:txBody>
       </p:sp>
     </p:spTree>
     <p:extLst>
       <p:ext uri="{BB962C8B-B14F-4D97-AF65-F5344CB8AC3E}">
-        <p14:creationId xmlns:p14="http://schemas.microsoft.com/office/powerpoint/2010/main" val="1525319524"/>
+        <p14:creationId xmlns:p14="http://schemas.microsoft.com/office/powerpoint/2010/main" val="558101229"/>
       </p:ext>
     </p:extLst>
   </p:cSld>
@@ -3336,10 +3388,10 @@
           <a:lstStyle/>
           <a:p>
             <a:r>
-              <a:rPr lang="en-US" dirty="0" smtClean="0"/>
-              <a:t>Type Check: Integer Literals</a:t>
-            </a:r>
-            <a:endParaRPr lang="en-US" dirty="0"/>
+              <a:rPr lang="en-US" u="sng" dirty="0" smtClean="0"/>
+              <a:t>Phase 3: Type Checking</a:t>
+            </a:r>
+            <a:endParaRPr lang="en-US" u="sng" dirty="0"/>
           </a:p>
         </p:txBody>
       </p:sp>
@@ -3353,12 +3405,7 @@
             <p:ph idx="1"/>
           </p:nvPr>
         </p:nvSpPr>
-        <p:spPr>
-          <a:xfrm>
-            <a:off x="3390900" y="3009901"/>
-            <a:ext cx="2362200" cy="762000"/>
-          </a:xfrm>
-        </p:spPr>
+        <p:spPr/>
         <p:txBody>
           <a:bodyPr/>
           <a:lstStyle/>
@@ -3368,213 +3415,54 @@
             </a:pPr>
             <a:r>
               <a:rPr lang="en-US" dirty="0" smtClean="0"/>
-              <a:t>Expression: 1</a:t>
+              <a:t>Decorate the tree’s nodes with information about data types.</a:t>
             </a:r>
           </a:p>
           <a:p>
             <a:pPr marL="0" indent="0">
               <a:buNone/>
             </a:pPr>
+            <a:endParaRPr lang="en-US" dirty="0" smtClean="0"/>
+          </a:p>
+          <a:p>
+            <a:pPr marL="0" indent="0">
+              <a:buNone/>
+            </a:pPr>
+            <a:r>
+              <a:rPr lang="en-US" b="1" dirty="0" smtClean="0">
+                <a:solidFill>
+                  <a:srgbClr val="FF0000"/>
+                </a:solidFill>
+              </a:rPr>
+              <a:t>This is the hard part</a:t>
+            </a:r>
+            <a:r>
+              <a:rPr lang="en-US" dirty="0" smtClean="0"/>
+              <a:t>, but we can approach it incrementally.</a:t>
+            </a:r>
+          </a:p>
+          <a:p>
+            <a:pPr marL="0" indent="0">
+              <a:buNone/>
+            </a:pPr>
+            <a:endParaRPr lang="en-US" dirty="0" smtClean="0"/>
+          </a:p>
+          <a:p>
+            <a:pPr marL="0" indent="0">
+              <a:buNone/>
+            </a:pPr>
+            <a:r>
+              <a:rPr lang="en-US" dirty="0" smtClean="0"/>
+              <a:t>Let’s type check some expressions…</a:t>
+            </a:r>
             <a:endParaRPr lang="en-US" dirty="0"/>
-          </a:p>
-        </p:txBody>
-      </p:sp>
-      <p:sp>
-        <p:nvSpPr>
-          <p:cNvPr id="4" name="Oval 3"/>
-          <p:cNvSpPr/>
-          <p:nvPr/>
-        </p:nvSpPr>
-        <p:spPr>
-          <a:xfrm>
-            <a:off x="4114800" y="4419600"/>
-            <a:ext cx="914400" cy="838200"/>
-          </a:xfrm>
-          <a:prstGeom prst="ellipse">
-            <a:avLst/>
-          </a:prstGeom>
-          <a:solidFill>
-            <a:schemeClr val="bg1"/>
-          </a:solidFill>
-        </p:spPr>
-        <p:style>
-          <a:lnRef idx="2">
-            <a:schemeClr val="accent1">
-              <a:shade val="50000"/>
-            </a:schemeClr>
-          </a:lnRef>
-          <a:fillRef idx="1">
-            <a:schemeClr val="accent1"/>
-          </a:fillRef>
-          <a:effectRef idx="0">
-            <a:schemeClr val="accent1"/>
-          </a:effectRef>
-          <a:fontRef idx="minor">
-            <a:schemeClr val="lt1"/>
-          </a:fontRef>
-        </p:style>
-        <p:txBody>
-          <a:bodyPr rtlCol="0" anchor="ctr"/>
-          <a:lstStyle/>
-          <a:p>
-            <a:pPr algn="ctr"/>
-            <a:r>
-              <a:rPr lang="en-US" sz="3200" dirty="0" smtClean="0">
-                <a:solidFill>
-                  <a:schemeClr val="tx1"/>
-                </a:solidFill>
-              </a:rPr>
-              <a:t>1</a:t>
-            </a:r>
-            <a:endParaRPr lang="en-US" sz="3200" dirty="0">
-              <a:solidFill>
-                <a:schemeClr val="tx1"/>
-              </a:solidFill>
-            </a:endParaRPr>
-          </a:p>
-        </p:txBody>
-      </p:sp>
-      <p:sp>
-        <p:nvSpPr>
-          <p:cNvPr id="5" name="TextBox 4"/>
-          <p:cNvSpPr txBox="1"/>
-          <p:nvPr/>
-        </p:nvSpPr>
-        <p:spPr>
-          <a:xfrm>
-            <a:off x="342900" y="1524000"/>
-            <a:ext cx="8458200" cy="584775"/>
-          </a:xfrm>
-          <a:prstGeom prst="rect">
-            <a:avLst/>
-          </a:prstGeom>
-          <a:noFill/>
-        </p:spPr>
-        <p:txBody>
-          <a:bodyPr wrap="square" rtlCol="0">
-            <a:spAutoFit/>
-          </a:bodyPr>
-          <a:lstStyle/>
-          <a:p>
-            <a:r>
-              <a:rPr lang="en-US" sz="3200" dirty="0" smtClean="0"/>
-              <a:t>Some nodes can simply announce their own type.</a:t>
-            </a:r>
-            <a:endParaRPr lang="en-US" sz="3200" dirty="0"/>
-          </a:p>
-        </p:txBody>
-      </p:sp>
-      <p:sp>
-        <p:nvSpPr>
-          <p:cNvPr id="7" name="Oval Callout 6"/>
-          <p:cNvSpPr/>
-          <p:nvPr/>
-        </p:nvSpPr>
-        <p:spPr>
-          <a:xfrm>
-            <a:off x="5562600" y="3758214"/>
-            <a:ext cx="1148178" cy="771617"/>
-          </a:xfrm>
-          <a:prstGeom prst="wedgeEllipseCallout">
-            <a:avLst>
-              <a:gd name="adj1" fmla="val -94231"/>
-              <a:gd name="adj2" fmla="val 57917"/>
-            </a:avLst>
-          </a:prstGeom>
-          <a:solidFill>
-            <a:schemeClr val="bg1"/>
-          </a:solidFill>
-        </p:spPr>
-        <p:style>
-          <a:lnRef idx="2">
-            <a:schemeClr val="accent1">
-              <a:shade val="50000"/>
-            </a:schemeClr>
-          </a:lnRef>
-          <a:fillRef idx="1">
-            <a:schemeClr val="accent1"/>
-          </a:fillRef>
-          <a:effectRef idx="0">
-            <a:schemeClr val="accent1"/>
-          </a:effectRef>
-          <a:fontRef idx="minor">
-            <a:schemeClr val="lt1"/>
-          </a:fontRef>
-        </p:style>
-        <p:txBody>
-          <a:bodyPr rtlCol="0" anchor="ctr"/>
-          <a:lstStyle/>
-          <a:p>
-            <a:pPr algn="ctr"/>
-            <a:r>
-              <a:rPr lang="en-US" dirty="0" smtClean="0">
-                <a:solidFill>
-                  <a:schemeClr val="tx1"/>
-                </a:solidFill>
-              </a:rPr>
-              <a:t>I am an </a:t>
-            </a:r>
-            <a:r>
-              <a:rPr lang="en-US" dirty="0" err="1" smtClean="0">
-                <a:solidFill>
-                  <a:schemeClr val="tx1"/>
-                </a:solidFill>
-              </a:rPr>
-              <a:t>int</a:t>
-            </a:r>
-            <a:r>
-              <a:rPr lang="en-US" dirty="0" smtClean="0">
-                <a:solidFill>
-                  <a:schemeClr val="tx1"/>
-                </a:solidFill>
-              </a:rPr>
-              <a:t>!</a:t>
-            </a:r>
-            <a:endParaRPr lang="en-US" dirty="0">
-              <a:solidFill>
-                <a:schemeClr val="tx1"/>
-              </a:solidFill>
-            </a:endParaRPr>
-          </a:p>
-        </p:txBody>
-      </p:sp>
-      <p:sp>
-        <p:nvSpPr>
-          <p:cNvPr id="8" name="Rectangle 7"/>
-          <p:cNvSpPr/>
-          <p:nvPr/>
-        </p:nvSpPr>
-        <p:spPr>
-          <a:xfrm>
-            <a:off x="2543047" y="5867400"/>
-            <a:ext cx="3914277" cy="523220"/>
-          </a:xfrm>
-          <a:prstGeom prst="rect">
-            <a:avLst/>
-          </a:prstGeom>
-        </p:spPr>
-        <p:txBody>
-          <a:bodyPr wrap="none">
-            <a:spAutoFit/>
-          </a:bodyPr>
-          <a:lstStyle/>
-          <a:p>
-            <a:r>
-              <a:rPr lang="en-US" sz="2800" dirty="0"/>
-              <a:t>Example: </a:t>
-            </a:r>
-            <a:r>
-              <a:rPr lang="en-US" sz="2800" dirty="0" err="1" smtClean="0"/>
-              <a:t>IntegerLiteral.cs</a:t>
-            </a:r>
-            <a:endParaRPr lang="en-US" sz="2800" dirty="0"/>
           </a:p>
         </p:txBody>
       </p:sp>
     </p:spTree>
     <p:extLst>
       <p:ext uri="{BB962C8B-B14F-4D97-AF65-F5344CB8AC3E}">
-        <p14:creationId xmlns:p14="http://schemas.microsoft.com/office/powerpoint/2010/main" val="1260400752"/>
+        <p14:creationId xmlns:p14="http://schemas.microsoft.com/office/powerpoint/2010/main" val="1525319524"/>
       </p:ext>
     </p:extLst>
   </p:cSld>
@@ -3610,79 +3498,13 @@
       </p:grpSpPr>
       <p:sp>
         <p:nvSpPr>
-          <p:cNvPr id="4" name="Title 1"/>
-          <p:cNvSpPr>
-            <a:spLocks noGrp="1"/>
-          </p:cNvSpPr>
-          <p:nvPr>
-            <p:ph type="title"/>
-          </p:nvPr>
-        </p:nvSpPr>
-        <p:spPr>
-          <a:xfrm>
-            <a:off x="457200" y="274638"/>
-            <a:ext cx="8229600" cy="1143000"/>
-          </a:xfrm>
-        </p:spPr>
-        <p:txBody>
-          <a:bodyPr/>
-          <a:lstStyle/>
-          <a:p>
-            <a:r>
-              <a:rPr lang="en-US" dirty="0" smtClean="0"/>
-              <a:t>Type Check: Operators</a:t>
-            </a:r>
-            <a:endParaRPr lang="en-US" dirty="0"/>
-          </a:p>
-        </p:txBody>
-      </p:sp>
-      <p:sp>
-        <p:nvSpPr>
-          <p:cNvPr id="5" name="Content Placeholder 2"/>
-          <p:cNvSpPr>
-            <a:spLocks noGrp="1"/>
-          </p:cNvSpPr>
-          <p:nvPr>
-            <p:ph idx="1"/>
-          </p:nvPr>
-        </p:nvSpPr>
-        <p:spPr>
-          <a:xfrm>
-            <a:off x="3390900" y="2890950"/>
-            <a:ext cx="2362200" cy="762000"/>
-          </a:xfrm>
-        </p:spPr>
-        <p:txBody>
-          <a:bodyPr>
-            <a:normAutofit fontScale="85000" lnSpcReduction="10000"/>
-          </a:bodyPr>
-          <a:lstStyle/>
-          <a:p>
-            <a:pPr marL="0" indent="0">
-              <a:buNone/>
-            </a:pPr>
-            <a:r>
-              <a:rPr lang="en-US" dirty="0" smtClean="0"/>
-              <a:t>Expression: 1+2</a:t>
-            </a:r>
-          </a:p>
-          <a:p>
-            <a:pPr marL="0" indent="0">
-              <a:buNone/>
-            </a:pPr>
-            <a:endParaRPr lang="en-US" dirty="0"/>
-          </a:p>
-        </p:txBody>
-      </p:sp>
-      <p:sp>
-        <p:nvSpPr>
-          <p:cNvPr id="6" name="Oval 5"/>
+          <p:cNvPr id="4" name="Oval 3"/>
           <p:cNvSpPr/>
           <p:nvPr/>
         </p:nvSpPr>
         <p:spPr>
           <a:xfrm>
-            <a:off x="3124200" y="5253150"/>
+            <a:off x="4114800" y="3581400"/>
             <a:ext cx="914400" cy="838200"/>
           </a:xfrm>
           <a:prstGeom prst="ellipse">
@@ -3731,13 +3553,154 @@
       </p:sp>
       <p:sp>
         <p:nvSpPr>
-          <p:cNvPr id="7" name="Oval 6"/>
+          <p:cNvPr id="5" name="TextBox 4"/>
+          <p:cNvSpPr txBox="1"/>
+          <p:nvPr/>
+        </p:nvSpPr>
+        <p:spPr>
+          <a:xfrm>
+            <a:off x="666750" y="489917"/>
+            <a:ext cx="7810500" cy="584775"/>
+          </a:xfrm>
+          <a:prstGeom prst="rect">
+            <a:avLst/>
+          </a:prstGeom>
+          <a:noFill/>
+        </p:spPr>
+        <p:txBody>
+          <a:bodyPr wrap="square" rtlCol="0">
+            <a:spAutoFit/>
+          </a:bodyPr>
+          <a:lstStyle/>
+          <a:p>
+            <a:r>
+              <a:rPr lang="en-US" sz="3200" dirty="0" smtClean="0"/>
+              <a:t>Some nodes simply announce their own type.</a:t>
+            </a:r>
+            <a:endParaRPr lang="en-US" sz="3200" dirty="0"/>
+          </a:p>
+        </p:txBody>
+      </p:sp>
+      <p:sp>
+        <p:nvSpPr>
+          <p:cNvPr id="7" name="Oval Callout 6"/>
           <p:cNvSpPr/>
           <p:nvPr/>
         </p:nvSpPr>
         <p:spPr>
           <a:xfrm>
-            <a:off x="4953000" y="5253150"/>
+            <a:off x="5405022" y="2757997"/>
+            <a:ext cx="1148178" cy="771617"/>
+          </a:xfrm>
+          <a:prstGeom prst="wedgeEllipseCallout">
+            <a:avLst>
+              <a:gd name="adj1" fmla="val -94231"/>
+              <a:gd name="adj2" fmla="val 57917"/>
+            </a:avLst>
+          </a:prstGeom>
+          <a:solidFill>
+            <a:schemeClr val="bg1"/>
+          </a:solidFill>
+        </p:spPr>
+        <p:style>
+          <a:lnRef idx="2">
+            <a:schemeClr val="accent1">
+              <a:shade val="50000"/>
+            </a:schemeClr>
+          </a:lnRef>
+          <a:fillRef idx="1">
+            <a:schemeClr val="accent1"/>
+          </a:fillRef>
+          <a:effectRef idx="0">
+            <a:schemeClr val="accent1"/>
+          </a:effectRef>
+          <a:fontRef idx="minor">
+            <a:schemeClr val="lt1"/>
+          </a:fontRef>
+        </p:style>
+        <p:txBody>
+          <a:bodyPr rtlCol="0" anchor="ctr"/>
+          <a:lstStyle/>
+          <a:p>
+            <a:pPr algn="ctr"/>
+            <a:r>
+              <a:rPr lang="en-US" dirty="0" smtClean="0">
+                <a:solidFill>
+                  <a:schemeClr val="tx1"/>
+                </a:solidFill>
+              </a:rPr>
+              <a:t>I am an </a:t>
+            </a:r>
+            <a:r>
+              <a:rPr lang="en-US" dirty="0" err="1" smtClean="0">
+                <a:solidFill>
+                  <a:schemeClr val="tx1"/>
+                </a:solidFill>
+              </a:rPr>
+              <a:t>int</a:t>
+            </a:r>
+            <a:r>
+              <a:rPr lang="en-US" dirty="0" smtClean="0">
+                <a:solidFill>
+                  <a:schemeClr val="tx1"/>
+                </a:solidFill>
+              </a:rPr>
+              <a:t>!</a:t>
+            </a:r>
+            <a:endParaRPr lang="en-US" dirty="0">
+              <a:solidFill>
+                <a:schemeClr val="tx1"/>
+              </a:solidFill>
+            </a:endParaRPr>
+          </a:p>
+        </p:txBody>
+      </p:sp>
+    </p:spTree>
+    <p:extLst>
+      <p:ext uri="{BB962C8B-B14F-4D97-AF65-F5344CB8AC3E}">
+        <p14:creationId xmlns:p14="http://schemas.microsoft.com/office/powerpoint/2010/main" val="1260400752"/>
+      </p:ext>
+    </p:extLst>
+  </p:cSld>
+  <p:clrMapOvr>
+    <a:masterClrMapping/>
+  </p:clrMapOvr>
+  <p:timing>
+    <p:tnLst>
+      <p:par>
+        <p:cTn id="1" dur="indefinite" restart="never" nodeType="tmRoot"/>
+      </p:par>
+    </p:tnLst>
+  </p:timing>
+</p:sld>
+</file>
+
+<file path=ppt/slides/slide13.xml><?xml version="1.0" encoding="utf-8"?>
+<p:sld xmlns:a="http://schemas.openxmlformats.org/drawingml/2006/main" xmlns:r="http://schemas.openxmlformats.org/officeDocument/2006/relationships" xmlns:p="http://schemas.openxmlformats.org/presentationml/2006/main">
+  <p:cSld>
+    <p:spTree>
+      <p:nvGrpSpPr>
+        <p:cNvPr id="1" name=""/>
+        <p:cNvGrpSpPr/>
+        <p:nvPr/>
+      </p:nvGrpSpPr>
+      <p:grpSpPr>
+        <a:xfrm>
+          <a:off x="0" y="0"/>
+          <a:ext cx="0" cy="0"/>
+          <a:chOff x="0" y="0"/>
+          <a:chExt cx="0" cy="0"/>
+        </a:xfrm>
+      </p:grpSpPr>
+      <p:sp>
+        <p:nvSpPr>
+          <p:cNvPr id="6" name="Oval 5"/>
+          <p:cNvSpPr/>
+          <p:nvPr/>
+        </p:nvSpPr>
+        <p:spPr>
+          <a:xfrm>
+            <a:off x="3124200" y="4643550"/>
             <a:ext cx="914400" cy="838200"/>
           </a:xfrm>
           <a:prstGeom prst="ellipse">
@@ -3774,7 +3737,7 @@
                   <a:schemeClr val="tx1"/>
                 </a:solidFill>
               </a:rPr>
-              <a:t>2</a:t>
+              <a:t>1</a:t>
             </a:r>
             <a:endParaRPr lang="en-US" sz="3200" dirty="0">
               <a:solidFill>
@@ -3786,13 +3749,13 @@
       </p:sp>
       <p:sp>
         <p:nvSpPr>
-          <p:cNvPr id="8" name="Oval 7"/>
+          <p:cNvPr id="7" name="Oval 6"/>
           <p:cNvSpPr/>
           <p:nvPr/>
         </p:nvSpPr>
         <p:spPr>
           <a:xfrm>
-            <a:off x="4038600" y="4051335"/>
+            <a:off x="4953000" y="4643550"/>
             <a:ext cx="914400" cy="838200"/>
           </a:xfrm>
           <a:prstGeom prst="ellipse">
@@ -3829,6 +3792,61 @@
                   <a:schemeClr val="tx1"/>
                 </a:solidFill>
               </a:rPr>
+              <a:t>2</a:t>
+            </a:r>
+            <a:endParaRPr lang="en-US" sz="3200" dirty="0">
+              <a:solidFill>
+                <a:schemeClr val="tx1"/>
+              </a:solidFill>
+            </a:endParaRPr>
+          </a:p>
+        </p:txBody>
+      </p:sp>
+      <p:sp>
+        <p:nvSpPr>
+          <p:cNvPr id="8" name="Oval 7"/>
+          <p:cNvSpPr/>
+          <p:nvPr/>
+        </p:nvSpPr>
+        <p:spPr>
+          <a:xfrm>
+            <a:off x="4038600" y="3441735"/>
+            <a:ext cx="914400" cy="838200"/>
+          </a:xfrm>
+          <a:prstGeom prst="ellipse">
+            <a:avLst/>
+          </a:prstGeom>
+          <a:solidFill>
+            <a:schemeClr val="bg1"/>
+          </a:solidFill>
+        </p:spPr>
+        <p:style>
+          <a:lnRef idx="2">
+            <a:schemeClr val="accent1">
+              <a:shade val="50000"/>
+            </a:schemeClr>
+          </a:lnRef>
+          <a:fillRef idx="1">
+            <a:schemeClr val="accent1"/>
+          </a:fillRef>
+          <a:effectRef idx="0">
+            <a:schemeClr val="accent1"/>
+          </a:effectRef>
+          <a:fontRef idx="minor">
+            <a:schemeClr val="lt1"/>
+          </a:fontRef>
+        </p:style>
+        <p:txBody>
+          <a:bodyPr rtlCol="0" anchor="ctr"/>
+          <a:lstStyle/>
+          <a:p>
+            <a:pPr algn="ctr"/>
+            <a:r>
+              <a:rPr lang="en-US" sz="3200" dirty="0" smtClean="0">
+                <a:solidFill>
+                  <a:schemeClr val="tx1"/>
+                </a:solidFill>
+              </a:rPr>
               <a:t>+</a:t>
             </a:r>
             <a:endParaRPr lang="en-US" sz="3200" dirty="0">
@@ -3850,7 +3868,7 @@
         </p:nvCxnSpPr>
         <p:spPr>
           <a:xfrm flipH="1">
-            <a:off x="3581400" y="4766783"/>
+            <a:off x="3581400" y="4157183"/>
             <a:ext cx="591111" cy="486367"/>
           </a:xfrm>
           <a:prstGeom prst="line">
@@ -3890,7 +3908,7 @@
         </p:nvCxnSpPr>
         <p:spPr>
           <a:xfrm>
-            <a:off x="4819089" y="4766783"/>
+            <a:off x="4819089" y="4157183"/>
             <a:ext cx="591111" cy="486367"/>
           </a:xfrm>
           <a:prstGeom prst="line">
@@ -3927,7 +3945,7 @@
         </p:nvSpPr>
         <p:spPr>
           <a:xfrm>
-            <a:off x="6471822" y="4710133"/>
+            <a:off x="6471822" y="4100533"/>
             <a:ext cx="1148178" cy="771617"/>
           </a:xfrm>
           <a:prstGeom prst="wedgeEllipseCallout">
@@ -4001,7 +4019,7 @@
         </p:nvSpPr>
         <p:spPr>
           <a:xfrm>
-            <a:off x="1219200" y="5781583"/>
+            <a:off x="1219200" y="5171983"/>
             <a:ext cx="1148178" cy="771617"/>
           </a:xfrm>
           <a:prstGeom prst="wedgeEllipseCallout">
@@ -4075,7 +4093,7 @@
         </p:nvSpPr>
         <p:spPr>
           <a:xfrm>
-            <a:off x="304800" y="2889470"/>
+            <a:off x="304800" y="2279870"/>
             <a:ext cx="2362200" cy="1579485"/>
           </a:xfrm>
           <a:prstGeom prst="wedgeEllipseCallout">
@@ -4165,7 +4183,7 @@
         </p:nvSpPr>
         <p:spPr>
           <a:xfrm>
-            <a:off x="342900" y="1524000"/>
+            <a:off x="342900" y="457200"/>
             <a:ext cx="8458200" cy="1077218"/>
           </a:xfrm>
           <a:prstGeom prst="rect">
@@ -4200,14 +4218,177 @@
   <p:timing>
     <p:tnLst>
       <p:par>
-        <p:cTn id="1" dur="indefinite" restart="never" nodeType="tmRoot"/>
+        <p:cTn id="1" dur="indefinite" restart="never" nodeType="tmRoot">
+          <p:childTnLst>
+            <p:seq concurrent="1" nextAc="seek">
+              <p:cTn id="2" dur="indefinite" nodeType="mainSeq">
+                <p:childTnLst>
+                  <p:par>
+                    <p:cTn id="3" fill="hold">
+                      <p:stCondLst>
+                        <p:cond delay="indefinite"/>
+                      </p:stCondLst>
+                      <p:childTnLst>
+                        <p:par>
+                          <p:cTn id="4" fill="hold">
+                            <p:stCondLst>
+                              <p:cond delay="0"/>
+                            </p:stCondLst>
+                            <p:childTnLst>
+                              <p:par>
+                                <p:cTn id="5" presetID="1" presetClass="entr" presetSubtype="0" fill="hold" grpId="0" nodeType="clickEffect">
+                                  <p:stCondLst>
+                                    <p:cond delay="0"/>
+                                  </p:stCondLst>
+                                  <p:childTnLst>
+                                    <p:set>
+                                      <p:cBhvr>
+                                        <p:cTn id="6" dur="1" fill="hold">
+                                          <p:stCondLst>
+                                            <p:cond delay="0"/>
+                                          </p:stCondLst>
+                                        </p:cTn>
+                                        <p:tgtEl>
+                                          <p:spTgt spid="22"/>
+                                        </p:tgtEl>
+                                        <p:attrNameLst>
+                                          <p:attrName>style.visibility</p:attrName>
+                                        </p:attrNameLst>
+                                      </p:cBhvr>
+                                      <p:to>
+                                        <p:strVal val="visible"/>
+                                      </p:to>
+                                    </p:set>
+                                  </p:childTnLst>
+                                </p:cTn>
+                              </p:par>
+                            </p:childTnLst>
+                          </p:cTn>
+                        </p:par>
+                      </p:childTnLst>
+                    </p:cTn>
+                  </p:par>
+                  <p:par>
+                    <p:cTn id="7" fill="hold">
+                      <p:stCondLst>
+                        <p:cond delay="indefinite"/>
+                      </p:stCondLst>
+                      <p:childTnLst>
+                        <p:par>
+                          <p:cTn id="8" fill="hold">
+                            <p:stCondLst>
+                              <p:cond delay="0"/>
+                            </p:stCondLst>
+                            <p:childTnLst>
+                              <p:par>
+                                <p:cTn id="9" presetID="1" presetClass="entr" presetSubtype="0" fill="hold" grpId="0" nodeType="clickEffect">
+                                  <p:stCondLst>
+                                    <p:cond delay="0"/>
+                                  </p:stCondLst>
+                                  <p:childTnLst>
+                                    <p:set>
+                                      <p:cBhvr>
+                                        <p:cTn id="10" dur="1" fill="hold">
+                                          <p:stCondLst>
+                                            <p:cond delay="0"/>
+                                          </p:stCondLst>
+                                        </p:cTn>
+                                        <p:tgtEl>
+                                          <p:spTgt spid="21"/>
+                                        </p:tgtEl>
+                                        <p:attrNameLst>
+                                          <p:attrName>style.visibility</p:attrName>
+                                        </p:attrNameLst>
+                                      </p:cBhvr>
+                                      <p:to>
+                                        <p:strVal val="visible"/>
+                                      </p:to>
+                                    </p:set>
+                                  </p:childTnLst>
+                                </p:cTn>
+                              </p:par>
+                            </p:childTnLst>
+                          </p:cTn>
+                        </p:par>
+                      </p:childTnLst>
+                    </p:cTn>
+                  </p:par>
+                  <p:par>
+                    <p:cTn id="11" fill="hold">
+                      <p:stCondLst>
+                        <p:cond delay="indefinite"/>
+                      </p:stCondLst>
+                      <p:childTnLst>
+                        <p:par>
+                          <p:cTn id="12" fill="hold">
+                            <p:stCondLst>
+                              <p:cond delay="0"/>
+                            </p:stCondLst>
+                            <p:childTnLst>
+                              <p:par>
+                                <p:cTn id="13" presetID="1" presetClass="entr" presetSubtype="0" fill="hold" grpId="0" nodeType="clickEffect">
+                                  <p:stCondLst>
+                                    <p:cond delay="0"/>
+                                  </p:stCondLst>
+                                  <p:childTnLst>
+                                    <p:set>
+                                      <p:cBhvr>
+                                        <p:cTn id="14" dur="1" fill="hold">
+                                          <p:stCondLst>
+                                            <p:cond delay="0"/>
+                                          </p:stCondLst>
+                                        </p:cTn>
+                                        <p:tgtEl>
+                                          <p:spTgt spid="23"/>
+                                        </p:tgtEl>
+                                        <p:attrNameLst>
+                                          <p:attrName>style.visibility</p:attrName>
+                                        </p:attrNameLst>
+                                      </p:cBhvr>
+                                      <p:to>
+                                        <p:strVal val="visible"/>
+                                      </p:to>
+                                    </p:set>
+                                  </p:childTnLst>
+                                </p:cTn>
+                              </p:par>
+                            </p:childTnLst>
+                          </p:cTn>
+                        </p:par>
+                      </p:childTnLst>
+                    </p:cTn>
+                  </p:par>
+                </p:childTnLst>
+              </p:cTn>
+              <p:prevCondLst>
+                <p:cond evt="onPrev" delay="0">
+                  <p:tgtEl>
+                    <p:sldTgt/>
+                  </p:tgtEl>
+                </p:cond>
+              </p:prevCondLst>
+              <p:nextCondLst>
+                <p:cond evt="onNext" delay="0">
+                  <p:tgtEl>
+                    <p:sldTgt/>
+                  </p:tgtEl>
+                </p:cond>
+              </p:nextCondLst>
+            </p:seq>
+          </p:childTnLst>
+        </p:cTn>
       </p:par>
     </p:tnLst>
+    <p:bldLst>
+      <p:bldP spid="21" grpId="0" animBg="1"/>
+      <p:bldP spid="22" grpId="0" animBg="1"/>
+      <p:bldP spid="23" grpId="0" animBg="1"/>
+    </p:bldLst>
   </p:timing>
 </p:sld>
 </file>
 
-<file path=ppt/slides/slide13.xml><?xml version="1.0" encoding="utf-8"?>
+<file path=ppt/slides/slide14.xml><?xml version="1.0" encoding="utf-8"?>
 <p:sld xmlns:a="http://schemas.openxmlformats.org/drawingml/2006/main" xmlns:r="http://schemas.openxmlformats.org/officeDocument/2006/relationships" xmlns:p="http://schemas.openxmlformats.org/presentationml/2006/main">
   <p:cSld>
     <p:spTree>
@@ -4226,84 +4407,13 @@
       </p:grpSpPr>
       <p:sp>
         <p:nvSpPr>
-          <p:cNvPr id="13" name="Title 1"/>
-          <p:cNvSpPr>
-            <a:spLocks noGrp="1"/>
-          </p:cNvSpPr>
-          <p:nvPr>
-            <p:ph type="title"/>
-          </p:nvPr>
-        </p:nvSpPr>
-        <p:spPr>
-          <a:xfrm>
-            <a:off x="457200" y="0"/>
-            <a:ext cx="8229600" cy="1143000"/>
-          </a:xfrm>
-        </p:spPr>
-        <p:txBody>
-          <a:bodyPr/>
-          <a:lstStyle/>
-          <a:p>
-            <a:r>
-              <a:rPr lang="en-US" dirty="0" smtClean="0"/>
-              <a:t>Type Check: Identifiers</a:t>
-            </a:r>
-            <a:endParaRPr lang="en-US" dirty="0"/>
-          </a:p>
-        </p:txBody>
-      </p:sp>
-      <p:sp>
-        <p:nvSpPr>
-          <p:cNvPr id="14" name="Content Placeholder 2"/>
-          <p:cNvSpPr>
-            <a:spLocks noGrp="1"/>
-          </p:cNvSpPr>
-          <p:nvPr>
-            <p:ph idx="1"/>
-          </p:nvPr>
-        </p:nvSpPr>
-        <p:spPr>
-          <a:xfrm>
-            <a:off x="5791200" y="2895600"/>
-            <a:ext cx="2362200" cy="762000"/>
-          </a:xfrm>
-        </p:spPr>
-        <p:txBody>
-          <a:bodyPr>
-            <a:normAutofit fontScale="85000" lnSpcReduction="10000"/>
-          </a:bodyPr>
-          <a:lstStyle/>
-          <a:p>
-            <a:pPr marL="0" indent="0">
-              <a:buNone/>
-            </a:pPr>
-            <a:r>
-              <a:rPr lang="en-US" dirty="0" smtClean="0"/>
-              <a:t>Expression: </a:t>
-            </a:r>
-            <a:r>
-              <a:rPr lang="en-US" dirty="0" err="1" smtClean="0"/>
-              <a:t>x+y</a:t>
-            </a:r>
-            <a:endParaRPr lang="en-US" dirty="0" smtClean="0"/>
-          </a:p>
-          <a:p>
-            <a:pPr marL="0" indent="0">
-              <a:buNone/>
-            </a:pPr>
-            <a:endParaRPr lang="en-US" dirty="0"/>
-          </a:p>
-        </p:txBody>
-      </p:sp>
-      <p:sp>
-        <p:nvSpPr>
           <p:cNvPr id="23" name="TextBox 22"/>
           <p:cNvSpPr txBox="1"/>
           <p:nvPr/>
         </p:nvSpPr>
         <p:spPr>
           <a:xfrm>
-            <a:off x="342900" y="1066800"/>
+            <a:off x="342900" y="381000"/>
             <a:ext cx="8458200" cy="1569660"/>
           </a:xfrm>
           <a:prstGeom prst="rect">
@@ -4319,7 +4429,7 @@
           <a:p>
             <a:r>
               <a:rPr lang="en-US" sz="3200" dirty="0" smtClean="0"/>
-              <a:t>Some nodes need some context: what names are in </a:t>
+              <a:t>Some nodes need context: what names are in </a:t>
             </a:r>
             <a:r>
               <a:rPr lang="en-US" sz="3200" b="1" dirty="0" smtClean="0"/>
@@ -4333,340 +4443,224 @@
           </a:p>
         </p:txBody>
       </p:sp>
-      <p:grpSp>
-        <p:nvGrpSpPr>
-          <p:cNvPr id="6" name="Group 5"/>
-          <p:cNvGrpSpPr/>
+      <p:sp>
+        <p:nvSpPr>
+          <p:cNvPr id="33" name="Rectangle 32"/>
+          <p:cNvSpPr/>
           <p:nvPr/>
-        </p:nvGrpSpPr>
-        <p:grpSpPr>
+        </p:nvSpPr>
+        <p:spPr>
           <a:xfrm>
-            <a:off x="152400" y="3200400"/>
-            <a:ext cx="1981200" cy="3200400"/>
-            <a:chOff x="152400" y="3200400"/>
-            <a:chExt cx="1981200" cy="3200400"/>
+            <a:off x="533400" y="3145150"/>
+            <a:ext cx="1981200" cy="2552699"/>
           </a:xfrm>
-        </p:grpSpPr>
-        <p:grpSp>
-          <p:nvGrpSpPr>
-            <p:cNvPr id="2" name="Group 1"/>
-            <p:cNvGrpSpPr/>
-            <p:nvPr/>
-          </p:nvGrpSpPr>
-          <p:grpSpPr>
-            <a:xfrm>
-              <a:off x="152400" y="3200400"/>
-              <a:ext cx="1981200" cy="3200400"/>
-              <a:chOff x="152400" y="3200400"/>
-              <a:chExt cx="1981200" cy="3200400"/>
-            </a:xfrm>
-          </p:grpSpPr>
-          <p:sp>
-            <p:nvSpPr>
-              <p:cNvPr id="33" name="Rectangle 32"/>
-              <p:cNvSpPr/>
-              <p:nvPr/>
-            </p:nvSpPr>
-            <p:spPr>
-              <a:xfrm>
-                <a:off x="152400" y="3200400"/>
-                <a:ext cx="1981200" cy="3200400"/>
-              </a:xfrm>
-              <a:prstGeom prst="rect">
-                <a:avLst/>
-              </a:prstGeom>
+          <a:prstGeom prst="rect">
+            <a:avLst/>
+          </a:prstGeom>
+          <a:solidFill>
+            <a:schemeClr val="bg1"/>
+          </a:solidFill>
+        </p:spPr>
+        <p:style>
+          <a:lnRef idx="2">
+            <a:schemeClr val="accent1">
+              <a:shade val="50000"/>
+            </a:schemeClr>
+          </a:lnRef>
+          <a:fillRef idx="1">
+            <a:schemeClr val="accent1"/>
+          </a:fillRef>
+          <a:effectRef idx="0">
+            <a:schemeClr val="accent1"/>
+          </a:effectRef>
+          <a:fontRef idx="minor">
+            <a:schemeClr val="lt1"/>
+          </a:fontRef>
+        </p:style>
+        <p:txBody>
+          <a:bodyPr rtlCol="0" anchor="ctr"/>
+          <a:lstStyle/>
+          <a:p>
+            <a:r>
+              <a:rPr lang="en-US" dirty="0" err="1">
+                <a:solidFill>
+                  <a:schemeClr val="tx1"/>
+                </a:solidFill>
+                <a:latin typeface="Consolas" pitchFamily="49" charset="0"/>
+                <a:cs typeface="Consolas" pitchFamily="49" charset="0"/>
+              </a:rPr>
+              <a:t>int</a:t>
+            </a:r>
+            <a:r>
+              <a:rPr lang="en-US" dirty="0">
+                <a:solidFill>
+                  <a:schemeClr val="tx1"/>
+                </a:solidFill>
+                <a:latin typeface="Consolas" pitchFamily="49" charset="0"/>
+                <a:cs typeface="Consolas" pitchFamily="49" charset="0"/>
+              </a:rPr>
+              <a:t> x = </a:t>
+            </a:r>
+            <a:r>
+              <a:rPr lang="en-US" dirty="0" smtClean="0">
+                <a:solidFill>
+                  <a:schemeClr val="tx1"/>
+                </a:solidFill>
+                <a:latin typeface="Consolas" pitchFamily="49" charset="0"/>
+                <a:cs typeface="Consolas" pitchFamily="49" charset="0"/>
+              </a:rPr>
+              <a:t>1</a:t>
+            </a:r>
+          </a:p>
+          <a:p>
+            <a:r>
+              <a:rPr lang="en-US" dirty="0" err="1" smtClean="0">
+                <a:solidFill>
+                  <a:schemeClr val="tx1"/>
+                </a:solidFill>
+                <a:latin typeface="Consolas" pitchFamily="49" charset="0"/>
+                <a:cs typeface="Consolas" pitchFamily="49" charset="0"/>
+              </a:rPr>
+              <a:t>bool</a:t>
+            </a:r>
+            <a:r>
+              <a:rPr lang="en-US" dirty="0" smtClean="0">
+                <a:solidFill>
+                  <a:schemeClr val="tx1"/>
+                </a:solidFill>
+                <a:latin typeface="Consolas" pitchFamily="49" charset="0"/>
+                <a:cs typeface="Consolas" pitchFamily="49" charset="0"/>
+              </a:rPr>
+              <a:t> y = true</a:t>
+            </a:r>
+          </a:p>
+          <a:p>
+            <a:endParaRPr lang="en-US" dirty="0" smtClean="0">
               <a:solidFill>
-                <a:schemeClr val="bg1"/>
+                <a:schemeClr val="tx1"/>
               </a:solidFill>
-            </p:spPr>
-            <p:style>
-              <a:lnRef idx="2">
-                <a:schemeClr val="accent1">
-                  <a:shade val="50000"/>
-                </a:schemeClr>
-              </a:lnRef>
-              <a:fillRef idx="1">
-                <a:schemeClr val="accent1"/>
-              </a:fillRef>
-              <a:effectRef idx="0">
-                <a:schemeClr val="accent1"/>
-              </a:effectRef>
-              <a:fontRef idx="minor">
-                <a:schemeClr val="lt1"/>
-              </a:fontRef>
-            </p:style>
-            <p:txBody>
-              <a:bodyPr rtlCol="0" anchor="ctr"/>
-              <a:lstStyle/>
-              <a:p>
-                <a:r>
-                  <a:rPr lang="en-US" dirty="0" err="1">
-                    <a:solidFill>
-                      <a:schemeClr val="tx1"/>
-                    </a:solidFill>
-                  </a:rPr>
-                  <a:t>int</a:t>
-                </a:r>
-                <a:r>
-                  <a:rPr lang="en-US" dirty="0">
-                    <a:solidFill>
-                      <a:schemeClr val="tx1"/>
-                    </a:solidFill>
-                  </a:rPr>
-                  <a:t> x = </a:t>
-                </a:r>
-                <a:r>
-                  <a:rPr lang="en-US" dirty="0" smtClean="0">
-                    <a:solidFill>
-                      <a:schemeClr val="tx1"/>
-                    </a:solidFill>
-                  </a:rPr>
-                  <a:t>1</a:t>
-                </a:r>
-              </a:p>
-              <a:p>
-                <a:r>
-                  <a:rPr lang="en-US" dirty="0" err="1" smtClean="0">
-                    <a:solidFill>
-                      <a:schemeClr val="tx1"/>
-                    </a:solidFill>
-                  </a:rPr>
-                  <a:t>bool</a:t>
-                </a:r>
-                <a:r>
-                  <a:rPr lang="en-US" dirty="0" smtClean="0">
-                    <a:solidFill>
-                      <a:schemeClr val="tx1"/>
-                    </a:solidFill>
-                  </a:rPr>
-                  <a:t> y = true</a:t>
-                </a:r>
-              </a:p>
-              <a:p>
-                <a:r>
-                  <a:rPr lang="en-US" dirty="0" smtClean="0">
-                    <a:solidFill>
-                      <a:schemeClr val="tx1"/>
-                    </a:solidFill>
-                  </a:rPr>
-                  <a:t>if (y)</a:t>
-                </a:r>
-              </a:p>
-              <a:p>
-                <a:r>
-                  <a:rPr lang="en-US" dirty="0" smtClean="0">
-                    <a:solidFill>
-                      <a:schemeClr val="tx1"/>
-                    </a:solidFill>
-                  </a:rPr>
-                  <a:t>{</a:t>
-                </a:r>
-              </a:p>
-              <a:p>
-                <a:endParaRPr lang="en-US" dirty="0" smtClean="0">
-                  <a:solidFill>
-                    <a:schemeClr val="tx1"/>
-                  </a:solidFill>
-                </a:endParaRPr>
-              </a:p>
-              <a:p>
-                <a:endParaRPr lang="en-US" dirty="0">
-                  <a:solidFill>
-                    <a:schemeClr val="tx1"/>
-                  </a:solidFill>
-                </a:endParaRPr>
-              </a:p>
-              <a:p>
-                <a:endParaRPr lang="en-US" dirty="0" smtClean="0">
-                  <a:solidFill>
-                    <a:schemeClr val="tx1"/>
-                  </a:solidFill>
-                </a:endParaRPr>
-              </a:p>
-              <a:p>
-                <a:endParaRPr lang="en-US" dirty="0">
-                  <a:solidFill>
-                    <a:schemeClr val="tx1"/>
-                  </a:solidFill>
-                </a:endParaRPr>
-              </a:p>
-              <a:p>
-                <a:endParaRPr lang="en-US" dirty="0" smtClean="0">
-                  <a:solidFill>
-                    <a:schemeClr val="tx1"/>
-                  </a:solidFill>
-                </a:endParaRPr>
-              </a:p>
-              <a:p>
-                <a:endParaRPr lang="en-US" dirty="0">
-                  <a:solidFill>
-                    <a:schemeClr val="tx1"/>
-                  </a:solidFill>
-                </a:endParaRPr>
-              </a:p>
-              <a:p>
-                <a:r>
-                  <a:rPr lang="en-US" dirty="0" smtClean="0">
-                    <a:solidFill>
-                      <a:schemeClr val="tx1"/>
-                    </a:solidFill>
-                  </a:rPr>
-                  <a:t>}</a:t>
-                </a:r>
-                <a:endParaRPr lang="en-US" dirty="0">
-                  <a:solidFill>
-                    <a:schemeClr val="tx1"/>
-                  </a:solidFill>
-                </a:endParaRPr>
-              </a:p>
-            </p:txBody>
-          </p:sp>
-          <p:sp>
-            <p:nvSpPr>
-              <p:cNvPr id="34" name="Rectangle 33"/>
-              <p:cNvSpPr/>
-              <p:nvPr/>
-            </p:nvSpPr>
-            <p:spPr>
-              <a:xfrm>
-                <a:off x="419100" y="4389060"/>
-                <a:ext cx="1447800" cy="1706048"/>
-              </a:xfrm>
-              <a:prstGeom prst="rect">
-                <a:avLst/>
-              </a:prstGeom>
+              <a:latin typeface="Consolas" pitchFamily="49" charset="0"/>
+              <a:cs typeface="Consolas" pitchFamily="49" charset="0"/>
+            </a:endParaRPr>
+          </a:p>
+          <a:p>
+            <a:r>
+              <a:rPr lang="en-US" dirty="0" smtClean="0">
+                <a:solidFill>
+                  <a:schemeClr val="tx1"/>
+                </a:solidFill>
+                <a:latin typeface="Consolas" pitchFamily="49" charset="0"/>
+                <a:cs typeface="Consolas" pitchFamily="49" charset="0"/>
+              </a:rPr>
+              <a:t>if (y)</a:t>
+            </a:r>
+          </a:p>
+          <a:p>
+            <a:r>
+              <a:rPr lang="en-US" dirty="0" smtClean="0">
+                <a:solidFill>
+                  <a:schemeClr val="tx1"/>
+                </a:solidFill>
+                <a:latin typeface="Consolas" pitchFamily="49" charset="0"/>
+                <a:cs typeface="Consolas" pitchFamily="49" charset="0"/>
+              </a:rPr>
+              <a:t>{</a:t>
+            </a:r>
+          </a:p>
+          <a:p>
+            <a:r>
+              <a:rPr lang="en-US" dirty="0" smtClean="0">
+                <a:solidFill>
+                  <a:schemeClr val="tx1"/>
+                </a:solidFill>
+                <a:latin typeface="Consolas" pitchFamily="49" charset="0"/>
+                <a:cs typeface="Consolas" pitchFamily="49" charset="0"/>
+              </a:rPr>
+              <a:t>    </a:t>
+            </a:r>
+            <a:r>
+              <a:rPr lang="en-US" dirty="0" err="1" smtClean="0">
+                <a:solidFill>
+                  <a:schemeClr val="tx1"/>
+                </a:solidFill>
+                <a:latin typeface="Consolas" pitchFamily="49" charset="0"/>
+                <a:cs typeface="Consolas" pitchFamily="49" charset="0"/>
+              </a:rPr>
+              <a:t>int</a:t>
+            </a:r>
+            <a:r>
+              <a:rPr lang="en-US" dirty="0" smtClean="0">
+                <a:solidFill>
+                  <a:schemeClr val="tx1"/>
+                </a:solidFill>
+                <a:latin typeface="Consolas" pitchFamily="49" charset="0"/>
+                <a:cs typeface="Consolas" pitchFamily="49" charset="0"/>
+              </a:rPr>
+              <a:t> y = 0</a:t>
+            </a:r>
+          </a:p>
+          <a:p>
+            <a:r>
+              <a:rPr lang="en-US" dirty="0" smtClean="0">
+                <a:solidFill>
+                  <a:schemeClr val="tx1"/>
+                </a:solidFill>
+                <a:latin typeface="Consolas" pitchFamily="49" charset="0"/>
+                <a:cs typeface="Consolas" pitchFamily="49" charset="0"/>
+              </a:rPr>
+              <a:t>    </a:t>
+            </a:r>
+            <a:r>
+              <a:rPr lang="en-US" b="1" dirty="0" smtClean="0">
+                <a:solidFill>
+                  <a:schemeClr val="tx1"/>
+                </a:solidFill>
+                <a:latin typeface="Consolas" pitchFamily="49" charset="0"/>
+                <a:cs typeface="Consolas" pitchFamily="49" charset="0"/>
+              </a:rPr>
+              <a:t>x + y</a:t>
+            </a:r>
+            <a:endParaRPr lang="en-US" b="1" dirty="0">
               <a:solidFill>
-                <a:schemeClr val="bg1"/>
+                <a:schemeClr val="tx1"/>
               </a:solidFill>
-            </p:spPr>
-            <p:style>
-              <a:lnRef idx="2">
-                <a:schemeClr val="accent1">
-                  <a:shade val="50000"/>
-                </a:schemeClr>
-              </a:lnRef>
-              <a:fillRef idx="1">
-                <a:schemeClr val="accent1"/>
-              </a:fillRef>
-              <a:effectRef idx="0">
-                <a:schemeClr val="accent1"/>
-              </a:effectRef>
-              <a:fontRef idx="minor">
-                <a:schemeClr val="lt1"/>
-              </a:fontRef>
-            </p:style>
-            <p:txBody>
-              <a:bodyPr rtlCol="0" anchor="ctr"/>
-              <a:lstStyle/>
-              <a:p>
-                <a:r>
-                  <a:rPr lang="en-US" dirty="0" err="1">
-                    <a:solidFill>
-                      <a:schemeClr val="tx1"/>
-                    </a:solidFill>
-                  </a:rPr>
-                  <a:t>int</a:t>
-                </a:r>
-                <a:r>
-                  <a:rPr lang="en-US" dirty="0">
-                    <a:solidFill>
-                      <a:schemeClr val="tx1"/>
-                    </a:solidFill>
-                  </a:rPr>
-                  <a:t> </a:t>
-                </a:r>
-                <a:r>
-                  <a:rPr lang="en-US" dirty="0" smtClean="0">
-                    <a:solidFill>
-                      <a:schemeClr val="tx1"/>
-                    </a:solidFill>
-                  </a:rPr>
-                  <a:t>y </a:t>
-                </a:r>
-                <a:r>
-                  <a:rPr lang="en-US" dirty="0">
-                    <a:solidFill>
-                      <a:schemeClr val="tx1"/>
-                    </a:solidFill>
-                  </a:rPr>
-                  <a:t>= 0</a:t>
-                </a:r>
-              </a:p>
-              <a:p>
-                <a:r>
-                  <a:rPr lang="en-US" b="1" dirty="0" err="1" smtClean="0">
-                    <a:solidFill>
-                      <a:schemeClr val="tx1"/>
-                    </a:solidFill>
-                  </a:rPr>
-                  <a:t>x+y</a:t>
-                </a:r>
-                <a:endParaRPr lang="en-US" b="1" dirty="0">
-                  <a:solidFill>
-                    <a:schemeClr val="tx1"/>
-                  </a:solidFill>
-                </a:endParaRPr>
-              </a:p>
-              <a:p>
-                <a:endParaRPr lang="en-US" dirty="0" smtClean="0">
-                  <a:solidFill>
-                    <a:schemeClr val="tx1"/>
-                  </a:solidFill>
-                </a:endParaRPr>
-              </a:p>
-            </p:txBody>
-          </p:sp>
-        </p:grpSp>
-        <p:sp>
-          <p:nvSpPr>
-            <p:cNvPr id="22" name="Rectangle 21"/>
-            <p:cNvSpPr/>
-            <p:nvPr/>
-          </p:nvSpPr>
-          <p:spPr>
-            <a:xfrm>
-              <a:off x="1295400" y="3200400"/>
-              <a:ext cx="838200" cy="272566"/>
-            </a:xfrm>
-            <a:prstGeom prst="rect">
-              <a:avLst/>
-            </a:prstGeom>
-            <a:solidFill>
-              <a:schemeClr val="bg1"/>
-            </a:solidFill>
-          </p:spPr>
-          <p:style>
-            <a:lnRef idx="2">
-              <a:schemeClr val="accent1">
-                <a:shade val="50000"/>
-              </a:schemeClr>
-            </a:lnRef>
-            <a:fillRef idx="1">
-              <a:schemeClr val="accent1"/>
-            </a:fillRef>
-            <a:effectRef idx="0">
-              <a:schemeClr val="accent1"/>
-            </a:effectRef>
-            <a:fontRef idx="minor">
-              <a:schemeClr val="lt1"/>
-            </a:fontRef>
-          </p:style>
-          <p:txBody>
-            <a:bodyPr rtlCol="0" anchor="ctr"/>
-            <a:lstStyle/>
-            <a:p>
-              <a:r>
-                <a:rPr lang="en-US" dirty="0" smtClean="0">
-                  <a:solidFill>
-                    <a:schemeClr val="tx1"/>
-                  </a:solidFill>
-                </a:rPr>
-                <a:t>Source</a:t>
-              </a:r>
-            </a:p>
-          </p:txBody>
-        </p:sp>
-      </p:grpSp>
+              <a:latin typeface="Consolas" pitchFamily="49" charset="0"/>
+              <a:cs typeface="Consolas" pitchFamily="49" charset="0"/>
+            </a:endParaRPr>
+          </a:p>
+          <a:p>
+            <a:r>
+              <a:rPr lang="en-US" dirty="0" smtClean="0">
+                <a:solidFill>
+                  <a:schemeClr val="tx1"/>
+                </a:solidFill>
+                <a:latin typeface="Consolas" pitchFamily="49" charset="0"/>
+                <a:cs typeface="Consolas" pitchFamily="49" charset="0"/>
+              </a:rPr>
+              <a:t>}</a:t>
+            </a:r>
+          </a:p>
+          <a:p>
+            <a:r>
+              <a:rPr lang="en-US" dirty="0" smtClean="0">
+                <a:solidFill>
+                  <a:schemeClr val="tx1"/>
+                </a:solidFill>
+                <a:latin typeface="Consolas" pitchFamily="49" charset="0"/>
+                <a:cs typeface="Consolas" pitchFamily="49" charset="0"/>
+              </a:rPr>
+              <a:t>else…</a:t>
+            </a:r>
+            <a:endParaRPr lang="en-US" dirty="0">
+              <a:solidFill>
+                <a:schemeClr val="tx1"/>
+              </a:solidFill>
+              <a:latin typeface="Consolas" pitchFamily="49" charset="0"/>
+              <a:cs typeface="Consolas" pitchFamily="49" charset="0"/>
+            </a:endParaRPr>
+          </a:p>
+        </p:txBody>
+      </p:sp>
       <p:grpSp>
         <p:nvGrpSpPr>
           <p:cNvPr id="7" name="Group 6"/>
@@ -4675,7 +4669,7 @@
         </p:nvGrpSpPr>
         <p:grpSpPr>
           <a:xfrm>
-            <a:off x="3048000" y="3657600"/>
+            <a:off x="6705600" y="3166102"/>
             <a:ext cx="1600200" cy="1981200"/>
             <a:chOff x="2438400" y="3657600"/>
             <a:chExt cx="1600200" cy="1981200"/>
@@ -4900,8 +4894,8 @@
           </p:nvSpPr>
           <p:spPr>
             <a:xfrm>
-              <a:off x="2743200" y="3657600"/>
-              <a:ext cx="1295400" cy="272566"/>
+              <a:off x="3238500" y="3657600"/>
+              <a:ext cx="800100" cy="272566"/>
             </a:xfrm>
             <a:prstGeom prst="rect">
               <a:avLst/>
@@ -4936,7 +4930,7 @@
                     <a:schemeClr val="tx1"/>
                   </a:solidFill>
                 </a:rPr>
-                <a:t>Scope Stack</a:t>
+                <a:t>Scope</a:t>
               </a:r>
             </a:p>
           </p:txBody>
@@ -4950,7 +4944,7 @@
         </p:nvGrpSpPr>
         <p:grpSpPr>
           <a:xfrm>
-            <a:off x="5791200" y="3541751"/>
+            <a:off x="3276600" y="3124200"/>
             <a:ext cx="2286000" cy="2738550"/>
             <a:chOff x="4419600" y="3738450"/>
             <a:chExt cx="2286000" cy="2738550"/>
@@ -5207,19 +5201,18 @@
           <p:cNvPr id="45" name="Curved Connector 44"/>
           <p:cNvCxnSpPr>
             <a:stCxn id="42" idx="0"/>
-            <a:endCxn id="17" idx="2"/>
+            <a:endCxn id="17" idx="0"/>
           </p:cNvCxnSpPr>
           <p:nvPr/>
         </p:nvCxnSpPr>
         <p:spPr>
-          <a:xfrm rot="16200000" flipH="1">
-            <a:off x="5010924" y="2494775"/>
-            <a:ext cx="303251" cy="2628900"/>
+          <a:xfrm rot="16200000" flipV="1">
+            <a:off x="5941699" y="1602101"/>
+            <a:ext cx="41902" cy="3086100"/>
           </a:xfrm>
-          <a:prstGeom prst="curvedConnector4">
+          <a:prstGeom prst="curvedConnector3">
             <a:avLst>
-              <a:gd name="adj1" fmla="val -75383"/>
-              <a:gd name="adj2" fmla="val 65217"/>
+              <a:gd name="adj1" fmla="val 1942547"/>
             </a:avLst>
           </a:prstGeom>
           <a:ln w="28575">
@@ -5228,6 +5221,7 @@
                 <a:lumMod val="75000"/>
               </a:schemeClr>
             </a:solidFill>
+            <a:prstDash val="lgDash"/>
             <a:tailEnd type="arrow"/>
           </a:ln>
         </p:spPr>
@@ -5257,7 +5251,7 @@
         </p:nvCxnSpPr>
         <p:spPr>
           <a:xfrm rot="10800000" flipV="1">
-            <a:off x="5925112" y="3960851"/>
+            <a:off x="3410512" y="3543300"/>
             <a:ext cx="551889" cy="1604002"/>
           </a:xfrm>
           <a:prstGeom prst="curvedConnector2">
@@ -5269,6 +5263,7 @@
                 <a:lumMod val="75000"/>
               </a:schemeClr>
             </a:solidFill>
+            <a:prstDash val="lgDash"/>
             <a:tailEnd type="arrow"/>
           </a:ln>
         </p:spPr>
@@ -5295,13 +5290,13 @@
         </p:nvSpPr>
         <p:spPr>
           <a:xfrm>
-            <a:off x="4578288" y="5836861"/>
+            <a:off x="2614005" y="5943600"/>
             <a:ext cx="762000" cy="716339"/>
           </a:xfrm>
           <a:prstGeom prst="wedgeEllipseCallout">
             <a:avLst>
-              <a:gd name="adj1" fmla="val 97536"/>
-              <a:gd name="adj2" fmla="val -46898"/>
+              <a:gd name="adj1" fmla="val 61980"/>
+              <a:gd name="adj2" fmla="val -53990"/>
             </a:avLst>
           </a:prstGeom>
           <a:solidFill>
@@ -5353,10 +5348,184 @@
           </a:p>
         </p:txBody>
       </p:sp>
+      <p:cxnSp>
+        <p:nvCxnSpPr>
+          <p:cNvPr id="37" name="Curved Connector 36"/>
+          <p:cNvCxnSpPr>
+            <a:stCxn id="17" idx="6"/>
+            <a:endCxn id="16" idx="7"/>
+          </p:cNvCxnSpPr>
+          <p:nvPr/>
+        </p:nvCxnSpPr>
+        <p:spPr>
+          <a:xfrm>
+            <a:off x="4876800" y="3543300"/>
+            <a:ext cx="551889" cy="1604002"/>
+          </a:xfrm>
+          <a:prstGeom prst="curvedConnector2">
+            <a:avLst/>
+          </a:prstGeom>
+          <a:ln w="28575">
+            <a:solidFill>
+              <a:schemeClr val="accent1">
+                <a:lumMod val="75000"/>
+              </a:schemeClr>
+            </a:solidFill>
+            <a:prstDash val="lgDash"/>
+            <a:tailEnd type="arrow"/>
+          </a:ln>
+        </p:spPr>
+        <p:style>
+          <a:lnRef idx="1">
+            <a:schemeClr val="accent1"/>
+          </a:lnRef>
+          <a:fillRef idx="0">
+            <a:schemeClr val="accent1"/>
+          </a:fillRef>
+          <a:effectRef idx="0">
+            <a:schemeClr val="accent1"/>
+          </a:effectRef>
+          <a:fontRef idx="minor">
+            <a:schemeClr val="tx1"/>
+          </a:fontRef>
+        </p:style>
+      </p:cxnSp>
+      <p:sp>
+        <p:nvSpPr>
+          <p:cNvPr id="38" name="Oval Callout 37"/>
+          <p:cNvSpPr/>
+          <p:nvPr/>
+        </p:nvSpPr>
+        <p:spPr>
+          <a:xfrm flipH="1">
+            <a:off x="5596467" y="5943599"/>
+            <a:ext cx="780489" cy="716339"/>
+          </a:xfrm>
+          <a:prstGeom prst="wedgeEllipseCallout">
+            <a:avLst>
+              <a:gd name="adj1" fmla="val 61980"/>
+              <a:gd name="adj2" fmla="val -53990"/>
+            </a:avLst>
+          </a:prstGeom>
+          <a:solidFill>
+            <a:schemeClr val="bg1"/>
+          </a:solidFill>
+        </p:spPr>
+        <p:style>
+          <a:lnRef idx="2">
+            <a:schemeClr val="accent1">
+              <a:shade val="50000"/>
+            </a:schemeClr>
+          </a:lnRef>
+          <a:fillRef idx="1">
+            <a:schemeClr val="accent1"/>
+          </a:fillRef>
+          <a:effectRef idx="0">
+            <a:schemeClr val="accent1"/>
+          </a:effectRef>
+          <a:fontRef idx="minor">
+            <a:schemeClr val="lt1"/>
+          </a:fontRef>
+        </p:style>
+        <p:txBody>
+          <a:bodyPr rtlCol="0" anchor="ctr"/>
+          <a:lstStyle/>
+          <a:p>
+            <a:pPr algn="ctr"/>
+            <a:r>
+              <a:rPr lang="en-US" dirty="0" err="1" smtClean="0">
+                <a:solidFill>
+                  <a:schemeClr val="tx1"/>
+                </a:solidFill>
+              </a:rPr>
+              <a:t>int</a:t>
+            </a:r>
+            <a:r>
+              <a:rPr lang="en-US" dirty="0" smtClean="0">
+                <a:solidFill>
+                  <a:schemeClr val="tx1"/>
+                </a:solidFill>
+              </a:rPr>
+              <a:t>!</a:t>
+            </a:r>
+            <a:endParaRPr lang="en-US" dirty="0">
+              <a:solidFill>
+                <a:schemeClr val="tx1"/>
+              </a:solidFill>
+            </a:endParaRPr>
+          </a:p>
+        </p:txBody>
+      </p:sp>
+      <p:sp>
+        <p:nvSpPr>
+          <p:cNvPr id="40" name="Oval Callout 39"/>
+          <p:cNvSpPr/>
+          <p:nvPr/>
+        </p:nvSpPr>
+        <p:spPr>
+          <a:xfrm flipH="1">
+            <a:off x="3043610" y="2407860"/>
+            <a:ext cx="780489" cy="716339"/>
+          </a:xfrm>
+          <a:prstGeom prst="wedgeEllipseCallout">
+            <a:avLst>
+              <a:gd name="adj1" fmla="val -66025"/>
+              <a:gd name="adj2" fmla="val 57112"/>
+            </a:avLst>
+          </a:prstGeom>
+          <a:solidFill>
+            <a:schemeClr val="bg1"/>
+          </a:solidFill>
+        </p:spPr>
+        <p:style>
+          <a:lnRef idx="2">
+            <a:schemeClr val="accent1">
+              <a:shade val="50000"/>
+            </a:schemeClr>
+          </a:lnRef>
+          <a:fillRef idx="1">
+            <a:schemeClr val="accent1"/>
+          </a:fillRef>
+          <a:effectRef idx="0">
+            <a:schemeClr val="accent1"/>
+          </a:effectRef>
+          <a:fontRef idx="minor">
+            <a:schemeClr val="lt1"/>
+          </a:fontRef>
+        </p:style>
+        <p:txBody>
+          <a:bodyPr rtlCol="0" anchor="ctr"/>
+          <a:lstStyle/>
+          <a:p>
+            <a:pPr algn="ctr"/>
+            <a:r>
+              <a:rPr lang="en-US" dirty="0" err="1" smtClean="0">
+                <a:solidFill>
+                  <a:schemeClr val="tx1"/>
+                </a:solidFill>
+              </a:rPr>
+              <a:t>int</a:t>
+            </a:r>
+            <a:r>
+              <a:rPr lang="en-US" dirty="0" smtClean="0">
+                <a:solidFill>
+                  <a:schemeClr val="tx1"/>
+                </a:solidFill>
+              </a:rPr>
+              <a:t>!</a:t>
+            </a:r>
+            <a:endParaRPr lang="en-US" dirty="0">
+              <a:solidFill>
+                <a:schemeClr val="tx1"/>
+              </a:solidFill>
+            </a:endParaRPr>
+          </a:p>
+        </p:txBody>
+      </p:sp>
     </p:spTree>
     <p:extLst>
       <p:ext uri="{BB962C8B-B14F-4D97-AF65-F5344CB8AC3E}">
-        <p14:creationId xmlns:p14="http://schemas.microsoft.com/office/powerpoint/2010/main" val="1300423190"/>
+        <p14:creationId xmlns:p14="http://schemas.microsoft.com/office/powerpoint/2010/main" val="1013431852"/>
       </p:ext>
     </p:extLst>
   </p:cSld>
@@ -5405,7 +5574,7 @@
                                           </p:stCondLst>
                                         </p:cTn>
                                         <p:tgtEl>
-                                          <p:spTgt spid="6"/>
+                                          <p:spTgt spid="25"/>
                                         </p:tgtEl>
                                         <p:attrNameLst>
                                           <p:attrName>style.visibility</p:attrName>
@@ -5586,6 +5755,123 @@
                       </p:childTnLst>
                     </p:cTn>
                   </p:par>
+                  <p:par>
+                    <p:cTn id="21" fill="hold">
+                      <p:stCondLst>
+                        <p:cond delay="indefinite"/>
+                      </p:stCondLst>
+                      <p:childTnLst>
+                        <p:par>
+                          <p:cTn id="22" fill="hold">
+                            <p:stCondLst>
+                              <p:cond delay="0"/>
+                            </p:stCondLst>
+                            <p:childTnLst>
+                              <p:par>
+                                <p:cTn id="23" presetID="1" presetClass="entr" presetSubtype="0" fill="hold" nodeType="clickEffect">
+                                  <p:stCondLst>
+                                    <p:cond delay="0"/>
+                                  </p:stCondLst>
+                                  <p:childTnLst>
+                                    <p:set>
+                                      <p:cBhvr>
+                                        <p:cTn id="24" dur="1" fill="hold">
+                                          <p:stCondLst>
+                                            <p:cond delay="0"/>
+                                          </p:stCondLst>
+                                        </p:cTn>
+                                        <p:tgtEl>
+                                          <p:spTgt spid="37"/>
+                                        </p:tgtEl>
+                                        <p:attrNameLst>
+                                          <p:attrName>style.visibility</p:attrName>
+                                        </p:attrNameLst>
+                                      </p:cBhvr>
+                                      <p:to>
+                                        <p:strVal val="visible"/>
+                                      </p:to>
+                                    </p:set>
+                                  </p:childTnLst>
+                                </p:cTn>
+                              </p:par>
+                              <p:par>
+                                <p:cTn id="25" presetID="1" presetClass="entr" presetSubtype="0" fill="hold" grpId="0" nodeType="withEffect">
+                                  <p:stCondLst>
+                                    <p:cond delay="0"/>
+                                  </p:stCondLst>
+                                  <p:childTnLst>
+                                    <p:set>
+                                      <p:cBhvr>
+                                        <p:cTn id="26" dur="1" fill="hold">
+                                          <p:stCondLst>
+                                            <p:cond delay="0"/>
+                                          </p:stCondLst>
+                                        </p:cTn>
+                                        <p:tgtEl>
+                                          <p:spTgt spid="38"/>
+                                        </p:tgtEl>
+                                        <p:attrNameLst>
+                                          <p:attrName>style.visibility</p:attrName>
+                                        </p:attrNameLst>
+                                      </p:cBhvr>
+                                      <p:to>
+                                        <p:strVal val="visible"/>
+                                      </p:to>
+                                    </p:set>
+                                  </p:childTnLst>
+                                </p:cTn>
+                              </p:par>
+                            </p:childTnLst>
+                          </p:cTn>
+                        </p:par>
+                      </p:childTnLst>
+                    </p:cTn>
+                  </p:par>
+                  <p:par>
+                    <p:cTn id="27" fill="hold">
+                      <p:stCondLst>
+                        <p:cond delay="indefinite"/>
+                      </p:stCondLst>
+                      <p:childTnLst>
+                        <p:par>
+                          <p:cTn id="28" fill="hold">
+                            <p:stCondLst>
+                              <p:cond delay="0"/>
+                            </p:stCondLst>
+                            <p:childTnLst>
+                              <p:par>
+                                <p:cTn id="29" presetID="1" presetClass="entr" presetSubtype="0" fill="hold" grpId="0" nodeType="clickEffect">
+                                  <p:stCondLst>
+                                    <p:cond delay="0"/>
+                                  </p:stCondLst>
+                                  <p:childTnLst>
+                                    <p:set>
+                                      <p:cBhvr>
+                                        <p:cTn id="30" dur="1" fill="hold">
+                                          <p:stCondLst>
+                                            <p:cond delay="0"/>
+                                          </p:stCondLst>
+                                        </p:cTn>
+                                        <p:tgtEl>
+                                          <p:spTgt spid="40"/>
+                                        </p:tgtEl>
+                                        <p:attrNameLst>
+                                          <p:attrName>style.visibility</p:attrName>
+                                        </p:attrNameLst>
+                                      </p:cBhvr>
+                                      <p:to>
+                                        <p:strVal val="visible"/>
+                                      </p:to>
+                                    </p:set>
+                                  </p:childTnLst>
+                                </p:cTn>
+                              </p:par>
+                            </p:childTnLst>
+                          </p:cTn>
+                        </p:par>
+                      </p:childTnLst>
+                    </p:cTn>
+                  </p:par>
                 </p:childTnLst>
               </p:cTn>
               <p:prevCondLst>
@@ -5609,12 +5895,14 @@
     </p:tnLst>
     <p:bldLst>
       <p:bldP spid="44" grpId="0" animBg="1"/>
+      <p:bldP spid="38" grpId="0" animBg="1"/>
+      <p:bldP spid="40" grpId="0" animBg="1"/>
     </p:bldLst>
   </p:timing>
 </p:sld>
 </file>
 
-<file path=ppt/slides/slide14.xml><?xml version="1.0" encoding="utf-8"?>
+<file path=ppt/slides/slide15.xml><?xml version="1.0" encoding="utf-8"?>
 <p:sld xmlns:a="http://schemas.openxmlformats.org/drawingml/2006/main" xmlns:r="http://schemas.openxmlformats.org/officeDocument/2006/relationships" xmlns:p="http://schemas.openxmlformats.org/presentationml/2006/main">
   <p:cSld>
     <p:spTree>
@@ -5639,7 +5927,7 @@
         </p:nvSpPr>
         <p:spPr>
           <a:xfrm>
-            <a:off x="7060336" y="4860702"/>
+            <a:off x="6298336" y="5241702"/>
             <a:ext cx="788263" cy="685800"/>
           </a:xfrm>
           <a:prstGeom prst="ellipse">
@@ -5687,7 +5975,7 @@
         </p:nvSpPr>
         <p:spPr>
           <a:xfrm>
-            <a:off x="6172200" y="4788023"/>
+            <a:off x="5410200" y="5169023"/>
             <a:ext cx="685800" cy="1371600"/>
           </a:xfrm>
           <a:prstGeom prst="ellipse">
@@ -5730,7 +6018,7 @@
         </p:nvSpPr>
         <p:spPr>
           <a:xfrm>
-            <a:off x="5410200" y="4800600"/>
+            <a:off x="4648200" y="5181600"/>
             <a:ext cx="685800" cy="1371600"/>
           </a:xfrm>
           <a:prstGeom prst="ellipse">
@@ -5767,34 +6055,6 @@
       </p:sp>
       <p:sp>
         <p:nvSpPr>
-          <p:cNvPr id="5" name="Title 1"/>
-          <p:cNvSpPr>
-            <a:spLocks noGrp="1"/>
-          </p:cNvSpPr>
-          <p:nvPr>
-            <p:ph type="title"/>
-          </p:nvPr>
-        </p:nvSpPr>
-        <p:spPr>
-          <a:xfrm>
-            <a:off x="457200" y="0"/>
-            <a:ext cx="8229600" cy="1143000"/>
-          </a:xfrm>
-        </p:spPr>
-        <p:txBody>
-          <a:bodyPr/>
-          <a:lstStyle/>
-          <a:p>
-            <a:r>
-              <a:rPr lang="en-US" dirty="0" smtClean="0"/>
-              <a:t>Type Check: Function Calls</a:t>
-            </a:r>
-            <a:endParaRPr lang="en-US" dirty="0"/>
-          </a:p>
-        </p:txBody>
-      </p:sp>
-      <p:sp>
-        <p:nvSpPr>
           <p:cNvPr id="6" name="Content Placeholder 2"/>
           <p:cNvSpPr>
             <a:spLocks noGrp="1"/>
@@ -5805,8 +6065,8 @@
         </p:nvSpPr>
         <p:spPr>
           <a:xfrm>
-            <a:off x="1257300" y="2971800"/>
-            <a:ext cx="3543300" cy="609600"/>
+            <a:off x="1216611" y="1828800"/>
+            <a:ext cx="1602789" cy="609600"/>
           </a:xfrm>
         </p:spPr>
         <p:txBody>
@@ -5820,7 +6080,7 @@
             </a:pPr>
             <a:r>
               <a:rPr lang="en-US" dirty="0" smtClean="0"/>
-              <a:t>Expression: foo(1, x)</a:t>
+              <a:t>foo(1, x)</a:t>
             </a:r>
           </a:p>
           <a:p>
@@ -5839,7 +6099,7 @@
         </p:nvSpPr>
         <p:spPr>
           <a:xfrm>
-            <a:off x="342900" y="1255455"/>
+            <a:off x="342900" y="304800"/>
             <a:ext cx="8458200" cy="1077218"/>
           </a:xfrm>
           <a:prstGeom prst="rect">
@@ -5876,7 +6136,7 @@
         </p:nvGrpSpPr>
         <p:grpSpPr>
           <a:xfrm>
-            <a:off x="5562600" y="2514600"/>
+            <a:off x="457200" y="2743200"/>
             <a:ext cx="2971800" cy="1828800"/>
             <a:chOff x="1066800" y="3657600"/>
             <a:chExt cx="2971800" cy="1828800"/>
@@ -6106,8 +6366,8 @@
           </p:nvSpPr>
           <p:spPr>
             <a:xfrm>
-              <a:off x="2743200" y="3657600"/>
-              <a:ext cx="1295400" cy="272566"/>
+              <a:off x="3276600" y="3657600"/>
+              <a:ext cx="762000" cy="272566"/>
             </a:xfrm>
             <a:prstGeom prst="rect">
               <a:avLst/>
@@ -6142,7 +6402,7 @@
                     <a:schemeClr val="tx1"/>
                   </a:solidFill>
                 </a:rPr>
-                <a:t>Scope Stack</a:t>
+                <a:t>Scope</a:t>
               </a:r>
             </a:p>
           </p:txBody>
@@ -6156,10 +6416,10 @@
         </p:nvGrpSpPr>
         <p:grpSpPr>
           <a:xfrm>
-            <a:off x="1179990" y="4953000"/>
-            <a:ext cx="6973410" cy="992997"/>
-            <a:chOff x="1179990" y="4953000"/>
-            <a:chExt cx="6973410" cy="992997"/>
+            <a:off x="685800" y="5334000"/>
+            <a:ext cx="6781800" cy="992997"/>
+            <a:chOff x="1447800" y="4953000"/>
+            <a:chExt cx="6781800" cy="992997"/>
           </a:xfrm>
         </p:grpSpPr>
         <p:sp>
@@ -6170,8 +6430,8 @@
           </p:nvSpPr>
           <p:spPr>
             <a:xfrm>
-              <a:off x="1179990" y="4953000"/>
-              <a:ext cx="6973410" cy="523220"/>
+              <a:off x="2551590" y="4953000"/>
+              <a:ext cx="5678010" cy="523220"/>
             </a:xfrm>
             <a:prstGeom prst="rect">
               <a:avLst/>
@@ -6186,7 +6446,7 @@
             <a:p>
               <a:r>
                 <a:rPr lang="en-US" sz="2800" dirty="0" smtClean="0"/>
-                <a:t>Function Declaration:  </a:t>
+                <a:t>Declaration:  </a:t>
               </a:r>
               <a:r>
                 <a:rPr lang="en-US" sz="2800" dirty="0" err="1" smtClean="0"/>
@@ -6248,7 +6508,7 @@
             <a:p>
               <a:r>
                 <a:rPr lang="en-US" sz="2800" dirty="0" smtClean="0"/>
-                <a:t>  Actual Arguments:               </a:t>
+                <a:t>              Arguments:               </a:t>
               </a:r>
               <a:r>
                 <a:rPr lang="en-US" sz="2800" dirty="0" err="1" smtClean="0"/>
@@ -6275,13 +6535,13 @@
         </p:nvSpPr>
         <p:spPr>
           <a:xfrm>
-            <a:off x="2286000" y="3697069"/>
+            <a:off x="7081422" y="1828800"/>
             <a:ext cx="1148178" cy="771617"/>
           </a:xfrm>
           <a:prstGeom prst="wedgeEllipseCallout">
             <a:avLst>
-              <a:gd name="adj1" fmla="val 85150"/>
-              <a:gd name="adj2" fmla="val -61738"/>
+              <a:gd name="adj1" fmla="val -73391"/>
+              <a:gd name="adj2" fmla="val 38113"/>
             </a:avLst>
           </a:prstGeom>
           <a:solidFill>
@@ -6341,6 +6601,346 @@
           </a:p>
         </p:txBody>
       </p:sp>
+      <p:sp>
+        <p:nvSpPr>
+          <p:cNvPr id="25" name="Oval 24"/>
+          <p:cNvSpPr/>
+          <p:nvPr/>
+        </p:nvSpPr>
+        <p:spPr>
+          <a:xfrm>
+            <a:off x="5938422" y="2438400"/>
+            <a:ext cx="914400" cy="838200"/>
+          </a:xfrm>
+          <a:prstGeom prst="ellipse">
+            <a:avLst/>
+          </a:prstGeom>
+          <a:solidFill>
+            <a:schemeClr val="bg1"/>
+          </a:solidFill>
+        </p:spPr>
+        <p:style>
+          <a:lnRef idx="2">
+            <a:schemeClr val="accent1">
+              <a:shade val="50000"/>
+            </a:schemeClr>
+          </a:lnRef>
+          <a:fillRef idx="1">
+            <a:schemeClr val="accent1"/>
+          </a:fillRef>
+          <a:effectRef idx="0">
+            <a:schemeClr val="accent1"/>
+          </a:effectRef>
+          <a:fontRef idx="minor">
+            <a:schemeClr val="lt1"/>
+          </a:fontRef>
+        </p:style>
+        <p:txBody>
+          <a:bodyPr rtlCol="0" anchor="ctr"/>
+          <a:lstStyle/>
+          <a:p>
+            <a:pPr algn="ctr"/>
+            <a:r>
+              <a:rPr lang="en-US" sz="2400" dirty="0" smtClean="0">
+                <a:solidFill>
+                  <a:schemeClr val="tx1"/>
+                </a:solidFill>
+              </a:rPr>
+              <a:t>Call</a:t>
+            </a:r>
+            <a:endParaRPr lang="en-US" sz="2400" dirty="0">
+              <a:solidFill>
+                <a:schemeClr val="tx1"/>
+              </a:solidFill>
+            </a:endParaRPr>
+          </a:p>
+        </p:txBody>
+      </p:sp>
+      <p:sp>
+        <p:nvSpPr>
+          <p:cNvPr id="26" name="Oval 25"/>
+          <p:cNvSpPr/>
+          <p:nvPr/>
+        </p:nvSpPr>
+        <p:spPr>
+          <a:xfrm>
+            <a:off x="4947822" y="3743636"/>
+            <a:ext cx="914400" cy="838200"/>
+          </a:xfrm>
+          <a:prstGeom prst="ellipse">
+            <a:avLst/>
+          </a:prstGeom>
+          <a:solidFill>
+            <a:schemeClr val="bg1"/>
+          </a:solidFill>
+        </p:spPr>
+        <p:style>
+          <a:lnRef idx="2">
+            <a:schemeClr val="accent1">
+              <a:shade val="50000"/>
+            </a:schemeClr>
+          </a:lnRef>
+          <a:fillRef idx="1">
+            <a:schemeClr val="accent1"/>
+          </a:fillRef>
+          <a:effectRef idx="0">
+            <a:schemeClr val="accent1"/>
+          </a:effectRef>
+          <a:fontRef idx="minor">
+            <a:schemeClr val="lt1"/>
+          </a:fontRef>
+        </p:style>
+        <p:txBody>
+          <a:bodyPr rtlCol="0" anchor="ctr"/>
+          <a:lstStyle/>
+          <a:p>
+            <a:pPr algn="ctr"/>
+            <a:r>
+              <a:rPr lang="en-US" sz="2400" dirty="0" smtClean="0">
+                <a:solidFill>
+                  <a:schemeClr val="tx1"/>
+                </a:solidFill>
+              </a:rPr>
+              <a:t>foo</a:t>
+            </a:r>
+            <a:endParaRPr lang="en-US" sz="2400" dirty="0">
+              <a:solidFill>
+                <a:schemeClr val="tx1"/>
+              </a:solidFill>
+            </a:endParaRPr>
+          </a:p>
+        </p:txBody>
+      </p:sp>
+      <p:sp>
+        <p:nvSpPr>
+          <p:cNvPr id="27" name="Oval 26"/>
+          <p:cNvSpPr/>
+          <p:nvPr/>
+        </p:nvSpPr>
+        <p:spPr>
+          <a:xfrm>
+            <a:off x="5938422" y="3737802"/>
+            <a:ext cx="914400" cy="838200"/>
+          </a:xfrm>
+          <a:prstGeom prst="ellipse">
+            <a:avLst/>
+          </a:prstGeom>
+          <a:solidFill>
+            <a:schemeClr val="bg1"/>
+          </a:solidFill>
+        </p:spPr>
+        <p:style>
+          <a:lnRef idx="2">
+            <a:schemeClr val="accent1">
+              <a:shade val="50000"/>
+            </a:schemeClr>
+          </a:lnRef>
+          <a:fillRef idx="1">
+            <a:schemeClr val="accent1"/>
+          </a:fillRef>
+          <a:effectRef idx="0">
+            <a:schemeClr val="accent1"/>
+          </a:effectRef>
+          <a:fontRef idx="minor">
+            <a:schemeClr val="lt1"/>
+          </a:fontRef>
+        </p:style>
+        <p:txBody>
+          <a:bodyPr rtlCol="0" anchor="ctr"/>
+          <a:lstStyle/>
+          <a:p>
+            <a:pPr algn="ctr"/>
+            <a:r>
+              <a:rPr lang="en-US" sz="2800" dirty="0" smtClean="0">
+                <a:solidFill>
+                  <a:schemeClr val="tx1"/>
+                </a:solidFill>
+              </a:rPr>
+              <a:t>1</a:t>
+            </a:r>
+            <a:endParaRPr lang="en-US" sz="2800" dirty="0">
+              <a:solidFill>
+                <a:schemeClr val="tx1"/>
+              </a:solidFill>
+            </a:endParaRPr>
+          </a:p>
+        </p:txBody>
+      </p:sp>
+      <p:sp>
+        <p:nvSpPr>
+          <p:cNvPr id="28" name="Oval 27"/>
+          <p:cNvSpPr/>
+          <p:nvPr/>
+        </p:nvSpPr>
+        <p:spPr>
+          <a:xfrm>
+            <a:off x="6929022" y="3737802"/>
+            <a:ext cx="914400" cy="838200"/>
+          </a:xfrm>
+          <a:prstGeom prst="ellipse">
+            <a:avLst/>
+          </a:prstGeom>
+          <a:solidFill>
+            <a:schemeClr val="bg1"/>
+          </a:solidFill>
+        </p:spPr>
+        <p:style>
+          <a:lnRef idx="2">
+            <a:schemeClr val="accent1">
+              <a:shade val="50000"/>
+            </a:schemeClr>
+          </a:lnRef>
+          <a:fillRef idx="1">
+            <a:schemeClr val="accent1"/>
+          </a:fillRef>
+          <a:effectRef idx="0">
+            <a:schemeClr val="accent1"/>
+          </a:effectRef>
+          <a:fontRef idx="minor">
+            <a:schemeClr val="lt1"/>
+          </a:fontRef>
+        </p:style>
+        <p:txBody>
+          <a:bodyPr rtlCol="0" anchor="ctr"/>
+          <a:lstStyle/>
+          <a:p>
+            <a:pPr algn="ctr"/>
+            <a:r>
+              <a:rPr lang="en-US" sz="2800" dirty="0" smtClean="0">
+                <a:solidFill>
+                  <a:schemeClr val="tx1"/>
+                </a:solidFill>
+              </a:rPr>
+              <a:t>x</a:t>
+            </a:r>
+            <a:endParaRPr lang="en-US" sz="2800" dirty="0">
+              <a:solidFill>
+                <a:schemeClr val="tx1"/>
+              </a:solidFill>
+            </a:endParaRPr>
+          </a:p>
+        </p:txBody>
+      </p:sp>
+      <p:cxnSp>
+        <p:nvCxnSpPr>
+          <p:cNvPr id="29" name="Straight Connector 28"/>
+          <p:cNvCxnSpPr>
+            <a:stCxn id="25" idx="3"/>
+            <a:endCxn id="26" idx="0"/>
+          </p:cNvCxnSpPr>
+          <p:nvPr/>
+        </p:nvCxnSpPr>
+        <p:spPr>
+          <a:xfrm flipH="1">
+            <a:off x="5405022" y="3153848"/>
+            <a:ext cx="667311" cy="589788"/>
+          </a:xfrm>
+          <a:prstGeom prst="line">
+            <a:avLst/>
+          </a:prstGeom>
+          <a:ln w="28575">
+            <a:solidFill>
+              <a:schemeClr val="accent1">
+                <a:lumMod val="75000"/>
+              </a:schemeClr>
+            </a:solidFill>
+          </a:ln>
+        </p:spPr>
+        <p:style>
+          <a:lnRef idx="1">
+            <a:schemeClr val="accent1"/>
+          </a:lnRef>
+          <a:fillRef idx="0">
+            <a:schemeClr val="accent1"/>
+          </a:fillRef>
+          <a:effectRef idx="0">
+            <a:schemeClr val="accent1"/>
+          </a:effectRef>
+          <a:fontRef idx="minor">
+            <a:schemeClr val="tx1"/>
+          </a:fontRef>
+        </p:style>
+      </p:cxnSp>
+      <p:cxnSp>
+        <p:nvCxnSpPr>
+          <p:cNvPr id="30" name="Straight Connector 29"/>
+          <p:cNvCxnSpPr>
+            <a:stCxn id="25" idx="5"/>
+            <a:endCxn id="28" idx="0"/>
+          </p:cNvCxnSpPr>
+          <p:nvPr/>
+        </p:nvCxnSpPr>
+        <p:spPr>
+          <a:xfrm>
+            <a:off x="6718911" y="3153848"/>
+            <a:ext cx="667311" cy="583954"/>
+          </a:xfrm>
+          <a:prstGeom prst="line">
+            <a:avLst/>
+          </a:prstGeom>
+          <a:ln w="28575">
+            <a:solidFill>
+              <a:schemeClr val="accent1">
+                <a:lumMod val="75000"/>
+              </a:schemeClr>
+            </a:solidFill>
+          </a:ln>
+        </p:spPr>
+        <p:style>
+          <a:lnRef idx="1">
+            <a:schemeClr val="accent1"/>
+          </a:lnRef>
+          <a:fillRef idx="0">
+            <a:schemeClr val="accent1"/>
+          </a:fillRef>
+          <a:effectRef idx="0">
+            <a:schemeClr val="accent1"/>
+          </a:effectRef>
+          <a:fontRef idx="minor">
+            <a:schemeClr val="tx1"/>
+          </a:fontRef>
+        </p:style>
+      </p:cxnSp>
+      <p:cxnSp>
+        <p:nvCxnSpPr>
+          <p:cNvPr id="32" name="Straight Connector 31"/>
+          <p:cNvCxnSpPr>
+            <a:stCxn id="25" idx="4"/>
+            <a:endCxn id="27" idx="0"/>
+          </p:cNvCxnSpPr>
+          <p:nvPr/>
+        </p:nvCxnSpPr>
+        <p:spPr>
+          <a:xfrm>
+            <a:off x="6395622" y="3276600"/>
+            <a:ext cx="0" cy="461202"/>
+          </a:xfrm>
+          <a:prstGeom prst="line">
+            <a:avLst/>
+          </a:prstGeom>
+          <a:ln w="28575">
+            <a:solidFill>
+              <a:schemeClr val="accent1">
+                <a:lumMod val="75000"/>
+              </a:schemeClr>
+            </a:solidFill>
+          </a:ln>
+        </p:spPr>
+        <p:style>
+          <a:lnRef idx="1">
+            <a:schemeClr val="accent1"/>
+          </a:lnRef>
+          <a:fillRef idx="0">
+            <a:schemeClr val="accent1"/>
+          </a:fillRef>
+          <a:effectRef idx="0">
+            <a:schemeClr val="accent1"/>
+          </a:effectRef>
+          <a:fontRef idx="minor">
+            <a:schemeClr val="tx1"/>
+          </a:fontRef>
+        </p:style>
+      </p:cxnSp>
     </p:spTree>
     <p:extLst>
       <p:ext uri="{BB962C8B-B14F-4D97-AF65-F5344CB8AC3E}">
@@ -6597,7 +7197,7 @@
 </p:sld>
 </file>
 
-<file path=ppt/slides/slide15.xml><?xml version="1.0" encoding="utf-8"?>
+<file path=ppt/slides/slide16.xml><?xml version="1.0" encoding="utf-8"?>
 <p:sld xmlns:a="http://schemas.openxmlformats.org/drawingml/2006/main" xmlns:r="http://schemas.openxmlformats.org/officeDocument/2006/relationships" xmlns:p="http://schemas.openxmlformats.org/presentationml/2006/main">
   <p:cSld>
     <p:spTree>
@@ -6725,36 +7325,6 @@
       </p:sp>
       <p:sp>
         <p:nvSpPr>
-          <p:cNvPr id="4" name="Title 1"/>
-          <p:cNvSpPr>
-            <a:spLocks noGrp="1"/>
-          </p:cNvSpPr>
-          <p:nvPr>
-            <p:ph type="title"/>
-          </p:nvPr>
-        </p:nvSpPr>
-        <p:spPr>
-          <a:xfrm>
-            <a:off x="457200" y="0"/>
-            <a:ext cx="8229600" cy="1143000"/>
-          </a:xfrm>
-        </p:spPr>
-        <p:txBody>
-          <a:bodyPr>
-            <a:normAutofit/>
-          </a:bodyPr>
-          <a:lstStyle/>
-          <a:p>
-            <a:r>
-              <a:rPr lang="en-US" dirty="0" smtClean="0"/>
-              <a:t>Type Check: Method Invocation</a:t>
-            </a:r>
-            <a:endParaRPr lang="en-US" dirty="0"/>
-          </a:p>
-        </p:txBody>
-      </p:sp>
-      <p:sp>
-        <p:nvSpPr>
           <p:cNvPr id="5" name="Content Placeholder 2"/>
           <p:cNvSpPr>
             <a:spLocks noGrp="1"/>
@@ -6765,13 +7335,13 @@
         </p:nvSpPr>
         <p:spPr>
           <a:xfrm>
-            <a:off x="2133600" y="1371600"/>
-            <a:ext cx="4648200" cy="762000"/>
+            <a:off x="3048000" y="1447800"/>
+            <a:ext cx="3048000" cy="762000"/>
           </a:xfrm>
         </p:spPr>
         <p:txBody>
           <a:bodyPr>
-            <a:normAutofit fontScale="92500"/>
+            <a:normAutofit/>
           </a:bodyPr>
           <a:lstStyle/>
           <a:p>
@@ -6779,10 +7349,6 @@
               <a:buNone/>
             </a:pPr>
             <a:r>
-              <a:rPr lang="en-US" dirty="0" smtClean="0"/>
-              <a:t>Expression: </a:t>
-            </a:r>
-            <a:r>
               <a:rPr lang="en-US" dirty="0" err="1" smtClean="0"/>
               <a:t>foo.Method</a:t>
             </a:r>
@@ -6795,6 +7361,177 @@
             <a:pPr marL="0" indent="0">
               <a:buNone/>
             </a:pPr>
+            <a:endParaRPr lang="en-US" dirty="0"/>
+          </a:p>
+        </p:txBody>
+      </p:sp>
+      <p:sp>
+        <p:nvSpPr>
+          <p:cNvPr id="8" name="Content Placeholder 2"/>
+          <p:cNvSpPr txBox="1">
+            <a:spLocks/>
+          </p:cNvSpPr>
+          <p:nvPr/>
+        </p:nvSpPr>
+        <p:spPr>
+          <a:xfrm>
+            <a:off x="152400" y="457200"/>
+            <a:ext cx="8839200" cy="1219200"/>
+          </a:xfrm>
+          <a:prstGeom prst="rect">
+            <a:avLst/>
+          </a:prstGeom>
+        </p:spPr>
+        <p:txBody>
+          <a:bodyPr vert="horz" lIns="91440" tIns="45720" rIns="91440" bIns="45720" rtlCol="0">
+            <a:normAutofit/>
+          </a:bodyPr>
+          <a:lstStyle>
+            <a:lvl1pPr marL="342900" indent="-342900" algn="l" defTabSz="914400" rtl="0" eaLnBrk="1" latinLnBrk="0" hangingPunct="1">
+              <a:spcBef>
+                <a:spcPct val="20000"/>
+              </a:spcBef>
+              <a:buFont typeface="Arial" pitchFamily="34" charset="0"/>
+              <a:buChar char="•"/>
+              <a:defRPr sz="3200" kern="1200">
+                <a:solidFill>
+                  <a:schemeClr val="tx1"/>
+                </a:solidFill>
+                <a:latin typeface="+mn-lt"/>
+                <a:ea typeface="+mn-ea"/>
+                <a:cs typeface="+mn-cs"/>
+              </a:defRPr>
+            </a:lvl1pPr>
+            <a:lvl2pPr marL="742950" indent="-285750" algn="l" defTabSz="914400" rtl="0" eaLnBrk="1" latinLnBrk="0" hangingPunct="1">
+              <a:spcBef>
+                <a:spcPct val="20000"/>
+              </a:spcBef>
+              <a:buFont typeface="Arial" pitchFamily="34" charset="0"/>
+              <a:buChar char="–"/>
+              <a:defRPr sz="2800" kern="1200">
+                <a:solidFill>
+                  <a:schemeClr val="tx1"/>
+                </a:solidFill>
+                <a:latin typeface="+mn-lt"/>
+                <a:ea typeface="+mn-ea"/>
+                <a:cs typeface="+mn-cs"/>
+              </a:defRPr>
+            </a:lvl2pPr>
+            <a:lvl3pPr marL="1143000" indent="-228600" algn="l" defTabSz="914400" rtl="0" eaLnBrk="1" latinLnBrk="0" hangingPunct="1">
+              <a:spcBef>
+                <a:spcPct val="20000"/>
+              </a:spcBef>
+              <a:buFont typeface="Arial" pitchFamily="34" charset="0"/>
+              <a:buChar char="•"/>
+              <a:defRPr sz="2400" kern="1200">
+                <a:solidFill>
+                  <a:schemeClr val="tx1"/>
+                </a:solidFill>
+                <a:latin typeface="+mn-lt"/>
+                <a:ea typeface="+mn-ea"/>
+                <a:cs typeface="+mn-cs"/>
+              </a:defRPr>
+            </a:lvl3pPr>
+            <a:lvl4pPr marL="1600200" indent="-228600" algn="l" defTabSz="914400" rtl="0" eaLnBrk="1" latinLnBrk="0" hangingPunct="1">
+              <a:spcBef>
+                <a:spcPct val="20000"/>
+              </a:spcBef>
+              <a:buFont typeface="Arial" pitchFamily="34" charset="0"/>
+              <a:buChar char="–"/>
+              <a:defRPr sz="2000" kern="1200">
+                <a:solidFill>
+                  <a:schemeClr val="tx1"/>
+                </a:solidFill>
+                <a:latin typeface="+mn-lt"/>
+                <a:ea typeface="+mn-ea"/>
+                <a:cs typeface="+mn-cs"/>
+              </a:defRPr>
+            </a:lvl4pPr>
+            <a:lvl5pPr marL="2057400" indent="-228600" algn="l" defTabSz="914400" rtl="0" eaLnBrk="1" latinLnBrk="0" hangingPunct="1">
+              <a:spcBef>
+                <a:spcPct val="20000"/>
+              </a:spcBef>
+              <a:buFont typeface="Arial" pitchFamily="34" charset="0"/>
+              <a:buChar char="»"/>
+              <a:defRPr sz="2000" kern="1200">
+                <a:solidFill>
+                  <a:schemeClr val="tx1"/>
+                </a:solidFill>
+                <a:latin typeface="+mn-lt"/>
+                <a:ea typeface="+mn-ea"/>
+                <a:cs typeface="+mn-cs"/>
+              </a:defRPr>
+            </a:lvl5pPr>
+            <a:lvl6pPr marL="2514600" indent="-228600" algn="l" defTabSz="914400" rtl="0" eaLnBrk="1" latinLnBrk="0" hangingPunct="1">
+              <a:spcBef>
+                <a:spcPct val="20000"/>
+              </a:spcBef>
+              <a:buFont typeface="Arial" pitchFamily="34" charset="0"/>
+              <a:buChar char="•"/>
+              <a:defRPr sz="2000" kern="1200">
+                <a:solidFill>
+                  <a:schemeClr val="tx1"/>
+                </a:solidFill>
+                <a:latin typeface="+mn-lt"/>
+                <a:ea typeface="+mn-ea"/>
+                <a:cs typeface="+mn-cs"/>
+              </a:defRPr>
+            </a:lvl6pPr>
+            <a:lvl7pPr marL="2971800" indent="-228600" algn="l" defTabSz="914400" rtl="0" eaLnBrk="1" latinLnBrk="0" hangingPunct="1">
+              <a:spcBef>
+                <a:spcPct val="20000"/>
+              </a:spcBef>
+              <a:buFont typeface="Arial" pitchFamily="34" charset="0"/>
+              <a:buChar char="•"/>
+              <a:defRPr sz="2000" kern="1200">
+                <a:solidFill>
+                  <a:schemeClr val="tx1"/>
+                </a:solidFill>
+                <a:latin typeface="+mn-lt"/>
+                <a:ea typeface="+mn-ea"/>
+                <a:cs typeface="+mn-cs"/>
+              </a:defRPr>
+            </a:lvl7pPr>
+            <a:lvl8pPr marL="3429000" indent="-228600" algn="l" defTabSz="914400" rtl="0" eaLnBrk="1" latinLnBrk="0" hangingPunct="1">
+              <a:spcBef>
+                <a:spcPct val="20000"/>
+              </a:spcBef>
+              <a:buFont typeface="Arial" pitchFamily="34" charset="0"/>
+              <a:buChar char="•"/>
+              <a:defRPr sz="2000" kern="1200">
+                <a:solidFill>
+                  <a:schemeClr val="tx1"/>
+                </a:solidFill>
+                <a:latin typeface="+mn-lt"/>
+                <a:ea typeface="+mn-ea"/>
+                <a:cs typeface="+mn-cs"/>
+              </a:defRPr>
+            </a:lvl8pPr>
+            <a:lvl9pPr marL="3886200" indent="-228600" algn="l" defTabSz="914400" rtl="0" eaLnBrk="1" latinLnBrk="0" hangingPunct="1">
+              <a:spcBef>
+                <a:spcPct val="20000"/>
+              </a:spcBef>
+              <a:buFont typeface="Arial" pitchFamily="34" charset="0"/>
+              <a:buChar char="•"/>
+              <a:defRPr sz="2000" kern="1200">
+                <a:solidFill>
+                  <a:schemeClr val="tx1"/>
+                </a:solidFill>
+                <a:latin typeface="+mn-lt"/>
+                <a:ea typeface="+mn-ea"/>
+                <a:cs typeface="+mn-cs"/>
+              </a:defRPr>
+            </a:lvl9pPr>
+          </a:lstStyle>
+          <a:p>
+            <a:pPr marL="0" indent="0">
+              <a:buFont typeface="Arial" pitchFamily="34" charset="0"/>
+              <a:buNone/>
+            </a:pPr>
+            <a:r>
+              <a:rPr lang="en-US" dirty="0" smtClean="0"/>
+              <a:t>Method calls needs a rich representation of types.</a:t>
+            </a:r>
             <a:endParaRPr lang="en-US" dirty="0"/>
           </a:p>
         </p:txBody>
@@ -6890,7 +7627,7 @@
 </p:sld>
 </file>
 
-<file path=ppt/slides/slide16.xml><?xml version="1.0" encoding="utf-8"?>
+<file path=ppt/slides/slide17.xml><?xml version="1.0" encoding="utf-8"?>
 <p:sld xmlns:a="http://schemas.openxmlformats.org/drawingml/2006/main" xmlns:r="http://schemas.openxmlformats.org/officeDocument/2006/relationships" xmlns:p="http://schemas.openxmlformats.org/presentationml/2006/main">
   <p:cSld>
     <p:spTree>
@@ -7066,7 +7803,7 @@
 </p:sld>
 </file>
 
-<file path=ppt/slides/slide17.xml><?xml version="1.0" encoding="utf-8"?>
+<file path=ppt/slides/slide18.xml><?xml version="1.0" encoding="utf-8"?>
 <p:sld xmlns:a="http://schemas.openxmlformats.org/drawingml/2006/main" xmlns:r="http://schemas.openxmlformats.org/officeDocument/2006/relationships" xmlns:p="http://schemas.openxmlformats.org/presentationml/2006/main">
   <p:cSld>
     <p:spTree>
@@ -7384,7 +8121,7 @@
 </p:sld>
 </file>
 
-<file path=ppt/slides/slide18.xml><?xml version="1.0" encoding="utf-8"?>
+<file path=ppt/slides/slide19.xml><?xml version="1.0" encoding="utf-8"?>
 <p:sld xmlns:a="http://schemas.openxmlformats.org/drawingml/2006/main" xmlns:r="http://schemas.openxmlformats.org/officeDocument/2006/relationships" xmlns:p="http://schemas.openxmlformats.org/presentationml/2006/main">
   <p:cSld>
     <p:spTree>
@@ -7417,14 +8154,14 @@
           <a:lstStyle/>
           <a:p>
             <a:r>
-              <a:rPr lang="en-US" dirty="0" smtClean="0"/>
+              <a:rPr lang="en-US" u="sng" dirty="0" smtClean="0"/>
               <a:t>Phase 4: </a:t>
             </a:r>
             <a:r>
-              <a:rPr lang="en-US" dirty="0" err="1" smtClean="0"/>
+              <a:rPr lang="en-US" u="sng" dirty="0" err="1" smtClean="0"/>
               <a:t>Transpilation</a:t>
             </a:r>
-            <a:endParaRPr lang="en-US" dirty="0"/>
+            <a:endParaRPr lang="en-US" u="sng" dirty="0"/>
           </a:p>
         </p:txBody>
       </p:sp>
@@ -7440,7 +8177,7 @@
         </p:nvSpPr>
         <p:spPr>
           <a:xfrm>
-            <a:off x="457200" y="2296181"/>
+            <a:off x="457200" y="2895600"/>
             <a:ext cx="8229600" cy="1523999"/>
           </a:xfrm>
         </p:spPr>
@@ -7454,12 +8191,8 @@
               <a:buNone/>
             </a:pPr>
             <a:r>
-              <a:rPr lang="en-US" smtClean="0"/>
-              <a:t>Traverse </a:t>
-            </a:r>
-            <a:r>
               <a:rPr lang="en-US" dirty="0" smtClean="0"/>
-              <a:t>the tree using the Visitor Pattern, translating each node to the target language.</a:t>
+              <a:t>Traverse the tree using the Visitor Pattern, translating each node to the target language.</a:t>
             </a:r>
           </a:p>
           <a:p>
@@ -7471,39 +8204,6 @@
               <a:t> </a:t>
             </a:r>
             <a:endParaRPr lang="en-US" dirty="0"/>
-          </a:p>
-        </p:txBody>
-      </p:sp>
-      <p:sp>
-        <p:nvSpPr>
-          <p:cNvPr id="4" name="Rectangle 3"/>
-          <p:cNvSpPr/>
-          <p:nvPr/>
-        </p:nvSpPr>
-        <p:spPr>
-          <a:xfrm>
-            <a:off x="2057400" y="4353580"/>
-            <a:ext cx="4495801" cy="523220"/>
-          </a:xfrm>
-          <a:prstGeom prst="rect">
-            <a:avLst/>
-          </a:prstGeom>
-        </p:spPr>
-        <p:txBody>
-          <a:bodyPr wrap="square">
-            <a:spAutoFit/>
-          </a:bodyPr>
-          <a:lstStyle/>
-          <a:p>
-            <a:r>
-              <a:rPr lang="en-US" sz="2800" dirty="0"/>
-              <a:t>Example: </a:t>
-            </a:r>
-            <a:r>
-              <a:rPr lang="en-US" sz="2800" dirty="0" err="1" smtClean="0"/>
-              <a:t>CSharpTranslator.cs</a:t>
-            </a:r>
-            <a:endParaRPr lang="en-US" sz="2800" dirty="0"/>
           </a:p>
         </p:txBody>
       </p:sp>
@@ -7728,29 +8428,84 @@
           <a:chExt cx="0" cy="0"/>
         </a:xfrm>
       </p:grpSpPr>
-      <p:sp>
-        <p:nvSpPr>
-          <p:cNvPr id="2" name="Title 1"/>
-          <p:cNvSpPr>
-            <a:spLocks noGrp="1"/>
-          </p:cNvSpPr>
-          <p:nvPr>
-            <p:ph type="title"/>
-          </p:nvPr>
-        </p:nvSpPr>
-        <p:spPr/>
-        <p:txBody>
-          <a:bodyPr/>
-          <a:lstStyle/>
-          <a:p>
-            <a:r>
-              <a:rPr lang="en-US" dirty="0" smtClean="0"/>
-              <a:t>Rook</a:t>
-            </a:r>
-            <a:endParaRPr lang="en-US" dirty="0"/>
-          </a:p>
-        </p:txBody>
-      </p:sp>
+      <p:pic>
+        <p:nvPicPr>
+          <p:cNvPr id="1026" name="Picture 2" descr="C:\Users\plioi\Desktop\NoIdea.jpg"/>
+          <p:cNvPicPr>
+            <a:picLocks noChangeAspect="1" noChangeArrowheads="1"/>
+          </p:cNvPicPr>
+          <p:nvPr/>
+        </p:nvPicPr>
+        <p:blipFill>
+          <a:blip r:embed="rId2">
+            <a:extLst>
+              <a:ext uri="{28A0092B-C50C-407E-A947-70E740481C1C}">
+                <a14:useLocalDpi xmlns:a14="http://schemas.microsoft.com/office/drawing/2010/main" val="0"/>
+              </a:ext>
+            </a:extLst>
+          </a:blip>
+          <a:srcRect/>
+          <a:stretch>
+            <a:fillRect/>
+          </a:stretch>
+        </p:blipFill>
+        <p:spPr bwMode="auto">
+          <a:xfrm>
+            <a:off x="61376" y="887369"/>
+            <a:ext cx="9021249" cy="5083262"/>
+          </a:xfrm>
+          <a:prstGeom prst="rect">
+            <a:avLst/>
+          </a:prstGeom>
+          <a:noFill/>
+          <a:extLst>
+            <a:ext uri="{909E8E84-426E-40DD-AFC4-6F175D3DCCD1}">
+              <a14:hiddenFill xmlns:a14="http://schemas.microsoft.com/office/drawing/2010/main">
+                <a:solidFill>
+                  <a:srgbClr val="FFFFFF"/>
+                </a:solidFill>
+              </a14:hiddenFill>
+            </a:ext>
+          </a:extLst>
+        </p:spPr>
+      </p:pic>
+    </p:spTree>
+    <p:extLst>
+      <p:ext uri="{BB962C8B-B14F-4D97-AF65-F5344CB8AC3E}">
+        <p14:creationId xmlns:p14="http://schemas.microsoft.com/office/powerpoint/2010/main" val="2571697783"/>
+      </p:ext>
+    </p:extLst>
+  </p:cSld>
+  <p:clrMapOvr>
+    <a:masterClrMapping/>
+  </p:clrMapOvr>
+  <p:timing>
+    <p:tnLst>
+      <p:par>
+        <p:cTn id="1" dur="indefinite" restart="never" nodeType="tmRoot"/>
+      </p:par>
+    </p:tnLst>
+  </p:timing>
+</p:sld>
+</file>
+
+<file path=ppt/slides/slide4.xml><?xml version="1.0" encoding="utf-8"?>
+<p:sld xmlns:a="http://schemas.openxmlformats.org/drawingml/2006/main" xmlns:r="http://schemas.openxmlformats.org/officeDocument/2006/relationships" xmlns:p="http://schemas.openxmlformats.org/presentationml/2006/main">
+  <p:cSld>
+    <p:spTree>
+      <p:nvGrpSpPr>
+        <p:cNvPr id="1" name=""/>
+        <p:cNvGrpSpPr/>
+        <p:nvPr/>
+      </p:nvGrpSpPr>
+      <p:grpSpPr>
+        <a:xfrm>
+          <a:off x="0" y="0"/>
+          <a:ext cx="0" cy="0"/>
+          <a:chOff x="0" y="0"/>
+          <a:chExt cx="0" cy="0"/>
+        </a:xfrm>
+      </p:grpSpPr>
       <p:sp>
         <p:nvSpPr>
           <p:cNvPr id="3" name="Content Placeholder 2"/>
@@ -7763,8 +8518,8 @@
         </p:nvSpPr>
         <p:spPr>
           <a:xfrm>
-            <a:off x="76200" y="1371600"/>
-            <a:ext cx="8915400" cy="5257800"/>
+            <a:off x="1600200" y="152400"/>
+            <a:ext cx="5257800" cy="6477000"/>
           </a:xfrm>
         </p:spPr>
         <p:txBody>
@@ -7777,14 +8532,14 @@
               <a:buNone/>
             </a:pPr>
             <a:r>
-              <a:rPr lang="en-US" sz="1400" b="1" dirty="0" err="1">
+              <a:rPr lang="en-US" sz="1400" b="1" dirty="0">
                 <a:solidFill>
                   <a:schemeClr val="tx2"/>
                 </a:solidFill>
                 <a:latin typeface="Consolas" pitchFamily="49" charset="0"/>
                 <a:cs typeface="Consolas" pitchFamily="49" charset="0"/>
               </a:rPr>
-              <a:t>bool</a:t>
+              <a:t>class</a:t>
             </a:r>
             <a:r>
               <a:rPr lang="en-US" sz="1400" b="1" dirty="0">
@@ -7794,55 +8549,89 @@
               <a:t> </a:t>
             </a:r>
             <a:r>
-              <a:rPr lang="en-US" sz="1400" b="1" dirty="0" smtClean="0">
+              <a:rPr lang="en-US" sz="1400" b="1" dirty="0">
                 <a:solidFill>
                   <a:srgbClr val="7030A0"/>
                 </a:solidFill>
                 <a:latin typeface="Consolas" pitchFamily="49" charset="0"/>
                 <a:cs typeface="Consolas" pitchFamily="49" charset="0"/>
               </a:rPr>
-              <a:t>Equal</a:t>
-            </a:r>
-            <a:r>
-              <a:rPr lang="en-US" sz="1400" b="1" dirty="0" smtClean="0">
-                <a:latin typeface="Consolas" pitchFamily="49" charset="0"/>
-                <a:cs typeface="Consolas" pitchFamily="49" charset="0"/>
-              </a:rPr>
-              <a:t>(</a:t>
-            </a:r>
-            <a:r>
-              <a:rPr lang="en-US" sz="1400" b="1" dirty="0" err="1" smtClean="0">
-                <a:solidFill>
-                  <a:schemeClr val="tx2"/>
-                </a:solidFill>
-                <a:latin typeface="Consolas" pitchFamily="49" charset="0"/>
-                <a:cs typeface="Consolas" pitchFamily="49" charset="0"/>
-              </a:rPr>
-              <a:t>int</a:t>
-            </a:r>
+              <a:t>Math</a:t>
+            </a:r>
+          </a:p>
+          <a:p>
+            <a:pPr marL="0" indent="0">
+              <a:buNone/>
+            </a:pPr>
             <a:r>
               <a:rPr lang="en-US" sz="1400" b="1" dirty="0">
                 <a:latin typeface="Consolas" pitchFamily="49" charset="0"/>
                 <a:cs typeface="Consolas" pitchFamily="49" charset="0"/>
               </a:rPr>
-              <a:t>* a, </a:t>
-            </a:r>
-            <a:r>
-              <a:rPr lang="en-US" sz="1400" b="1" dirty="0" err="1">
-                <a:solidFill>
-                  <a:schemeClr val="tx2"/>
-                </a:solidFill>
-                <a:latin typeface="Consolas" pitchFamily="49" charset="0"/>
-                <a:cs typeface="Consolas" pitchFamily="49" charset="0"/>
-              </a:rPr>
-              <a:t>int</a:t>
-            </a:r>
+              <a:t>{</a:t>
+            </a:r>
+          </a:p>
+          <a:p>
+            <a:pPr marL="0" indent="0">
+              <a:buNone/>
+            </a:pPr>
             <a:r>
               <a:rPr lang="en-US" sz="1400" b="1" dirty="0">
                 <a:latin typeface="Consolas" pitchFamily="49" charset="0"/>
                 <a:cs typeface="Consolas" pitchFamily="49" charset="0"/>
               </a:rPr>
-              <a:t>* b)</a:t>
+              <a:t>    </a:t>
+            </a:r>
+            <a:r>
+              <a:rPr lang="en-US" sz="1400" b="1" dirty="0" err="1">
+                <a:solidFill>
+                  <a:schemeClr val="tx2"/>
+                </a:solidFill>
+                <a:latin typeface="Consolas" pitchFamily="49" charset="0"/>
+                <a:cs typeface="Consolas" pitchFamily="49" charset="0"/>
+              </a:rPr>
+              <a:t>int</a:t>
+            </a:r>
+            <a:r>
+              <a:rPr lang="en-US" sz="1400" b="1" dirty="0">
+                <a:latin typeface="Consolas" pitchFamily="49" charset="0"/>
+                <a:cs typeface="Consolas" pitchFamily="49" charset="0"/>
+              </a:rPr>
+              <a:t> </a:t>
+            </a:r>
+            <a:r>
+              <a:rPr lang="en-US" sz="1400" b="1" dirty="0">
+                <a:solidFill>
+                  <a:srgbClr val="7030A0"/>
+                </a:solidFill>
+                <a:latin typeface="Consolas" pitchFamily="49" charset="0"/>
+                <a:cs typeface="Consolas" pitchFamily="49" charset="0"/>
+              </a:rPr>
+              <a:t>Square</a:t>
+            </a:r>
+            <a:r>
+              <a:rPr lang="en-US" sz="1400" b="1" dirty="0">
+                <a:latin typeface="Consolas" pitchFamily="49" charset="0"/>
+                <a:cs typeface="Consolas" pitchFamily="49" charset="0"/>
+              </a:rPr>
+              <a:t>(</a:t>
+            </a:r>
+            <a:r>
+              <a:rPr lang="en-US" sz="1400" b="1" dirty="0" err="1">
+                <a:solidFill>
+                  <a:schemeClr val="tx2"/>
+                </a:solidFill>
+                <a:latin typeface="Consolas" pitchFamily="49" charset="0"/>
+                <a:cs typeface="Consolas" pitchFamily="49" charset="0"/>
+              </a:rPr>
+              <a:t>int</a:t>
+            </a:r>
+            <a:r>
+              <a:rPr lang="en-US" sz="1400" b="1" dirty="0">
+                <a:latin typeface="Consolas" pitchFamily="49" charset="0"/>
+                <a:cs typeface="Consolas" pitchFamily="49" charset="0"/>
+              </a:rPr>
+              <a:t> x)</a:t>
             </a:r>
           </a:p>
           <a:p>
@@ -7854,308 +8643,8 @@
                 <a:latin typeface="Consolas" pitchFamily="49" charset="0"/>
                 <a:cs typeface="Consolas" pitchFamily="49" charset="0"/>
               </a:rPr>
-              <a:t>{</a:t>
-            </a:r>
-          </a:p>
-          <a:p>
-            <a:pPr marL="0" indent="0">
-              <a:buNone/>
-            </a:pPr>
-            <a:r>
-              <a:rPr lang="en-US" sz="1400" b="1" dirty="0">
-                <a:latin typeface="Consolas" pitchFamily="49" charset="0"/>
-                <a:cs typeface="Consolas" pitchFamily="49" charset="0"/>
-              </a:rPr>
-              <a:t>    </a:t>
-            </a:r>
-            <a:r>
-              <a:rPr lang="en-US" sz="1400" b="1" dirty="0">
-                <a:solidFill>
-                  <a:schemeClr val="tx2"/>
-                </a:solidFill>
-                <a:latin typeface="Consolas" pitchFamily="49" charset="0"/>
-                <a:cs typeface="Consolas" pitchFamily="49" charset="0"/>
-              </a:rPr>
-              <a:t>if</a:t>
-            </a:r>
-            <a:r>
-              <a:rPr lang="en-US" sz="1400" b="1" dirty="0">
-                <a:latin typeface="Consolas" pitchFamily="49" charset="0"/>
-                <a:cs typeface="Consolas" pitchFamily="49" charset="0"/>
-              </a:rPr>
-              <a:t> (!</a:t>
-            </a:r>
-            <a:r>
-              <a:rPr lang="en-US" sz="1400" b="1" dirty="0" err="1">
-                <a:latin typeface="Consolas" pitchFamily="49" charset="0"/>
-                <a:cs typeface="Consolas" pitchFamily="49" charset="0"/>
-              </a:rPr>
-              <a:t>a.</a:t>
-            </a:r>
-            <a:r>
-              <a:rPr lang="en-US" sz="1400" b="1" dirty="0" err="1">
-                <a:solidFill>
-                  <a:srgbClr val="7030A0"/>
-                </a:solidFill>
-                <a:latin typeface="Consolas" pitchFamily="49" charset="0"/>
-                <a:cs typeface="Consolas" pitchFamily="49" charset="0"/>
-              </a:rPr>
-              <a:t>Any</a:t>
-            </a:r>
-            <a:r>
-              <a:rPr lang="en-US" sz="1400" b="1" dirty="0">
-                <a:latin typeface="Consolas" pitchFamily="49" charset="0"/>
-                <a:cs typeface="Consolas" pitchFamily="49" charset="0"/>
-              </a:rPr>
-              <a:t>())</a:t>
-            </a:r>
-          </a:p>
-          <a:p>
-            <a:pPr marL="0" indent="0">
-              <a:buNone/>
-            </a:pPr>
-            <a:r>
-              <a:rPr lang="en-US" sz="1400" b="1" dirty="0">
-                <a:latin typeface="Consolas" pitchFamily="49" charset="0"/>
-                <a:cs typeface="Consolas" pitchFamily="49" charset="0"/>
-              </a:rPr>
-              <a:t>        !</a:t>
-            </a:r>
-            <a:r>
-              <a:rPr lang="en-US" sz="1400" b="1" dirty="0" err="1">
-                <a:latin typeface="Consolas" pitchFamily="49" charset="0"/>
-                <a:cs typeface="Consolas" pitchFamily="49" charset="0"/>
-              </a:rPr>
-              <a:t>b.</a:t>
-            </a:r>
-            <a:r>
-              <a:rPr lang="en-US" sz="1400" b="1" dirty="0" err="1">
-                <a:solidFill>
-                  <a:srgbClr val="7030A0"/>
-                </a:solidFill>
-                <a:latin typeface="Consolas" pitchFamily="49" charset="0"/>
-                <a:cs typeface="Consolas" pitchFamily="49" charset="0"/>
-              </a:rPr>
-              <a:t>Any</a:t>
-            </a:r>
-            <a:r>
-              <a:rPr lang="en-US" sz="1400" b="1" dirty="0">
-                <a:latin typeface="Consolas" pitchFamily="49" charset="0"/>
-                <a:cs typeface="Consolas" pitchFamily="49" charset="0"/>
-              </a:rPr>
-              <a:t>()</a:t>
-            </a:r>
-          </a:p>
-          <a:p>
-            <a:pPr marL="0" indent="0">
-              <a:buNone/>
-            </a:pPr>
-            <a:r>
-              <a:rPr lang="en-US" sz="1400" b="1" dirty="0">
-                <a:latin typeface="Consolas" pitchFamily="49" charset="0"/>
-                <a:cs typeface="Consolas" pitchFamily="49" charset="0"/>
-              </a:rPr>
-              <a:t>    </a:t>
-            </a:r>
-            <a:r>
-              <a:rPr lang="en-US" sz="1400" b="1" dirty="0">
-                <a:solidFill>
-                  <a:schemeClr val="tx2"/>
-                </a:solidFill>
-                <a:latin typeface="Consolas" pitchFamily="49" charset="0"/>
-                <a:cs typeface="Consolas" pitchFamily="49" charset="0"/>
-              </a:rPr>
-              <a:t>else</a:t>
-            </a:r>
-          </a:p>
-          <a:p>
-            <a:pPr marL="0" indent="0">
-              <a:buNone/>
-            </a:pPr>
-            <a:r>
-              <a:rPr lang="en-US" sz="1400" b="1" dirty="0">
-                <a:latin typeface="Consolas" pitchFamily="49" charset="0"/>
-                <a:cs typeface="Consolas" pitchFamily="49" charset="0"/>
-              </a:rPr>
-              <a:t>        </a:t>
-            </a:r>
-            <a:r>
-              <a:rPr lang="en-US" sz="1400" b="1" dirty="0" err="1">
-                <a:latin typeface="Consolas" pitchFamily="49" charset="0"/>
-                <a:cs typeface="Consolas" pitchFamily="49" charset="0"/>
-              </a:rPr>
-              <a:t>a.</a:t>
-            </a:r>
-            <a:r>
-              <a:rPr lang="en-US" sz="1400" b="1" dirty="0" err="1">
-                <a:solidFill>
-                  <a:srgbClr val="7030A0"/>
-                </a:solidFill>
-                <a:latin typeface="Consolas" pitchFamily="49" charset="0"/>
-                <a:cs typeface="Consolas" pitchFamily="49" charset="0"/>
-              </a:rPr>
-              <a:t>Count</a:t>
-            </a:r>
-            <a:r>
-              <a:rPr lang="en-US" sz="1400" b="1" dirty="0">
-                <a:latin typeface="Consolas" pitchFamily="49" charset="0"/>
-                <a:cs typeface="Consolas" pitchFamily="49" charset="0"/>
-              </a:rPr>
-              <a:t>() == </a:t>
-            </a:r>
-            <a:r>
-              <a:rPr lang="en-US" sz="1400" b="1" dirty="0" err="1">
-                <a:latin typeface="Consolas" pitchFamily="49" charset="0"/>
-                <a:cs typeface="Consolas" pitchFamily="49" charset="0"/>
-              </a:rPr>
-              <a:t>b.</a:t>
-            </a:r>
-            <a:r>
-              <a:rPr lang="en-US" sz="1400" b="1" dirty="0" err="1">
-                <a:solidFill>
-                  <a:srgbClr val="7030A0"/>
-                </a:solidFill>
-                <a:latin typeface="Consolas" pitchFamily="49" charset="0"/>
-                <a:cs typeface="Consolas" pitchFamily="49" charset="0"/>
-              </a:rPr>
-              <a:t>Count</a:t>
-            </a:r>
-            <a:r>
-              <a:rPr lang="en-US" sz="1400" b="1" dirty="0" smtClean="0">
-                <a:latin typeface="Consolas" pitchFamily="49" charset="0"/>
-                <a:cs typeface="Consolas" pitchFamily="49" charset="0"/>
-              </a:rPr>
-              <a:t>() &amp;&amp; </a:t>
-            </a:r>
-            <a:r>
-              <a:rPr lang="en-US" sz="1400" b="1" dirty="0" err="1" smtClean="0">
-                <a:latin typeface="Consolas" pitchFamily="49" charset="0"/>
-                <a:cs typeface="Consolas" pitchFamily="49" charset="0"/>
-              </a:rPr>
-              <a:t>a.</a:t>
-            </a:r>
-            <a:r>
-              <a:rPr lang="en-US" sz="1400" b="1" dirty="0" err="1" smtClean="0">
-                <a:solidFill>
-                  <a:srgbClr val="7030A0"/>
-                </a:solidFill>
-                <a:latin typeface="Consolas" pitchFamily="49" charset="0"/>
-                <a:cs typeface="Consolas" pitchFamily="49" charset="0"/>
-              </a:rPr>
-              <a:t>First</a:t>
-            </a:r>
-            <a:r>
-              <a:rPr lang="en-US" sz="1400" b="1" dirty="0" smtClean="0">
-                <a:latin typeface="Consolas" pitchFamily="49" charset="0"/>
-                <a:cs typeface="Consolas" pitchFamily="49" charset="0"/>
-              </a:rPr>
-              <a:t>() == </a:t>
-            </a:r>
-            <a:r>
-              <a:rPr lang="en-US" sz="1400" b="1" dirty="0" err="1" smtClean="0">
-                <a:latin typeface="Consolas" pitchFamily="49" charset="0"/>
-                <a:cs typeface="Consolas" pitchFamily="49" charset="0"/>
-              </a:rPr>
-              <a:t>b.</a:t>
-            </a:r>
-            <a:r>
-              <a:rPr lang="en-US" sz="1400" b="1" dirty="0" err="1" smtClean="0">
-                <a:solidFill>
-                  <a:srgbClr val="7030A0"/>
-                </a:solidFill>
-                <a:latin typeface="Consolas" pitchFamily="49" charset="0"/>
-                <a:cs typeface="Consolas" pitchFamily="49" charset="0"/>
-              </a:rPr>
-              <a:t>First</a:t>
-            </a:r>
-            <a:r>
-              <a:rPr lang="en-US" sz="1400" b="1" dirty="0" smtClean="0">
-                <a:latin typeface="Consolas" pitchFamily="49" charset="0"/>
-                <a:cs typeface="Consolas" pitchFamily="49" charset="0"/>
-              </a:rPr>
-              <a:t>() &amp;&amp; </a:t>
-            </a:r>
-            <a:r>
-              <a:rPr lang="en-US" sz="1400" b="1" dirty="0" smtClean="0">
-                <a:solidFill>
-                  <a:srgbClr val="7030A0"/>
-                </a:solidFill>
-                <a:latin typeface="Consolas" pitchFamily="49" charset="0"/>
-                <a:cs typeface="Consolas" pitchFamily="49" charset="0"/>
-              </a:rPr>
-              <a:t>Equal</a:t>
-            </a:r>
-            <a:r>
-              <a:rPr lang="en-US" sz="1400" b="1" dirty="0" smtClean="0">
-                <a:latin typeface="Consolas" pitchFamily="49" charset="0"/>
-                <a:cs typeface="Consolas" pitchFamily="49" charset="0"/>
-              </a:rPr>
-              <a:t>(</a:t>
-            </a:r>
-            <a:r>
-              <a:rPr lang="en-US" sz="1400" b="1" dirty="0" err="1" smtClean="0">
-                <a:latin typeface="Consolas" pitchFamily="49" charset="0"/>
-                <a:cs typeface="Consolas" pitchFamily="49" charset="0"/>
-              </a:rPr>
-              <a:t>a.</a:t>
-            </a:r>
-            <a:r>
-              <a:rPr lang="en-US" sz="1400" b="1" dirty="0" err="1" smtClean="0">
-                <a:solidFill>
-                  <a:srgbClr val="7030A0"/>
-                </a:solidFill>
-                <a:latin typeface="Consolas" pitchFamily="49" charset="0"/>
-                <a:cs typeface="Consolas" pitchFamily="49" charset="0"/>
-              </a:rPr>
-              <a:t>Skip</a:t>
-            </a:r>
-            <a:r>
-              <a:rPr lang="en-US" sz="1400" b="1" dirty="0" smtClean="0">
-                <a:latin typeface="Consolas" pitchFamily="49" charset="0"/>
-                <a:cs typeface="Consolas" pitchFamily="49" charset="0"/>
-              </a:rPr>
-              <a:t>(1), </a:t>
-            </a:r>
-            <a:r>
-              <a:rPr lang="en-US" sz="1400" b="1" dirty="0" err="1" smtClean="0">
-                <a:latin typeface="Consolas" pitchFamily="49" charset="0"/>
-                <a:cs typeface="Consolas" pitchFamily="49" charset="0"/>
-              </a:rPr>
-              <a:t>b.</a:t>
-            </a:r>
-            <a:r>
-              <a:rPr lang="en-US" sz="1400" b="1" dirty="0" err="1" smtClean="0">
-                <a:solidFill>
-                  <a:srgbClr val="7030A0"/>
-                </a:solidFill>
-                <a:latin typeface="Consolas" pitchFamily="49" charset="0"/>
-                <a:cs typeface="Consolas" pitchFamily="49" charset="0"/>
-              </a:rPr>
-              <a:t>Skip</a:t>
-            </a:r>
-            <a:r>
-              <a:rPr lang="en-US" sz="1400" b="1" dirty="0" smtClean="0">
-                <a:latin typeface="Consolas" pitchFamily="49" charset="0"/>
-                <a:cs typeface="Consolas" pitchFamily="49" charset="0"/>
-              </a:rPr>
-              <a:t>(1))</a:t>
-            </a:r>
-          </a:p>
-          <a:p>
-            <a:pPr marL="0" indent="0">
-              <a:buNone/>
-            </a:pPr>
-            <a:r>
-              <a:rPr lang="en-US" sz="1400" b="1" dirty="0" smtClean="0">
-                <a:latin typeface="Consolas" pitchFamily="49" charset="0"/>
-                <a:cs typeface="Consolas" pitchFamily="49" charset="0"/>
-              </a:rPr>
-              <a:t>}</a:t>
-            </a:r>
-            <a:endParaRPr lang="en-US" sz="1400" b="1" dirty="0">
-              <a:latin typeface="Consolas" pitchFamily="49" charset="0"/>
-              <a:cs typeface="Consolas" pitchFamily="49" charset="0"/>
-            </a:endParaRPr>
+              <a:t>        x*x</a:t>
+            </a:r>
           </a:p>
           <a:p>
             <a:pPr marL="0" indent="0">
@@ -8171,38 +8660,62 @@
               <a:buNone/>
             </a:pPr>
             <a:r>
-              <a:rPr lang="en-US" sz="1400" b="1" dirty="0" smtClean="0">
-                <a:solidFill>
-                  <a:schemeClr val="tx2"/>
-                </a:solidFill>
-                <a:latin typeface="Consolas" pitchFamily="49" charset="0"/>
-                <a:cs typeface="Consolas" pitchFamily="49" charset="0"/>
-              </a:rPr>
-              <a:t>void</a:t>
-            </a:r>
-            <a:r>
-              <a:rPr lang="en-US" sz="1400" b="1" dirty="0" smtClean="0">
-                <a:latin typeface="Consolas" pitchFamily="49" charset="0"/>
-                <a:cs typeface="Consolas" pitchFamily="49" charset="0"/>
-              </a:rPr>
-              <a:t> </a:t>
-            </a:r>
-            <a:r>
-              <a:rPr lang="en-US" sz="1400" b="1" dirty="0">
-                <a:solidFill>
-                  <a:srgbClr val="7030A0"/>
-                </a:solidFill>
-                <a:latin typeface="Consolas" pitchFamily="49" charset="0"/>
-                <a:cs typeface="Consolas" pitchFamily="49" charset="0"/>
-              </a:rPr>
-              <a:t>Main</a:t>
-            </a:r>
-            <a:r>
               <a:rPr lang="en-US" sz="1400" b="1" dirty="0">
                 <a:latin typeface="Consolas" pitchFamily="49" charset="0"/>
                 <a:cs typeface="Consolas" pitchFamily="49" charset="0"/>
               </a:rPr>
-              <a:t>()</a:t>
+              <a:t>    </a:t>
+            </a:r>
+            <a:r>
+              <a:rPr lang="en-US" sz="1400" b="1" dirty="0" err="1">
+                <a:solidFill>
+                  <a:schemeClr val="tx2"/>
+                </a:solidFill>
+                <a:latin typeface="Consolas" pitchFamily="49" charset="0"/>
+                <a:cs typeface="Consolas" pitchFamily="49" charset="0"/>
+              </a:rPr>
+              <a:t>int</a:t>
+            </a:r>
+            <a:r>
+              <a:rPr lang="en-US" sz="1400" b="1" dirty="0">
+                <a:latin typeface="Consolas" pitchFamily="49" charset="0"/>
+                <a:cs typeface="Consolas" pitchFamily="49" charset="0"/>
+              </a:rPr>
+              <a:t> </a:t>
+            </a:r>
+            <a:r>
+              <a:rPr lang="en-US" sz="1400" b="1" dirty="0">
+                <a:solidFill>
+                  <a:srgbClr val="7030A0"/>
+                </a:solidFill>
+                <a:latin typeface="Consolas" pitchFamily="49" charset="0"/>
+                <a:cs typeface="Consolas" pitchFamily="49" charset="0"/>
+              </a:rPr>
+              <a:t>Cube</a:t>
+            </a:r>
+            <a:r>
+              <a:rPr lang="en-US" sz="1400" b="1" dirty="0">
+                <a:latin typeface="Consolas" pitchFamily="49" charset="0"/>
+                <a:cs typeface="Consolas" pitchFamily="49" charset="0"/>
+              </a:rPr>
+              <a:t>(</a:t>
+            </a:r>
+            <a:r>
+              <a:rPr lang="en-US" sz="1400" b="1" dirty="0" err="1">
+                <a:solidFill>
+                  <a:schemeClr val="tx2"/>
+                </a:solidFill>
+                <a:latin typeface="Consolas" pitchFamily="49" charset="0"/>
+                <a:cs typeface="Consolas" pitchFamily="49" charset="0"/>
+              </a:rPr>
+              <a:t>int</a:t>
+            </a:r>
+            <a:r>
+              <a:rPr lang="en-US" sz="1400" b="1" dirty="0">
+                <a:latin typeface="Consolas" pitchFamily="49" charset="0"/>
+                <a:cs typeface="Consolas" pitchFamily="49" charset="0"/>
+              </a:rPr>
+              <a:t> x)</a:t>
             </a:r>
           </a:p>
           <a:p>
@@ -8214,7 +8727,24 @@
                 <a:latin typeface="Consolas" pitchFamily="49" charset="0"/>
                 <a:cs typeface="Consolas" pitchFamily="49" charset="0"/>
               </a:rPr>
-              <a:t>{</a:t>
+              <a:t>        </a:t>
+            </a:r>
+            <a:r>
+              <a:rPr lang="en-US" sz="1400" b="1" dirty="0">
+                <a:solidFill>
+                  <a:srgbClr val="7030A0"/>
+                </a:solidFill>
+                <a:latin typeface="Consolas" pitchFamily="49" charset="0"/>
+                <a:cs typeface="Consolas" pitchFamily="49" charset="0"/>
+              </a:rPr>
+              <a:t>Square</a:t>
+            </a:r>
+            <a:r>
+              <a:rPr lang="en-US" sz="1400" b="1" dirty="0">
+                <a:latin typeface="Consolas" pitchFamily="49" charset="0"/>
+                <a:cs typeface="Consolas" pitchFamily="49" charset="0"/>
+              </a:rPr>
+              <a:t>(x)*x</a:t>
             </a:r>
           </a:p>
           <a:p>
@@ -8226,153 +8756,7 @@
                 <a:latin typeface="Consolas" pitchFamily="49" charset="0"/>
                 <a:cs typeface="Consolas" pitchFamily="49" charset="0"/>
               </a:rPr>
-              <a:t>    </a:t>
-            </a:r>
-            <a:r>
-              <a:rPr lang="en-US" sz="1400" b="1" dirty="0" err="1">
-                <a:solidFill>
-                  <a:schemeClr val="tx2"/>
-                </a:solidFill>
-                <a:latin typeface="Consolas" pitchFamily="49" charset="0"/>
-                <a:cs typeface="Consolas" pitchFamily="49" charset="0"/>
-              </a:rPr>
-              <a:t>int</a:t>
-            </a:r>
-            <a:r>
-              <a:rPr lang="en-US" sz="1400" b="1" dirty="0">
-                <a:latin typeface="Consolas" pitchFamily="49" charset="0"/>
-                <a:cs typeface="Consolas" pitchFamily="49" charset="0"/>
-              </a:rPr>
-              <a:t>[] digits = [0, 1, 2, 3, 4, 5, 6, 7, 8, 9]</a:t>
-            </a:r>
-          </a:p>
-          <a:p>
-            <a:pPr marL="0" indent="0">
-              <a:buNone/>
-            </a:pPr>
-            <a:r>
-              <a:rPr lang="en-US" sz="1400" b="1" dirty="0">
-                <a:latin typeface="Consolas" pitchFamily="49" charset="0"/>
-                <a:cs typeface="Consolas" pitchFamily="49" charset="0"/>
-              </a:rPr>
-              <a:t>    </a:t>
-            </a:r>
-            <a:r>
-              <a:rPr lang="en-US" sz="1400" b="1" dirty="0" err="1">
-                <a:solidFill>
-                  <a:schemeClr val="tx2"/>
-                </a:solidFill>
-                <a:latin typeface="Consolas" pitchFamily="49" charset="0"/>
-                <a:cs typeface="Consolas" pitchFamily="49" charset="0"/>
-              </a:rPr>
-              <a:t>int</a:t>
-            </a:r>
-            <a:r>
-              <a:rPr lang="en-US" sz="1400" b="1" dirty="0">
-                <a:latin typeface="Consolas" pitchFamily="49" charset="0"/>
-                <a:cs typeface="Consolas" pitchFamily="49" charset="0"/>
-              </a:rPr>
-              <a:t>[] </a:t>
-            </a:r>
-            <a:r>
-              <a:rPr lang="en-US" sz="1400" b="1" dirty="0" err="1">
-                <a:latin typeface="Consolas" pitchFamily="49" charset="0"/>
-                <a:cs typeface="Consolas" pitchFamily="49" charset="0"/>
-              </a:rPr>
-              <a:t>firstFive</a:t>
-            </a:r>
-            <a:r>
-              <a:rPr lang="en-US" sz="1400" b="1" dirty="0">
-                <a:latin typeface="Consolas" pitchFamily="49" charset="0"/>
-                <a:cs typeface="Consolas" pitchFamily="49" charset="0"/>
-              </a:rPr>
-              <a:t> = digits[0:5]</a:t>
-            </a:r>
-          </a:p>
-          <a:p>
-            <a:pPr marL="0" indent="0">
-              <a:buNone/>
-            </a:pPr>
-            <a:r>
-              <a:rPr lang="en-US" sz="1400" b="1" dirty="0">
-                <a:latin typeface="Consolas" pitchFamily="49" charset="0"/>
-                <a:cs typeface="Consolas" pitchFamily="49" charset="0"/>
-              </a:rPr>
-              <a:t>    </a:t>
-            </a:r>
-            <a:r>
-              <a:rPr lang="en-US" sz="1400" b="1" dirty="0" err="1">
-                <a:solidFill>
-                  <a:schemeClr val="tx2"/>
-                </a:solidFill>
-                <a:latin typeface="Consolas" pitchFamily="49" charset="0"/>
-                <a:cs typeface="Consolas" pitchFamily="49" charset="0"/>
-              </a:rPr>
-              <a:t>int</a:t>
-            </a:r>
-            <a:r>
-              <a:rPr lang="en-US" sz="1400" b="1" dirty="0">
-                <a:latin typeface="Consolas" pitchFamily="49" charset="0"/>
-                <a:cs typeface="Consolas" pitchFamily="49" charset="0"/>
-              </a:rPr>
-              <a:t>[] </a:t>
-            </a:r>
-            <a:r>
-              <a:rPr lang="en-US" sz="1400" b="1" dirty="0" err="1">
-                <a:latin typeface="Consolas" pitchFamily="49" charset="0"/>
-                <a:cs typeface="Consolas" pitchFamily="49" charset="0"/>
-              </a:rPr>
-              <a:t>lastFive</a:t>
-            </a:r>
-            <a:r>
-              <a:rPr lang="en-US" sz="1400" b="1" dirty="0">
-                <a:latin typeface="Consolas" pitchFamily="49" charset="0"/>
-                <a:cs typeface="Consolas" pitchFamily="49" charset="0"/>
-              </a:rPr>
-              <a:t> = digits[5:10]</a:t>
-            </a:r>
-          </a:p>
-          <a:p>
-            <a:pPr marL="0" indent="0">
-              <a:buNone/>
-            </a:pPr>
-            <a:r>
-              <a:rPr lang="en-US" sz="1400" b="1" dirty="0">
-                <a:latin typeface="Consolas" pitchFamily="49" charset="0"/>
-                <a:cs typeface="Consolas" pitchFamily="49" charset="0"/>
-              </a:rPr>
-              <a:t>    </a:t>
-            </a:r>
-            <a:r>
-              <a:rPr lang="en-US" sz="1400" b="1" dirty="0" err="1">
-                <a:solidFill>
-                  <a:schemeClr val="tx2"/>
-                </a:solidFill>
-                <a:latin typeface="Consolas" pitchFamily="49" charset="0"/>
-                <a:cs typeface="Consolas" pitchFamily="49" charset="0"/>
-              </a:rPr>
-              <a:t>int</a:t>
-            </a:r>
-            <a:r>
-              <a:rPr lang="en-US" sz="1400" b="1" dirty="0">
-                <a:latin typeface="Consolas" pitchFamily="49" charset="0"/>
-                <a:cs typeface="Consolas" pitchFamily="49" charset="0"/>
-              </a:rPr>
-              <a:t>[] </a:t>
-            </a:r>
-            <a:r>
-              <a:rPr lang="en-US" sz="1400" b="1" dirty="0" err="1">
-                <a:latin typeface="Consolas" pitchFamily="49" charset="0"/>
-                <a:cs typeface="Consolas" pitchFamily="49" charset="0"/>
-              </a:rPr>
-              <a:t>interiorFive</a:t>
-            </a:r>
-            <a:r>
-              <a:rPr lang="en-US" sz="1400" b="1" dirty="0">
-                <a:latin typeface="Consolas" pitchFamily="49" charset="0"/>
-                <a:cs typeface="Consolas" pitchFamily="49" charset="0"/>
-              </a:rPr>
-              <a:t> = digits[3:8]</a:t>
+              <a:t>}</a:t>
             </a:r>
           </a:p>
           <a:p>
@@ -8389,21 +8773,31 @@
               <a:buNone/>
             </a:pPr>
             <a:r>
+              <a:rPr lang="en-US" sz="1400" b="1" dirty="0" err="1">
+                <a:solidFill>
+                  <a:schemeClr val="tx2"/>
+                </a:solidFill>
+                <a:latin typeface="Consolas" pitchFamily="49" charset="0"/>
+                <a:cs typeface="Consolas" pitchFamily="49" charset="0"/>
+              </a:rPr>
+              <a:t>int</a:t>
+            </a:r>
+            <a:r>
               <a:rPr lang="en-US" sz="1400" b="1" dirty="0">
                 <a:latin typeface="Consolas" pitchFamily="49" charset="0"/>
                 <a:cs typeface="Consolas" pitchFamily="49" charset="0"/>
               </a:rPr>
-              <a:t>    </a:t>
-            </a:r>
-            <a:r>
-              <a:rPr lang="en-US" sz="1400" b="1" dirty="0">
+              <a:t> </a:t>
+            </a:r>
+            <a:r>
+              <a:rPr lang="en-US" sz="1400" b="1" dirty="0" err="1">
                 <a:solidFill>
                   <a:srgbClr val="7030A0"/>
                 </a:solidFill>
                 <a:latin typeface="Consolas" pitchFamily="49" charset="0"/>
                 <a:cs typeface="Consolas" pitchFamily="49" charset="0"/>
               </a:rPr>
-              <a:t>Print</a:t>
+              <a:t>Embiggen</a:t>
             </a:r>
             <a:r>
               <a:rPr lang="en-US" sz="1400" b="1" dirty="0">
@@ -8413,60 +8807,39 @@
               <a:t>(</a:t>
             </a:r>
             <a:r>
-              <a:rPr lang="en-US" sz="1400" b="1" dirty="0">
-                <a:solidFill>
-                  <a:srgbClr val="7030A0"/>
+              <a:rPr lang="en-US" sz="1400" b="1" dirty="0" err="1">
+                <a:solidFill>
+                  <a:schemeClr val="tx2"/>
                 </a:solidFill>
                 <a:latin typeface="Consolas" pitchFamily="49" charset="0"/>
                 <a:cs typeface="Consolas" pitchFamily="49" charset="0"/>
               </a:rPr>
-              <a:t>Equal</a:t>
+              <a:t>int</a:t>
             </a:r>
             <a:r>
               <a:rPr lang="en-US" sz="1400" b="1" dirty="0">
                 <a:latin typeface="Consolas" pitchFamily="49" charset="0"/>
                 <a:cs typeface="Consolas" pitchFamily="49" charset="0"/>
               </a:rPr>
-              <a:t>([0, 1, 2, 3, 4</a:t>
-            </a:r>
-            <a:r>
-              <a:rPr lang="en-US" sz="1400" b="1" dirty="0" smtClean="0">
+              <a:t> x)</a:t>
+            </a:r>
+          </a:p>
+          <a:p>
+            <a:pPr marL="0" indent="0">
+              <a:buNone/>
+            </a:pPr>
+            <a:r>
+              <a:rPr lang="en-US" sz="1400" b="1" dirty="0">
                 <a:latin typeface="Consolas" pitchFamily="49" charset="0"/>
                 <a:cs typeface="Consolas" pitchFamily="49" charset="0"/>
               </a:rPr>
-              <a:t>].</a:t>
-            </a:r>
-            <a:r>
-              <a:rPr lang="en-US" sz="1400" b="1" dirty="0" smtClean="0">
-                <a:solidFill>
-                  <a:srgbClr val="7030A0"/>
-                </a:solidFill>
-                <a:latin typeface="Consolas" pitchFamily="49" charset="0"/>
-                <a:cs typeface="Consolas" pitchFamily="49" charset="0"/>
-              </a:rPr>
-              <a:t>Each</a:t>
-            </a:r>
-            <a:r>
-              <a:rPr lang="en-US" sz="1400" b="1" dirty="0" smtClean="0">
-                <a:latin typeface="Consolas" pitchFamily="49" charset="0"/>
-                <a:cs typeface="Consolas" pitchFamily="49" charset="0"/>
-              </a:rPr>
-              <a:t>(), </a:t>
-            </a:r>
-            <a:r>
-              <a:rPr lang="en-US" sz="1400" b="1" dirty="0" err="1" smtClean="0">
-                <a:latin typeface="Consolas" pitchFamily="49" charset="0"/>
-                <a:cs typeface="Consolas" pitchFamily="49" charset="0"/>
-              </a:rPr>
-              <a:t>firstFive.Each</a:t>
-            </a:r>
-            <a:r>
-              <a:rPr lang="en-US" sz="1400" b="1" dirty="0" smtClean="0">
-                <a:latin typeface="Consolas" pitchFamily="49" charset="0"/>
-                <a:cs typeface="Consolas" pitchFamily="49" charset="0"/>
-              </a:rPr>
-              <a:t>()))</a:t>
-            </a:r>
+              <a:t>    x+1</a:t>
+            </a:r>
+          </a:p>
+          <a:p>
+            <a:pPr marL="0" indent="0">
+              <a:buNone/>
+            </a:pPr>
             <a:endParaRPr lang="en-US" sz="1400" b="1" dirty="0">
               <a:latin typeface="Consolas" pitchFamily="49" charset="0"/>
               <a:cs typeface="Consolas" pitchFamily="49" charset="0"/>
@@ -8478,27 +8851,20 @@
             </a:pPr>
             <a:r>
               <a:rPr lang="en-US" sz="1400" b="1" dirty="0">
+                <a:solidFill>
+                  <a:schemeClr val="tx2"/>
+                </a:solidFill>
                 <a:latin typeface="Consolas" pitchFamily="49" charset="0"/>
                 <a:cs typeface="Consolas" pitchFamily="49" charset="0"/>
               </a:rPr>
-              <a:t>    </a:t>
-            </a:r>
-            <a:r>
-              <a:rPr lang="en-US" sz="1400" b="1" dirty="0">
-                <a:solidFill>
-                  <a:srgbClr val="7030A0"/>
-                </a:solidFill>
-                <a:latin typeface="Consolas" pitchFamily="49" charset="0"/>
-                <a:cs typeface="Consolas" pitchFamily="49" charset="0"/>
-              </a:rPr>
-              <a:t>Print</a:t>
+              <a:t>void</a:t>
             </a:r>
             <a:r>
               <a:rPr lang="en-US" sz="1400" b="1" dirty="0">
                 <a:latin typeface="Consolas" pitchFamily="49" charset="0"/>
                 <a:cs typeface="Consolas" pitchFamily="49" charset="0"/>
               </a:rPr>
-              <a:t>(</a:t>
+              <a:t> </a:t>
             </a:r>
             <a:r>
               <a:rPr lang="en-US" sz="1400" b="1" dirty="0">
@@ -8508,53 +8874,78 @@
                 <a:latin typeface="Consolas" pitchFamily="49" charset="0"/>
                 <a:cs typeface="Consolas" pitchFamily="49" charset="0"/>
               </a:rPr>
-              <a:t>Equal</a:t>
+              <a:t>Main</a:t>
             </a:r>
             <a:r>
               <a:rPr lang="en-US" sz="1400" b="1" dirty="0">
                 <a:latin typeface="Consolas" pitchFamily="49" charset="0"/>
                 <a:cs typeface="Consolas" pitchFamily="49" charset="0"/>
               </a:rPr>
-              <a:t>([5, 6, 7, 8, 9</a:t>
-            </a:r>
-            <a:r>
-              <a:rPr lang="en-US" sz="1400" b="1" dirty="0" smtClean="0">
+              <a:t>()</a:t>
+            </a:r>
+          </a:p>
+          <a:p>
+            <a:pPr marL="0" indent="0">
+              <a:buNone/>
+            </a:pPr>
+            <a:r>
+              <a:rPr lang="en-US" sz="1400" b="1" dirty="0">
                 <a:latin typeface="Consolas" pitchFamily="49" charset="0"/>
                 <a:cs typeface="Consolas" pitchFamily="49" charset="0"/>
               </a:rPr>
-              <a:t>].</a:t>
-            </a:r>
-            <a:r>
-              <a:rPr lang="en-US" sz="1400" b="1" dirty="0" smtClean="0">
-                <a:solidFill>
-                  <a:srgbClr val="7030A0"/>
-                </a:solidFill>
+              <a:t>{</a:t>
+            </a:r>
+          </a:p>
+          <a:p>
+            <a:pPr marL="0" indent="0">
+              <a:buNone/>
+            </a:pPr>
+            <a:r>
+              <a:rPr lang="en-US" sz="1400" b="1" dirty="0">
                 <a:latin typeface="Consolas" pitchFamily="49" charset="0"/>
                 <a:cs typeface="Consolas" pitchFamily="49" charset="0"/>
               </a:rPr>
-              <a:t>Each</a:t>
-            </a:r>
-            <a:r>
-              <a:rPr lang="en-US" sz="1400" b="1" dirty="0" smtClean="0">
+              <a:t>    </a:t>
+            </a:r>
+            <a:r>
+              <a:rPr lang="en-US" sz="1400" b="1" dirty="0" err="1">
+                <a:solidFill>
+                  <a:schemeClr val="tx2"/>
+                </a:solidFill>
                 <a:latin typeface="Consolas" pitchFamily="49" charset="0"/>
                 <a:cs typeface="Consolas" pitchFamily="49" charset="0"/>
               </a:rPr>
-              <a:t>(), </a:t>
-            </a:r>
-            <a:r>
-              <a:rPr lang="en-US" sz="1400" b="1" dirty="0" err="1" smtClean="0">
+              <a:t>int</a:t>
+            </a:r>
+            <a:r>
+              <a:rPr lang="en-US" sz="1400" b="1" dirty="0">
                 <a:latin typeface="Consolas" pitchFamily="49" charset="0"/>
                 <a:cs typeface="Consolas" pitchFamily="49" charset="0"/>
               </a:rPr>
-              <a:t>lastFive.Each</a:t>
-            </a:r>
-            <a:r>
-              <a:rPr lang="en-US" sz="1400" b="1" dirty="0" smtClean="0">
+              <a:t>* evens = </a:t>
+            </a:r>
+            <a:r>
+              <a:rPr lang="en-US" sz="1400" b="1" dirty="0">
+                <a:solidFill>
+                  <a:srgbClr val="7030A0"/>
+                </a:solidFill>
                 <a:latin typeface="Consolas" pitchFamily="49" charset="0"/>
                 <a:cs typeface="Consolas" pitchFamily="49" charset="0"/>
               </a:rPr>
-              <a:t>()))</a:t>
-            </a:r>
+              <a:t>Each</a:t>
+            </a:r>
+            <a:r>
+              <a:rPr lang="en-US" sz="1400" b="1" dirty="0">
+                <a:latin typeface="Consolas" pitchFamily="49" charset="0"/>
+                <a:cs typeface="Consolas" pitchFamily="49" charset="0"/>
+              </a:rPr>
+              <a:t>([2, 4, 6, 8])</a:t>
+            </a:r>
+          </a:p>
+          <a:p>
+            <a:pPr marL="0" indent="0">
+              <a:buNone/>
+            </a:pPr>
             <a:endParaRPr lang="en-US" sz="1400" b="1" dirty="0">
               <a:latin typeface="Consolas" pitchFamily="49" charset="0"/>
               <a:cs typeface="Consolas" pitchFamily="49" charset="0"/>
@@ -8569,17 +8960,24 @@
                 <a:latin typeface="Consolas" pitchFamily="49" charset="0"/>
                 <a:cs typeface="Consolas" pitchFamily="49" charset="0"/>
               </a:rPr>
-              <a:t>    </a:t>
-            </a:r>
-            <a:r>
-              <a:rPr lang="en-US" sz="1400" b="1" dirty="0">
-                <a:solidFill>
-                  <a:srgbClr val="7030A0"/>
-                </a:solidFill>
+              <a:t>    incremented = </a:t>
+            </a:r>
+            <a:r>
+              <a:rPr lang="en-US" sz="1400" b="1" dirty="0" err="1">
                 <a:latin typeface="Consolas" pitchFamily="49" charset="0"/>
                 <a:cs typeface="Consolas" pitchFamily="49" charset="0"/>
               </a:rPr>
-              <a:t>Print</a:t>
+              <a:t>evens.</a:t>
+            </a:r>
+            <a:r>
+              <a:rPr lang="en-US" sz="1400" b="1" dirty="0" err="1">
+                <a:solidFill>
+                  <a:srgbClr val="7030A0"/>
+                </a:solidFill>
+                <a:latin typeface="Consolas" pitchFamily="49" charset="0"/>
+                <a:cs typeface="Consolas" pitchFamily="49" charset="0"/>
+              </a:rPr>
+              <a:t>Select</a:t>
             </a:r>
             <a:r>
               <a:rPr lang="en-US" sz="1400" b="1" dirty="0">
@@ -8589,60 +8987,27 @@
               <a:t>(</a:t>
             </a:r>
             <a:r>
-              <a:rPr lang="en-US" sz="1400" b="1" dirty="0">
+              <a:rPr lang="en-US" sz="1400" b="1" dirty="0" err="1">
                 <a:solidFill>
                   <a:srgbClr val="7030A0"/>
                 </a:solidFill>
                 <a:latin typeface="Consolas" pitchFamily="49" charset="0"/>
                 <a:cs typeface="Consolas" pitchFamily="49" charset="0"/>
               </a:rPr>
-              <a:t>Equal</a:t>
+              <a:t>Embiggen</a:t>
             </a:r>
             <a:r>
               <a:rPr lang="en-US" sz="1400" b="1" dirty="0">
                 <a:latin typeface="Consolas" pitchFamily="49" charset="0"/>
                 <a:cs typeface="Consolas" pitchFamily="49" charset="0"/>
               </a:rPr>
-              <a:t>([3, 4, 5, 6, 7</a:t>
-            </a:r>
-            <a:r>
-              <a:rPr lang="en-US" sz="1400" b="1" dirty="0" smtClean="0">
-                <a:latin typeface="Consolas" pitchFamily="49" charset="0"/>
-                <a:cs typeface="Consolas" pitchFamily="49" charset="0"/>
-              </a:rPr>
-              <a:t>].</a:t>
-            </a:r>
-            <a:r>
-              <a:rPr lang="en-US" sz="1400" b="1" dirty="0" smtClean="0">
-                <a:solidFill>
-                  <a:srgbClr val="7030A0"/>
-                </a:solidFill>
-                <a:latin typeface="Consolas" pitchFamily="49" charset="0"/>
-                <a:cs typeface="Consolas" pitchFamily="49" charset="0"/>
-              </a:rPr>
-              <a:t>Each</a:t>
-            </a:r>
-            <a:r>
-              <a:rPr lang="en-US" sz="1400" b="1" dirty="0" smtClean="0">
-                <a:latin typeface="Consolas" pitchFamily="49" charset="0"/>
-                <a:cs typeface="Consolas" pitchFamily="49" charset="0"/>
-              </a:rPr>
-              <a:t>(), </a:t>
-            </a:r>
-            <a:r>
-              <a:rPr lang="en-US" sz="1400" b="1" dirty="0" err="1" smtClean="0">
-                <a:latin typeface="Consolas" pitchFamily="49" charset="0"/>
-                <a:cs typeface="Consolas" pitchFamily="49" charset="0"/>
-              </a:rPr>
-              <a:t>interiorFive.Each</a:t>
-            </a:r>
-            <a:r>
-              <a:rPr lang="en-US" sz="1400" b="1" dirty="0" smtClean="0">
-                <a:latin typeface="Consolas" pitchFamily="49" charset="0"/>
-                <a:cs typeface="Consolas" pitchFamily="49" charset="0"/>
-              </a:rPr>
-              <a:t>()))</a:t>
-            </a:r>
+              <a:t>)</a:t>
+            </a:r>
+          </a:p>
+          <a:p>
+            <a:pPr marL="0" indent="0">
+              <a:buNone/>
+            </a:pPr>
             <a:endParaRPr lang="en-US" sz="1400" b="1" dirty="0">
               <a:latin typeface="Consolas" pitchFamily="49" charset="0"/>
               <a:cs typeface="Consolas" pitchFamily="49" charset="0"/>
@@ -8657,11 +9022,343 @@
                 <a:latin typeface="Consolas" pitchFamily="49" charset="0"/>
                 <a:cs typeface="Consolas" pitchFamily="49" charset="0"/>
               </a:rPr>
+              <a:t>    math = </a:t>
+            </a:r>
+            <a:r>
+              <a:rPr lang="en-US" sz="1400" b="1" dirty="0">
+                <a:solidFill>
+                  <a:schemeClr val="tx2"/>
+                </a:solidFill>
+                <a:latin typeface="Consolas" pitchFamily="49" charset="0"/>
+                <a:cs typeface="Consolas" pitchFamily="49" charset="0"/>
+              </a:rPr>
+              <a:t>new</a:t>
+            </a:r>
+            <a:r>
+              <a:rPr lang="en-US" sz="1400" b="1" dirty="0">
+                <a:latin typeface="Consolas" pitchFamily="49" charset="0"/>
+                <a:cs typeface="Consolas" pitchFamily="49" charset="0"/>
+              </a:rPr>
+              <a:t> </a:t>
+            </a:r>
+            <a:r>
+              <a:rPr lang="en-US" sz="1400" b="1" dirty="0">
+                <a:solidFill>
+                  <a:srgbClr val="7030A0"/>
+                </a:solidFill>
+                <a:latin typeface="Consolas" pitchFamily="49" charset="0"/>
+                <a:cs typeface="Consolas" pitchFamily="49" charset="0"/>
+              </a:rPr>
+              <a:t>Math</a:t>
+            </a:r>
+            <a:r>
+              <a:rPr lang="en-US" sz="1400" b="1" dirty="0">
+                <a:latin typeface="Consolas" pitchFamily="49" charset="0"/>
+                <a:cs typeface="Consolas" pitchFamily="49" charset="0"/>
+              </a:rPr>
+              <a:t>()</a:t>
+            </a:r>
+          </a:p>
+          <a:p>
+            <a:pPr marL="0" indent="0">
+              <a:buNone/>
+            </a:pPr>
+            <a:r>
+              <a:rPr lang="en-US" sz="1400" b="1" dirty="0">
+                <a:latin typeface="Consolas" pitchFamily="49" charset="0"/>
+                <a:cs typeface="Consolas" pitchFamily="49" charset="0"/>
+              </a:rPr>
+              <a:t>    squares = </a:t>
+            </a:r>
+            <a:r>
+              <a:rPr lang="en-US" sz="1400" b="1" dirty="0" err="1">
+                <a:latin typeface="Consolas" pitchFamily="49" charset="0"/>
+                <a:cs typeface="Consolas" pitchFamily="49" charset="0"/>
+              </a:rPr>
+              <a:t>evens.</a:t>
+            </a:r>
+            <a:r>
+              <a:rPr lang="en-US" sz="1400" b="1" dirty="0" err="1">
+                <a:solidFill>
+                  <a:srgbClr val="7030A0"/>
+                </a:solidFill>
+                <a:latin typeface="Consolas" pitchFamily="49" charset="0"/>
+                <a:cs typeface="Consolas" pitchFamily="49" charset="0"/>
+              </a:rPr>
+              <a:t>Select</a:t>
+            </a:r>
+            <a:r>
+              <a:rPr lang="en-US" sz="1400" b="1" dirty="0">
+                <a:latin typeface="Consolas" pitchFamily="49" charset="0"/>
+                <a:cs typeface="Consolas" pitchFamily="49" charset="0"/>
+              </a:rPr>
+              <a:t>(</a:t>
+            </a:r>
+            <a:r>
+              <a:rPr lang="en-US" sz="1400" b="1" dirty="0" err="1">
+                <a:solidFill>
+                  <a:schemeClr val="tx2"/>
+                </a:solidFill>
+                <a:latin typeface="Consolas" pitchFamily="49" charset="0"/>
+                <a:cs typeface="Consolas" pitchFamily="49" charset="0"/>
+              </a:rPr>
+              <a:t>fn</a:t>
+            </a:r>
+            <a:r>
+              <a:rPr lang="en-US" sz="1400" b="1" dirty="0">
+                <a:latin typeface="Consolas" pitchFamily="49" charset="0"/>
+                <a:cs typeface="Consolas" pitchFamily="49" charset="0"/>
+              </a:rPr>
+              <a:t>(d) </a:t>
+            </a:r>
+            <a:r>
+              <a:rPr lang="en-US" sz="1400" b="1" dirty="0" err="1">
+                <a:latin typeface="Consolas" pitchFamily="49" charset="0"/>
+                <a:cs typeface="Consolas" pitchFamily="49" charset="0"/>
+              </a:rPr>
+              <a:t>math.</a:t>
+            </a:r>
+            <a:r>
+              <a:rPr lang="en-US" sz="1400" b="1" dirty="0" err="1">
+                <a:solidFill>
+                  <a:srgbClr val="7030A0"/>
+                </a:solidFill>
+                <a:latin typeface="Consolas" pitchFamily="49" charset="0"/>
+                <a:cs typeface="Consolas" pitchFamily="49" charset="0"/>
+              </a:rPr>
+              <a:t>Square</a:t>
+            </a:r>
+            <a:r>
+              <a:rPr lang="en-US" sz="1400" b="1" dirty="0">
+                <a:latin typeface="Consolas" pitchFamily="49" charset="0"/>
+                <a:cs typeface="Consolas" pitchFamily="49" charset="0"/>
+              </a:rPr>
+              <a:t>(d))</a:t>
+            </a:r>
+          </a:p>
+          <a:p>
+            <a:pPr marL="0" indent="0">
+              <a:buNone/>
+            </a:pPr>
+            <a:endParaRPr lang="en-US" sz="1400" b="1" dirty="0">
+              <a:latin typeface="Consolas" pitchFamily="49" charset="0"/>
+              <a:cs typeface="Consolas" pitchFamily="49" charset="0"/>
+            </a:endParaRPr>
+          </a:p>
+          <a:p>
+            <a:pPr marL="0" indent="0">
+              <a:buNone/>
+            </a:pPr>
+            <a:r>
+              <a:rPr lang="en-US" sz="1400" b="1" dirty="0">
+                <a:latin typeface="Consolas" pitchFamily="49" charset="0"/>
+                <a:cs typeface="Consolas" pitchFamily="49" charset="0"/>
+              </a:rPr>
+              <a:t>    </a:t>
+            </a:r>
+            <a:r>
+              <a:rPr lang="en-US" sz="1400" b="1" dirty="0">
+                <a:solidFill>
+                  <a:srgbClr val="7030A0"/>
+                </a:solidFill>
+                <a:latin typeface="Consolas" pitchFamily="49" charset="0"/>
+                <a:cs typeface="Consolas" pitchFamily="49" charset="0"/>
+              </a:rPr>
+              <a:t>Print</a:t>
+            </a:r>
+            <a:r>
+              <a:rPr lang="en-US" sz="1400" b="1" dirty="0">
+                <a:latin typeface="Consolas" pitchFamily="49" charset="0"/>
+                <a:cs typeface="Consolas" pitchFamily="49" charset="0"/>
+              </a:rPr>
+              <a:t>(</a:t>
+            </a:r>
+            <a:r>
+              <a:rPr lang="en-US" sz="1400" b="1" dirty="0" err="1">
+                <a:latin typeface="Consolas" pitchFamily="49" charset="0"/>
+                <a:cs typeface="Consolas" pitchFamily="49" charset="0"/>
+              </a:rPr>
+              <a:t>evens.</a:t>
+            </a:r>
+            <a:r>
+              <a:rPr lang="en-US" sz="1400" b="1" dirty="0" err="1">
+                <a:solidFill>
+                  <a:srgbClr val="7030A0"/>
+                </a:solidFill>
+                <a:latin typeface="Consolas" pitchFamily="49" charset="0"/>
+                <a:cs typeface="Consolas" pitchFamily="49" charset="0"/>
+              </a:rPr>
+              <a:t>First</a:t>
+            </a:r>
+            <a:r>
+              <a:rPr lang="en-US" sz="1400" b="1" dirty="0">
+                <a:latin typeface="Consolas" pitchFamily="49" charset="0"/>
+                <a:cs typeface="Consolas" pitchFamily="49" charset="0"/>
+              </a:rPr>
+              <a:t>())</a:t>
+            </a:r>
+          </a:p>
+          <a:p>
+            <a:pPr marL="0" indent="0">
+              <a:buNone/>
+            </a:pPr>
+            <a:r>
+              <a:rPr lang="en-US" sz="1400" b="1" dirty="0">
+                <a:latin typeface="Consolas" pitchFamily="49" charset="0"/>
+                <a:cs typeface="Consolas" pitchFamily="49" charset="0"/>
+              </a:rPr>
+              <a:t>    </a:t>
+            </a:r>
+            <a:r>
+              <a:rPr lang="en-US" sz="1400" b="1" dirty="0">
+                <a:solidFill>
+                  <a:srgbClr val="7030A0"/>
+                </a:solidFill>
+                <a:latin typeface="Consolas" pitchFamily="49" charset="0"/>
+                <a:cs typeface="Consolas" pitchFamily="49" charset="0"/>
+              </a:rPr>
+              <a:t>Print</a:t>
+            </a:r>
+            <a:r>
+              <a:rPr lang="en-US" sz="1400" b="1" dirty="0">
+                <a:latin typeface="Consolas" pitchFamily="49" charset="0"/>
+                <a:cs typeface="Consolas" pitchFamily="49" charset="0"/>
+              </a:rPr>
+              <a:t>(</a:t>
+            </a:r>
+            <a:r>
+              <a:rPr lang="en-US" sz="1400" b="1" dirty="0" err="1">
+                <a:latin typeface="Consolas" pitchFamily="49" charset="0"/>
+                <a:cs typeface="Consolas" pitchFamily="49" charset="0"/>
+              </a:rPr>
+              <a:t>incremented.</a:t>
+            </a:r>
+            <a:r>
+              <a:rPr lang="en-US" sz="1400" b="1" dirty="0" err="1">
+                <a:solidFill>
+                  <a:srgbClr val="7030A0"/>
+                </a:solidFill>
+                <a:latin typeface="Consolas" pitchFamily="49" charset="0"/>
+                <a:cs typeface="Consolas" pitchFamily="49" charset="0"/>
+              </a:rPr>
+              <a:t>First</a:t>
+            </a:r>
+            <a:r>
+              <a:rPr lang="en-US" sz="1400" b="1" dirty="0">
+                <a:latin typeface="Consolas" pitchFamily="49" charset="0"/>
+                <a:cs typeface="Consolas" pitchFamily="49" charset="0"/>
+              </a:rPr>
+              <a:t>())</a:t>
+            </a:r>
+          </a:p>
+          <a:p>
+            <a:pPr marL="0" indent="0">
+              <a:buNone/>
+            </a:pPr>
+            <a:r>
+              <a:rPr lang="en-US" sz="1400" b="1" dirty="0">
+                <a:latin typeface="Consolas" pitchFamily="49" charset="0"/>
+                <a:cs typeface="Consolas" pitchFamily="49" charset="0"/>
+              </a:rPr>
+              <a:t>    </a:t>
+            </a:r>
+            <a:r>
+              <a:rPr lang="en-US" sz="1400" b="1" dirty="0">
+                <a:solidFill>
+                  <a:srgbClr val="7030A0"/>
+                </a:solidFill>
+                <a:latin typeface="Consolas" pitchFamily="49" charset="0"/>
+                <a:cs typeface="Consolas" pitchFamily="49" charset="0"/>
+              </a:rPr>
+              <a:t>Print</a:t>
+            </a:r>
+            <a:r>
+              <a:rPr lang="en-US" sz="1400" b="1" dirty="0">
+                <a:latin typeface="Consolas" pitchFamily="49" charset="0"/>
+                <a:cs typeface="Consolas" pitchFamily="49" charset="0"/>
+              </a:rPr>
+              <a:t>(</a:t>
+            </a:r>
+            <a:r>
+              <a:rPr lang="en-US" sz="1400" b="1" dirty="0" err="1">
+                <a:latin typeface="Consolas" pitchFamily="49" charset="0"/>
+                <a:cs typeface="Consolas" pitchFamily="49" charset="0"/>
+              </a:rPr>
+              <a:t>squares.</a:t>
+            </a:r>
+            <a:r>
+              <a:rPr lang="en-US" sz="1400" b="1" dirty="0" err="1">
+                <a:solidFill>
+                  <a:srgbClr val="7030A0"/>
+                </a:solidFill>
+                <a:latin typeface="Consolas" pitchFamily="49" charset="0"/>
+                <a:cs typeface="Consolas" pitchFamily="49" charset="0"/>
+              </a:rPr>
+              <a:t>First</a:t>
+            </a:r>
+            <a:r>
+              <a:rPr lang="en-US" sz="1400" b="1" dirty="0">
+                <a:latin typeface="Consolas" pitchFamily="49" charset="0"/>
+                <a:cs typeface="Consolas" pitchFamily="49" charset="0"/>
+              </a:rPr>
+              <a:t>())</a:t>
+            </a:r>
+          </a:p>
+          <a:p>
+            <a:pPr marL="0" indent="0">
+              <a:buNone/>
+            </a:pPr>
+            <a:r>
+              <a:rPr lang="en-US" sz="1400" b="1" dirty="0" smtClean="0">
+                <a:latin typeface="Consolas" pitchFamily="49" charset="0"/>
+                <a:cs typeface="Consolas" pitchFamily="49" charset="0"/>
+              </a:rPr>
               <a:t>}</a:t>
             </a:r>
           </a:p>
         </p:txBody>
       </p:sp>
+      <p:pic>
+        <p:nvPicPr>
+          <p:cNvPr id="1026" name="Picture 2" descr="C:\Users\plioi\Desktop\rook.jpg"/>
+          <p:cNvPicPr>
+            <a:picLocks noChangeAspect="1" noChangeArrowheads="1"/>
+          </p:cNvPicPr>
+          <p:nvPr/>
+        </p:nvPicPr>
+        <p:blipFill>
+          <a:blip r:embed="rId2">
+            <a:extLst>
+              <a:ext uri="{28A0092B-C50C-407E-A947-70E740481C1C}">
+                <a14:useLocalDpi xmlns:a14="http://schemas.microsoft.com/office/drawing/2010/main" val="0"/>
+              </a:ext>
+            </a:extLst>
+          </a:blip>
+          <a:srcRect/>
+          <a:stretch>
+            <a:fillRect/>
+          </a:stretch>
+        </p:blipFill>
+        <p:spPr bwMode="auto">
+          <a:xfrm flipH="1">
+            <a:off x="5715000" y="152400"/>
+            <a:ext cx="2311400" cy="1648799"/>
+          </a:xfrm>
+          <a:prstGeom prst="rect">
+            <a:avLst/>
+          </a:prstGeom>
+          <a:noFill/>
+          <a:extLst>
+            <a:ext uri="{909E8E84-426E-40DD-AFC4-6F175D3DCCD1}">
+              <a14:hiddenFill xmlns:a14="http://schemas.microsoft.com/office/drawing/2010/main">
+                <a:solidFill>
+                  <a:srgbClr val="FFFFFF"/>
+                </a:solidFill>
+              </a14:hiddenFill>
+            </a:ext>
+          </a:extLst>
+        </p:spPr>
+      </p:pic>
     </p:spTree>
     <p:extLst>
       <p:ext uri="{BB962C8B-B14F-4D97-AF65-F5344CB8AC3E}">
@@ -8682,7 +9379,7 @@
 </p:sld>
 </file>
 
-<file path=ppt/slides/slide4.xml><?xml version="1.0" encoding="utf-8"?>
+<file path=ppt/slides/slide5.xml><?xml version="1.0" encoding="utf-8"?>
 <p:sld xmlns:a="http://schemas.openxmlformats.org/drawingml/2006/main" xmlns:r="http://schemas.openxmlformats.org/officeDocument/2006/relationships" xmlns:p="http://schemas.openxmlformats.org/presentationml/2006/main">
   <p:cSld>
     <p:spTree>
@@ -8939,7 +9636,7 @@
 </p:sld>
 </file>
 
-<file path=ppt/slides/slide5.xml><?xml version="1.0" encoding="utf-8"?>
+<file path=ppt/slides/slide6.xml><?xml version="1.0" encoding="utf-8"?>
 <p:sld xmlns:a="http://schemas.openxmlformats.org/drawingml/2006/main" xmlns:r="http://schemas.openxmlformats.org/officeDocument/2006/relationships" xmlns:p="http://schemas.openxmlformats.org/presentationml/2006/main">
   <p:cSld>
     <p:spTree>
@@ -10017,7 +10714,7 @@
 </p:sld>
 </file>
 
-<file path=ppt/slides/slide6.xml><?xml version="1.0" encoding="utf-8"?>
+<file path=ppt/slides/slide7.xml><?xml version="1.0" encoding="utf-8"?>
 <p:sld xmlns:a="http://schemas.openxmlformats.org/drawingml/2006/main" xmlns:r="http://schemas.openxmlformats.org/officeDocument/2006/relationships" xmlns:p="http://schemas.openxmlformats.org/presentationml/2006/main">
   <p:cSld>
     <p:spTree>
@@ -10055,52 +10752,14 @@
           <a:lstStyle/>
           <a:p>
             <a:r>
-              <a:rPr lang="en-US" dirty="0" smtClean="0"/>
+              <a:rPr lang="en-US" u="sng" dirty="0" smtClean="0"/>
               <a:t>Phase 1: </a:t>
             </a:r>
             <a:r>
-              <a:rPr lang="en-US" dirty="0" err="1" smtClean="0"/>
+              <a:rPr lang="en-US" u="sng" dirty="0" err="1" smtClean="0"/>
               <a:t>Lexer</a:t>
             </a:r>
-            <a:endParaRPr lang="en-US" dirty="0"/>
-          </a:p>
-        </p:txBody>
-      </p:sp>
-      <p:sp>
-        <p:nvSpPr>
-          <p:cNvPr id="3" name="Content Placeholder 2"/>
-          <p:cNvSpPr>
-            <a:spLocks noGrp="1"/>
-          </p:cNvSpPr>
-          <p:nvPr>
-            <p:ph idx="1"/>
-          </p:nvPr>
-        </p:nvSpPr>
-        <p:spPr>
-          <a:xfrm>
-            <a:off x="457200" y="990600"/>
-            <a:ext cx="8229600" cy="1295400"/>
-          </a:xfrm>
-        </p:spPr>
-        <p:txBody>
-          <a:bodyPr>
-            <a:normAutofit/>
-          </a:bodyPr>
-          <a:lstStyle/>
-          <a:p>
-            <a:pPr marL="0" indent="0">
-              <a:buNone/>
-            </a:pPr>
-            <a:r>
-              <a:rPr lang="en-US" dirty="0" smtClean="0"/>
-              <a:t>Split the plain text into small, meaningful substrings called “tokens”.</a:t>
-            </a:r>
-          </a:p>
-          <a:p>
-            <a:pPr marL="0" indent="0">
-              <a:buNone/>
-            </a:pPr>
-            <a:endParaRPr lang="en-US" dirty="0"/>
+            <a:endParaRPr lang="en-US" u="sng" dirty="0"/>
           </a:p>
         </p:txBody>
       </p:sp>
@@ -10112,7 +10771,7 @@
         </p:nvGrpSpPr>
         <p:grpSpPr>
           <a:xfrm>
-            <a:off x="1567534" y="2895600"/>
+            <a:off x="1567534" y="1981200"/>
             <a:ext cx="6008932" cy="611080"/>
             <a:chOff x="838200" y="4799120"/>
             <a:chExt cx="6008932" cy="611080"/>
@@ -10618,7 +11277,7 @@
         </p:nvGrpSpPr>
         <p:grpSpPr>
           <a:xfrm>
-            <a:off x="721624" y="5029200"/>
+            <a:off x="721624" y="4114800"/>
             <a:ext cx="7700753" cy="609600"/>
             <a:chOff x="376447" y="3272902"/>
             <a:chExt cx="7700753" cy="609600"/>
@@ -11081,7 +11740,7 @@
         </p:nvSpPr>
         <p:spPr>
           <a:xfrm>
-            <a:off x="4329684" y="3810000"/>
+            <a:off x="4329684" y="2895600"/>
             <a:ext cx="484632" cy="978408"/>
           </a:xfrm>
           <a:prstGeom prst="downArrow">
@@ -11143,7 +11802,7 @@
 </p:sld>
 </file>
 
-<file path=ppt/slides/slide7.xml><?xml version="1.0" encoding="utf-8"?>
+<file path=ppt/slides/slide8.xml><?xml version="1.0" encoding="utf-8"?>
 <p:sld xmlns:a="http://schemas.openxmlformats.org/drawingml/2006/main" xmlns:r="http://schemas.openxmlformats.org/officeDocument/2006/relationships" xmlns:p="http://schemas.openxmlformats.org/presentationml/2006/main">
   <p:cSld>
     <p:spTree>
@@ -11162,46 +11821,14 @@
       </p:grpSpPr>
       <p:sp>
         <p:nvSpPr>
-          <p:cNvPr id="4" name="Title 1"/>
-          <p:cNvSpPr>
-            <a:spLocks noGrp="1"/>
-          </p:cNvSpPr>
-          <p:nvPr>
-            <p:ph type="title"/>
-          </p:nvPr>
-        </p:nvSpPr>
-        <p:spPr>
-          <a:xfrm>
-            <a:off x="457200" y="-76200"/>
-            <a:ext cx="8229600" cy="1143000"/>
-          </a:xfrm>
-        </p:spPr>
-        <p:txBody>
-          <a:bodyPr/>
-          <a:lstStyle/>
-          <a:p>
-            <a:r>
-              <a:rPr lang="en-US" dirty="0" smtClean="0"/>
-              <a:t>Phase 1: </a:t>
-            </a:r>
-            <a:r>
-              <a:rPr lang="en-US" dirty="0" err="1" smtClean="0"/>
-              <a:t>Lexer</a:t>
-            </a:r>
-            <a:endParaRPr lang="en-US" dirty="0"/>
-          </a:p>
-        </p:txBody>
-      </p:sp>
-      <p:sp>
-        <p:nvSpPr>
           <p:cNvPr id="6" name="TextBox 5"/>
           <p:cNvSpPr txBox="1"/>
           <p:nvPr/>
         </p:nvSpPr>
         <p:spPr>
           <a:xfrm>
-            <a:off x="1828800" y="1524000"/>
-            <a:ext cx="6477000" cy="3539430"/>
+            <a:off x="1828800" y="685800"/>
+            <a:ext cx="6477000" cy="4524315"/>
           </a:xfrm>
           <a:prstGeom prst="rect">
             <a:avLst/>
@@ -11233,6 +11860,10 @@
             </a:r>
           </a:p>
           <a:p>
+            <a:pPr lvl="1"/>
+            <a:endParaRPr lang="en-US" sz="3200" dirty="0" smtClean="0"/>
+          </a:p>
+          <a:p>
             <a:pPr marL="742950" lvl="1" indent="-285750">
               <a:buFont typeface="Arial" pitchFamily="34" charset="0"/>
               <a:buChar char="•"/>
@@ -11245,6 +11876,10 @@
               <a:rPr lang="en-US" sz="3200" dirty="0" err="1" smtClean="0"/>
               <a:t>a|b|c</a:t>
             </a:r>
+            <a:endParaRPr lang="en-US" sz="3200" dirty="0" smtClean="0"/>
+          </a:p>
+          <a:p>
+            <a:pPr lvl="1"/>
             <a:endParaRPr lang="en-US" sz="3200" dirty="0" smtClean="0"/>
           </a:p>
           <a:p>
@@ -11347,7 +11982,7 @@
 </p:sld>
 </file>
 
-<file path=ppt/slides/slide8.xml><?xml version="1.0" encoding="utf-8"?>
+<file path=ppt/slides/slide9.xml><?xml version="1.0" encoding="utf-8"?>
 <p:sld xmlns:a="http://schemas.openxmlformats.org/drawingml/2006/main" xmlns:r="http://schemas.openxmlformats.org/officeDocument/2006/relationships" xmlns:p="http://schemas.openxmlformats.org/presentationml/2006/main">
   <p:cSld>
     <p:spTree>
@@ -11481,10 +12116,10 @@
           <a:lstStyle/>
           <a:p>
             <a:r>
-              <a:rPr lang="en-US" dirty="0" smtClean="0"/>
+              <a:rPr lang="en-US" u="sng" dirty="0" smtClean="0"/>
               <a:t>Phase 2: Parser</a:t>
             </a:r>
-            <a:endParaRPr lang="en-US" dirty="0"/>
+            <a:endParaRPr lang="en-US" u="sng" dirty="0"/>
           </a:p>
         </p:txBody>
       </p:sp>
@@ -12839,205 +13474,6 @@
 </p:sld>
 </file>
 
-<file path=ppt/slides/slide9.xml><?xml version="1.0" encoding="utf-8"?>
-<p:sld xmlns:a="http://schemas.openxmlformats.org/drawingml/2006/main" xmlns:r="http://schemas.openxmlformats.org/officeDocument/2006/relationships" xmlns:p="http://schemas.openxmlformats.org/presentationml/2006/main">
-  <p:cSld>
-    <p:spTree>
-      <p:nvGrpSpPr>
-        <p:cNvPr id="1" name=""/>
-        <p:cNvGrpSpPr/>
-        <p:nvPr/>
-      </p:nvGrpSpPr>
-      <p:grpSpPr>
-        <a:xfrm>
-          <a:off x="0" y="0"/>
-          <a:ext cx="0" cy="0"/>
-          <a:chOff x="0" y="0"/>
-          <a:chExt cx="0" cy="0"/>
-        </a:xfrm>
-      </p:grpSpPr>
-      <p:sp>
-        <p:nvSpPr>
-          <p:cNvPr id="2" name="Title 1"/>
-          <p:cNvSpPr>
-            <a:spLocks noGrp="1"/>
-          </p:cNvSpPr>
-          <p:nvPr>
-            <p:ph type="title"/>
-          </p:nvPr>
-        </p:nvSpPr>
-        <p:spPr>
-          <a:xfrm>
-            <a:off x="457200" y="-76200"/>
-            <a:ext cx="8229600" cy="1143000"/>
-          </a:xfrm>
-        </p:spPr>
-        <p:txBody>
-          <a:bodyPr/>
-          <a:lstStyle/>
-          <a:p>
-            <a:r>
-              <a:rPr lang="en-US" dirty="0" smtClean="0"/>
-              <a:t>Phase 2: Parser</a:t>
-            </a:r>
-            <a:endParaRPr lang="en-US" dirty="0"/>
-          </a:p>
-        </p:txBody>
-      </p:sp>
-      <p:sp>
-        <p:nvSpPr>
-          <p:cNvPr id="4" name="TextBox 3"/>
-          <p:cNvSpPr txBox="1"/>
-          <p:nvPr/>
-        </p:nvSpPr>
-        <p:spPr>
-          <a:xfrm>
-            <a:off x="1066800" y="1906012"/>
-            <a:ext cx="7239000" cy="3539430"/>
-          </a:xfrm>
-          <a:prstGeom prst="rect">
-            <a:avLst/>
-          </a:prstGeom>
-          <a:noFill/>
-        </p:spPr>
-        <p:txBody>
-          <a:bodyPr wrap="square" rtlCol="0">
-            <a:spAutoFit/>
-          </a:bodyPr>
-          <a:lstStyle/>
-          <a:p>
-            <a:r>
-              <a:rPr lang="en-US" sz="3200" dirty="0" smtClean="0"/>
-              <a:t>Parsley’s 3 Pattern Recognition Operations</a:t>
-            </a:r>
-          </a:p>
-          <a:p>
-            <a:endParaRPr lang="en-US" sz="3200" dirty="0" smtClean="0"/>
-          </a:p>
-          <a:p>
-            <a:pPr marL="742950" lvl="1" indent="-285750">
-              <a:buFont typeface="Arial" pitchFamily="34" charset="0"/>
-              <a:buChar char="•"/>
-            </a:pPr>
-            <a:r>
-              <a:rPr lang="en-US" sz="3200" dirty="0" smtClean="0"/>
-              <a:t>Repetition: </a:t>
-            </a:r>
-            <a:r>
-              <a:rPr lang="en-US" sz="3200" dirty="0" err="1" smtClean="0"/>
-              <a:t>ZeroOrMore</a:t>
-            </a:r>
-            <a:r>
-              <a:rPr lang="en-US" sz="3200" dirty="0" smtClean="0"/>
-              <a:t>(a),</a:t>
-            </a:r>
-          </a:p>
-          <a:p>
-            <a:pPr lvl="1"/>
-            <a:r>
-              <a:rPr lang="en-US" sz="3200" dirty="0"/>
-              <a:t> </a:t>
-            </a:r>
-            <a:r>
-              <a:rPr lang="en-US" sz="3200" dirty="0" smtClean="0"/>
-              <a:t>                       </a:t>
-            </a:r>
-            <a:r>
-              <a:rPr lang="en-US" sz="3200" dirty="0" err="1" smtClean="0"/>
-              <a:t>OneOrMore</a:t>
-            </a:r>
-            <a:r>
-              <a:rPr lang="en-US" sz="3200" dirty="0" smtClean="0"/>
-              <a:t>(a)</a:t>
-            </a:r>
-          </a:p>
-          <a:p>
-            <a:pPr marL="742950" lvl="1" indent="-285750">
-              <a:buFont typeface="Arial" pitchFamily="34" charset="0"/>
-              <a:buChar char="•"/>
-            </a:pPr>
-            <a:r>
-              <a:rPr lang="en-US" sz="3200" dirty="0" smtClean="0"/>
-              <a:t>Choice: Choice(a, b, c)</a:t>
-            </a:r>
-          </a:p>
-          <a:p>
-            <a:pPr marL="742950" lvl="1" indent="-285750">
-              <a:buFont typeface="Arial" pitchFamily="34" charset="0"/>
-              <a:buChar char="•"/>
-            </a:pPr>
-            <a:r>
-              <a:rPr lang="en-US" sz="3200" dirty="0" smtClean="0"/>
-              <a:t>Sequence: </a:t>
-            </a:r>
-            <a:r>
-              <a:rPr lang="en-US" sz="3200" i="1" dirty="0" smtClean="0"/>
-              <a:t>from</a:t>
-            </a:r>
-            <a:r>
-              <a:rPr lang="en-US" sz="3200" dirty="0" smtClean="0"/>
-              <a:t> clauses</a:t>
-            </a:r>
-            <a:endParaRPr lang="en-US" sz="3200" i="1" dirty="0" smtClean="0"/>
-          </a:p>
-          <a:p>
-            <a:endParaRPr lang="en-US" sz="3200" dirty="0"/>
-          </a:p>
-        </p:txBody>
-      </p:sp>
-      <p:sp>
-        <p:nvSpPr>
-          <p:cNvPr id="5" name="Rectangle 4"/>
-          <p:cNvSpPr/>
-          <p:nvPr/>
-        </p:nvSpPr>
-        <p:spPr>
-          <a:xfrm>
-            <a:off x="2543047" y="5867400"/>
-            <a:ext cx="4057906" cy="523220"/>
-          </a:xfrm>
-          <a:prstGeom prst="rect">
-            <a:avLst/>
-          </a:prstGeom>
-        </p:spPr>
-        <p:txBody>
-          <a:bodyPr wrap="none">
-            <a:spAutoFit/>
-          </a:bodyPr>
-          <a:lstStyle/>
-          <a:p>
-            <a:r>
-              <a:rPr lang="en-US" sz="2800" dirty="0"/>
-              <a:t>Example: </a:t>
-            </a:r>
-            <a:r>
-              <a:rPr lang="en-US" sz="2800" dirty="0" err="1" smtClean="0"/>
-              <a:t>RookGrammar.cs</a:t>
-            </a:r>
-            <a:endParaRPr lang="en-US" sz="2800" dirty="0"/>
-          </a:p>
-        </p:txBody>
-      </p:sp>
-    </p:spTree>
-    <p:extLst>
-      <p:ext uri="{BB962C8B-B14F-4D97-AF65-F5344CB8AC3E}">
-        <p14:creationId xmlns:p14="http://schemas.microsoft.com/office/powerpoint/2010/main" val="558101229"/>
-      </p:ext>
-    </p:extLst>
-  </p:cSld>
-  <p:clrMapOvr>
-    <a:masterClrMapping/>
-  </p:clrMapOvr>
-  <p:timing>
-    <p:tnLst>
-      <p:par>
-        <p:cTn id="1" dur="indefinite" restart="never" nodeType="tmRoot"/>
-      </p:par>
-    </p:tnLst>
-  </p:timing>
-</p:sld>
-</file>
-
 <file path=ppt/theme/theme1.xml><?xml version="1.0" encoding="utf-8"?>
 <a:theme xmlns:a="http://schemas.openxmlformats.org/drawingml/2006/main" name="Office Theme">
   <a:themeElements>

--- a/BuildingALanguage/BuildingALanguage.pptx
+++ b/BuildingALanguage/BuildingALanguage.pptx
@@ -307,7 +307,7 @@
             <a:fld id="{1D8BD707-D9CF-40AE-B4C6-C98DA3205C09}" type="datetimeFigureOut">
               <a:rPr lang="en-US" smtClean="0"/>
               <a:pPr/>
-              <a:t>10/3/2012</a:t>
+              <a:t>10/7/2012</a:t>
             </a:fld>
             <a:endParaRPr lang="en-US"/>
           </a:p>
@@ -474,7 +474,7 @@
             <a:fld id="{1D8BD707-D9CF-40AE-B4C6-C98DA3205C09}" type="datetimeFigureOut">
               <a:rPr lang="en-US" smtClean="0"/>
               <a:pPr/>
-              <a:t>10/3/2012</a:t>
+              <a:t>10/7/2012</a:t>
             </a:fld>
             <a:endParaRPr lang="en-US"/>
           </a:p>
@@ -651,7 +651,7 @@
             <a:fld id="{1D8BD707-D9CF-40AE-B4C6-C98DA3205C09}" type="datetimeFigureOut">
               <a:rPr lang="en-US" smtClean="0"/>
               <a:pPr/>
-              <a:t>10/3/2012</a:t>
+              <a:t>10/7/2012</a:t>
             </a:fld>
             <a:endParaRPr lang="en-US"/>
           </a:p>
@@ -818,7 +818,7 @@
             <a:fld id="{1D8BD707-D9CF-40AE-B4C6-C98DA3205C09}" type="datetimeFigureOut">
               <a:rPr lang="en-US" smtClean="0"/>
               <a:pPr/>
-              <a:t>10/3/2012</a:t>
+              <a:t>10/7/2012</a:t>
             </a:fld>
             <a:endParaRPr lang="en-US"/>
           </a:p>
@@ -1061,7 +1061,7 @@
             <a:fld id="{1D8BD707-D9CF-40AE-B4C6-C98DA3205C09}" type="datetimeFigureOut">
               <a:rPr lang="en-US" smtClean="0"/>
               <a:pPr/>
-              <a:t>10/3/2012</a:t>
+              <a:t>10/7/2012</a:t>
             </a:fld>
             <a:endParaRPr lang="en-US"/>
           </a:p>
@@ -1346,7 +1346,7 @@
             <a:fld id="{1D8BD707-D9CF-40AE-B4C6-C98DA3205C09}" type="datetimeFigureOut">
               <a:rPr lang="en-US" smtClean="0"/>
               <a:pPr/>
-              <a:t>10/3/2012</a:t>
+              <a:t>10/7/2012</a:t>
             </a:fld>
             <a:endParaRPr lang="en-US"/>
           </a:p>
@@ -1765,7 +1765,7 @@
             <a:fld id="{1D8BD707-D9CF-40AE-B4C6-C98DA3205C09}" type="datetimeFigureOut">
               <a:rPr lang="en-US" smtClean="0"/>
               <a:pPr/>
-              <a:t>10/3/2012</a:t>
+              <a:t>10/7/2012</a:t>
             </a:fld>
             <a:endParaRPr lang="en-US"/>
           </a:p>
@@ -1880,7 +1880,7 @@
             <a:fld id="{1D8BD707-D9CF-40AE-B4C6-C98DA3205C09}" type="datetimeFigureOut">
               <a:rPr lang="en-US" smtClean="0"/>
               <a:pPr/>
-              <a:t>10/3/2012</a:t>
+              <a:t>10/7/2012</a:t>
             </a:fld>
             <a:endParaRPr lang="en-US"/>
           </a:p>
@@ -1972,7 +1972,7 @@
             <a:fld id="{1D8BD707-D9CF-40AE-B4C6-C98DA3205C09}" type="datetimeFigureOut">
               <a:rPr lang="en-US" smtClean="0"/>
               <a:pPr/>
-              <a:t>10/3/2012</a:t>
+              <a:t>10/7/2012</a:t>
             </a:fld>
             <a:endParaRPr lang="en-US"/>
           </a:p>
@@ -2246,7 +2246,7 @@
             <a:fld id="{1D8BD707-D9CF-40AE-B4C6-C98DA3205C09}" type="datetimeFigureOut">
               <a:rPr lang="en-US" smtClean="0"/>
               <a:pPr/>
-              <a:t>10/3/2012</a:t>
+              <a:t>10/7/2012</a:t>
             </a:fld>
             <a:endParaRPr lang="en-US"/>
           </a:p>
@@ -2496,7 +2496,7 @@
             <a:fld id="{1D8BD707-D9CF-40AE-B4C6-C98DA3205C09}" type="datetimeFigureOut">
               <a:rPr lang="en-US" smtClean="0"/>
               <a:pPr/>
-              <a:t>10/3/2012</a:t>
+              <a:t>10/7/2012</a:t>
             </a:fld>
             <a:endParaRPr lang="en-US"/>
           </a:p>
@@ -2706,7 +2706,7 @@
             <a:fld id="{1D8BD707-D9CF-40AE-B4C6-C98DA3205C09}" type="datetimeFigureOut">
               <a:rPr lang="en-US" smtClean="0"/>
               <a:pPr/>
-              <a:t>10/3/2012</a:t>
+              <a:t>10/7/2012</a:t>
             </a:fld>
             <a:endParaRPr lang="en-US"/>
           </a:p>
@@ -3134,7 +3134,23 @@
                   <a:schemeClr val="tx1"/>
                 </a:solidFill>
               </a:rPr>
-              <a:t>, Parsing, Spaghetti Stacks, and </a:t>
+              <a:t>, Parsing, </a:t>
+            </a:r>
+            <a:r>
+              <a:rPr lang="en-US" dirty="0" smtClean="0">
+                <a:solidFill>
+                  <a:schemeClr val="tx1"/>
+                </a:solidFill>
+              </a:rPr>
+              <a:t>Type Checking, </a:t>
+            </a:r>
+            <a:r>
+              <a:rPr lang="en-US" dirty="0" smtClean="0">
+                <a:solidFill>
+                  <a:schemeClr val="tx1"/>
+                </a:solidFill>
+              </a:rPr>
+              <a:t>and </a:t>
             </a:r>
             <a:r>
               <a:rPr lang="en-US" dirty="0" err="1" smtClean="0">
@@ -3143,14 +3159,6 @@
                 </a:solidFill>
               </a:rPr>
               <a:t>Transpilation</a:t>
-            </a:r>
-            <a:r>
-              <a:rPr lang="en-US" dirty="0" smtClean="0">
-                <a:solidFill>
-                  <a:schemeClr val="tx1"/>
-                </a:solidFill>
-              </a:rPr>
-              <a:t>… all of which are, in fact, things.</a:t>
             </a:r>
             <a:endParaRPr lang="en-US" dirty="0">
               <a:solidFill>
@@ -4663,281 +4671,6 @@
       </p:sp>
       <p:grpSp>
         <p:nvGrpSpPr>
-          <p:cNvPr id="7" name="Group 6"/>
-          <p:cNvGrpSpPr/>
-          <p:nvPr/>
-        </p:nvGrpSpPr>
-        <p:grpSpPr>
-          <a:xfrm>
-            <a:off x="6705600" y="3166102"/>
-            <a:ext cx="1600200" cy="1981200"/>
-            <a:chOff x="2438400" y="3657600"/>
-            <a:chExt cx="1600200" cy="1981200"/>
-          </a:xfrm>
-        </p:grpSpPr>
-        <p:grpSp>
-          <p:nvGrpSpPr>
-            <p:cNvPr id="3" name="Group 2"/>
-            <p:cNvGrpSpPr/>
-            <p:nvPr/>
-          </p:nvGrpSpPr>
-          <p:grpSpPr>
-            <a:xfrm>
-              <a:off x="2438400" y="3657600"/>
-              <a:ext cx="1600200" cy="1981200"/>
-              <a:chOff x="2438400" y="3657600"/>
-              <a:chExt cx="1600200" cy="1981200"/>
-            </a:xfrm>
-          </p:grpSpPr>
-          <p:sp>
-            <p:nvSpPr>
-              <p:cNvPr id="42" name="Rectangle 41"/>
-              <p:cNvSpPr/>
-              <p:nvPr/>
-            </p:nvSpPr>
-            <p:spPr>
-              <a:xfrm>
-                <a:off x="2438400" y="3657600"/>
-                <a:ext cx="1600200" cy="1981200"/>
-              </a:xfrm>
-              <a:prstGeom prst="rect">
-                <a:avLst/>
-              </a:prstGeom>
-              <a:solidFill>
-                <a:schemeClr val="bg1"/>
-              </a:solidFill>
-            </p:spPr>
-            <p:style>
-              <a:lnRef idx="2">
-                <a:schemeClr val="accent1">
-                  <a:shade val="50000"/>
-                </a:schemeClr>
-              </a:lnRef>
-              <a:fillRef idx="1">
-                <a:schemeClr val="accent1"/>
-              </a:fillRef>
-              <a:effectRef idx="0">
-                <a:schemeClr val="accent1"/>
-              </a:effectRef>
-              <a:fontRef idx="minor">
-                <a:schemeClr val="lt1"/>
-              </a:fontRef>
-            </p:style>
-            <p:txBody>
-              <a:bodyPr rtlCol="0" anchor="ctr"/>
-              <a:lstStyle/>
-              <a:p>
-                <a:endParaRPr lang="en-US" dirty="0" smtClean="0">
-                  <a:solidFill>
-                    <a:schemeClr val="tx1"/>
-                  </a:solidFill>
-                </a:endParaRPr>
-              </a:p>
-            </p:txBody>
-          </p:sp>
-          <p:grpSp>
-            <p:nvGrpSpPr>
-              <p:cNvPr id="43" name="Group 42"/>
-              <p:cNvGrpSpPr/>
-              <p:nvPr/>
-            </p:nvGrpSpPr>
-            <p:grpSpPr>
-              <a:xfrm>
-                <a:off x="2590800" y="4114800"/>
-                <a:ext cx="1447800" cy="1447800"/>
-                <a:chOff x="2590800" y="5013793"/>
-                <a:chExt cx="1447800" cy="1447800"/>
-              </a:xfrm>
-            </p:grpSpPr>
-            <p:sp>
-              <p:nvSpPr>
-                <p:cNvPr id="35" name="TextBox 34"/>
-                <p:cNvSpPr txBox="1"/>
-                <p:nvPr/>
-              </p:nvSpPr>
-              <p:spPr>
-                <a:xfrm>
-                  <a:off x="2590800" y="5013793"/>
-                  <a:ext cx="1447800" cy="369332"/>
-                </a:xfrm>
-                <a:prstGeom prst="rect">
-                  <a:avLst/>
-                </a:prstGeom>
-                <a:noFill/>
-              </p:spPr>
-              <p:txBody>
-                <a:bodyPr wrap="square" rtlCol="0">
-                  <a:spAutoFit/>
-                </a:bodyPr>
-                <a:lstStyle/>
-                <a:p>
-                  <a:r>
-                    <a:rPr lang="en-US" dirty="0" smtClean="0"/>
-                    <a:t>{ “y” : </a:t>
-                  </a:r>
-                  <a:r>
-                    <a:rPr lang="en-US" dirty="0" err="1" smtClean="0"/>
-                    <a:t>int</a:t>
-                  </a:r>
-                  <a:r>
-                    <a:rPr lang="en-US" dirty="0" smtClean="0"/>
-                    <a:t> }</a:t>
-                  </a:r>
-                  <a:endParaRPr lang="en-US" dirty="0"/>
-                </a:p>
-              </p:txBody>
-            </p:sp>
-            <p:sp>
-              <p:nvSpPr>
-                <p:cNvPr id="36" name="TextBox 35"/>
-                <p:cNvSpPr txBox="1"/>
-                <p:nvPr/>
-              </p:nvSpPr>
-              <p:spPr>
-                <a:xfrm>
-                  <a:off x="2590800" y="5815262"/>
-                  <a:ext cx="1447800" cy="646331"/>
-                </a:xfrm>
-                <a:prstGeom prst="rect">
-                  <a:avLst/>
-                </a:prstGeom>
-                <a:noFill/>
-              </p:spPr>
-              <p:txBody>
-                <a:bodyPr wrap="square" rtlCol="0">
-                  <a:spAutoFit/>
-                </a:bodyPr>
-                <a:lstStyle/>
-                <a:p>
-                  <a:r>
-                    <a:rPr lang="en-US" dirty="0" smtClean="0"/>
-                    <a:t>{ “x” : </a:t>
-                  </a:r>
-                  <a:r>
-                    <a:rPr lang="en-US" dirty="0" err="1" smtClean="0"/>
-                    <a:t>int</a:t>
-                  </a:r>
-                  <a:r>
-                    <a:rPr lang="en-US" dirty="0" smtClean="0"/>
-                    <a:t>,</a:t>
-                  </a:r>
-                </a:p>
-                <a:p>
-                  <a:r>
-                    <a:rPr lang="en-US" dirty="0" smtClean="0"/>
-                    <a:t>  “</a:t>
-                  </a:r>
-                  <a:r>
-                    <a:rPr lang="en-US" dirty="0"/>
-                    <a:t>y” : </a:t>
-                  </a:r>
-                  <a:r>
-                    <a:rPr lang="en-US" dirty="0" err="1"/>
-                    <a:t>bool</a:t>
-                  </a:r>
-                  <a:r>
-                    <a:rPr lang="en-US" dirty="0" smtClean="0"/>
-                    <a:t> }</a:t>
-                  </a:r>
-                  <a:endParaRPr lang="en-US" dirty="0"/>
-                </a:p>
-              </p:txBody>
-            </p:sp>
-            <p:cxnSp>
-              <p:nvCxnSpPr>
-                <p:cNvPr id="39" name="Straight Connector 38"/>
-                <p:cNvCxnSpPr>
-                  <a:stCxn id="35" idx="2"/>
-                  <a:endCxn id="36" idx="0"/>
-                </p:cNvCxnSpPr>
-                <p:nvPr/>
-              </p:nvCxnSpPr>
-              <p:spPr>
-                <a:xfrm>
-                  <a:off x="3314700" y="5383125"/>
-                  <a:ext cx="0" cy="432137"/>
-                </a:xfrm>
-                <a:prstGeom prst="line">
-                  <a:avLst/>
-                </a:prstGeom>
-                <a:ln w="28575">
-                  <a:solidFill>
-                    <a:schemeClr val="accent1">
-                      <a:lumMod val="75000"/>
-                    </a:schemeClr>
-                  </a:solidFill>
-                  <a:tailEnd type="triangle"/>
-                </a:ln>
-              </p:spPr>
-              <p:style>
-                <a:lnRef idx="1">
-                  <a:schemeClr val="accent1"/>
-                </a:lnRef>
-                <a:fillRef idx="0">
-                  <a:schemeClr val="accent1"/>
-                </a:fillRef>
-                <a:effectRef idx="0">
-                  <a:schemeClr val="accent1"/>
-                </a:effectRef>
-                <a:fontRef idx="minor">
-                  <a:schemeClr val="tx1"/>
-                </a:fontRef>
-              </p:style>
-            </p:cxnSp>
-          </p:grpSp>
-        </p:grpSp>
-        <p:sp>
-          <p:nvSpPr>
-            <p:cNvPr id="24" name="Rectangle 23"/>
-            <p:cNvSpPr/>
-            <p:nvPr/>
-          </p:nvSpPr>
-          <p:spPr>
-            <a:xfrm>
-              <a:off x="3238500" y="3657600"/>
-              <a:ext cx="800100" cy="272566"/>
-            </a:xfrm>
-            <a:prstGeom prst="rect">
-              <a:avLst/>
-            </a:prstGeom>
-            <a:solidFill>
-              <a:schemeClr val="bg1"/>
-            </a:solidFill>
-          </p:spPr>
-          <p:style>
-            <a:lnRef idx="2">
-              <a:schemeClr val="accent1">
-                <a:shade val="50000"/>
-              </a:schemeClr>
-            </a:lnRef>
-            <a:fillRef idx="1">
-              <a:schemeClr val="accent1"/>
-            </a:fillRef>
-            <a:effectRef idx="0">
-              <a:schemeClr val="accent1"/>
-            </a:effectRef>
-            <a:fontRef idx="minor">
-              <a:schemeClr val="lt1"/>
-            </a:fontRef>
-          </p:style>
-          <p:txBody>
-            <a:bodyPr rtlCol="0" anchor="ctr"/>
-            <a:lstStyle/>
-            <a:p>
-              <a:r>
-                <a:rPr lang="en-US" dirty="0" smtClean="0">
-                  <a:solidFill>
-                    <a:schemeClr val="tx1"/>
-                  </a:solidFill>
-                </a:rPr>
-                <a:t>Scope</a:t>
-              </a:r>
-            </a:p>
-          </p:txBody>
-        </p:sp>
-      </p:grpSp>
-      <p:grpSp>
-        <p:nvGrpSpPr>
           <p:cNvPr id="25" name="Group 24"/>
           <p:cNvGrpSpPr/>
           <p:nvPr/>
@@ -5207,12 +4940,12 @@
         </p:nvCxnSpPr>
         <p:spPr>
           <a:xfrm rot="16200000" flipV="1">
-            <a:off x="5941699" y="1602101"/>
-            <a:ext cx="41902" cy="3086100"/>
+            <a:off x="5934075" y="1609725"/>
+            <a:ext cx="76200" cy="3105150"/>
           </a:xfrm>
           <a:prstGeom prst="curvedConnector3">
             <a:avLst>
-              <a:gd name="adj1" fmla="val 1942547"/>
+              <a:gd name="adj1" fmla="val 1477778"/>
             </a:avLst>
           </a:prstGeom>
           <a:ln w="28575">
@@ -5522,6 +5255,423 @@
           </a:p>
         </p:txBody>
       </p:sp>
+      <p:grpSp>
+        <p:nvGrpSpPr>
+          <p:cNvPr id="11" name="Group 10"/>
+          <p:cNvGrpSpPr/>
+          <p:nvPr/>
+        </p:nvGrpSpPr>
+        <p:grpSpPr>
+          <a:xfrm>
+            <a:off x="6248400" y="3200400"/>
+            <a:ext cx="2552700" cy="2091698"/>
+            <a:chOff x="6248400" y="3200400"/>
+            <a:chExt cx="2552700" cy="2091698"/>
+          </a:xfrm>
+        </p:grpSpPr>
+        <p:grpSp>
+          <p:nvGrpSpPr>
+            <p:cNvPr id="7" name="Group 6"/>
+            <p:cNvGrpSpPr/>
+            <p:nvPr/>
+          </p:nvGrpSpPr>
+          <p:grpSpPr>
+            <a:xfrm>
+              <a:off x="6248400" y="3200400"/>
+              <a:ext cx="2552700" cy="2091698"/>
+              <a:chOff x="2438400" y="3657600"/>
+              <a:chExt cx="1600200" cy="1981200"/>
+            </a:xfrm>
+          </p:grpSpPr>
+          <p:sp>
+            <p:nvSpPr>
+              <p:cNvPr id="42" name="Rectangle 41"/>
+              <p:cNvSpPr/>
+              <p:nvPr/>
+            </p:nvSpPr>
+            <p:spPr>
+              <a:xfrm>
+                <a:off x="2438400" y="3657600"/>
+                <a:ext cx="1600200" cy="1981200"/>
+              </a:xfrm>
+              <a:prstGeom prst="rect">
+                <a:avLst/>
+              </a:prstGeom>
+              <a:solidFill>
+                <a:schemeClr val="bg1"/>
+              </a:solidFill>
+            </p:spPr>
+            <p:style>
+              <a:lnRef idx="2">
+                <a:schemeClr val="accent1">
+                  <a:shade val="50000"/>
+                </a:schemeClr>
+              </a:lnRef>
+              <a:fillRef idx="1">
+                <a:schemeClr val="accent1"/>
+              </a:fillRef>
+              <a:effectRef idx="0">
+                <a:schemeClr val="accent1"/>
+              </a:effectRef>
+              <a:fontRef idx="minor">
+                <a:schemeClr val="lt1"/>
+              </a:fontRef>
+            </p:style>
+            <p:txBody>
+              <a:bodyPr rtlCol="0" anchor="ctr"/>
+              <a:lstStyle/>
+              <a:p>
+                <a:endParaRPr lang="en-US" dirty="0" smtClean="0">
+                  <a:solidFill>
+                    <a:schemeClr val="tx1"/>
+                  </a:solidFill>
+                </a:endParaRPr>
+              </a:p>
+            </p:txBody>
+          </p:sp>
+          <p:sp>
+            <p:nvSpPr>
+              <p:cNvPr id="24" name="Rectangle 23"/>
+              <p:cNvSpPr/>
+              <p:nvPr/>
+            </p:nvSpPr>
+            <p:spPr>
+              <a:xfrm>
+                <a:off x="3518210" y="3657600"/>
+                <a:ext cx="520390" cy="272566"/>
+              </a:xfrm>
+              <a:prstGeom prst="rect">
+                <a:avLst/>
+              </a:prstGeom>
+              <a:solidFill>
+                <a:schemeClr val="bg1"/>
+              </a:solidFill>
+            </p:spPr>
+            <p:style>
+              <a:lnRef idx="2">
+                <a:schemeClr val="accent1">
+                  <a:shade val="50000"/>
+                </a:schemeClr>
+              </a:lnRef>
+              <a:fillRef idx="1">
+                <a:schemeClr val="accent1"/>
+              </a:fillRef>
+              <a:effectRef idx="0">
+                <a:schemeClr val="accent1"/>
+              </a:effectRef>
+              <a:fontRef idx="minor">
+                <a:schemeClr val="lt1"/>
+              </a:fontRef>
+            </p:style>
+            <p:txBody>
+              <a:bodyPr rtlCol="0" anchor="ctr"/>
+              <a:lstStyle/>
+              <a:p>
+                <a:r>
+                  <a:rPr lang="en-US" dirty="0" smtClean="0">
+                    <a:solidFill>
+                      <a:schemeClr val="tx1"/>
+                    </a:solidFill>
+                  </a:rPr>
+                  <a:t>Scope</a:t>
+                </a:r>
+                <a:endParaRPr lang="en-US" dirty="0" smtClean="0">
+                  <a:solidFill>
+                    <a:schemeClr val="tx1"/>
+                  </a:solidFill>
+                </a:endParaRPr>
+              </a:p>
+            </p:txBody>
+          </p:sp>
+        </p:grpSp>
+        <p:sp>
+          <p:nvSpPr>
+            <p:cNvPr id="2" name="Rectangle 1"/>
+            <p:cNvSpPr/>
+            <p:nvPr/>
+          </p:nvSpPr>
+          <p:spPr>
+            <a:xfrm>
+              <a:off x="7086600" y="3810000"/>
+              <a:ext cx="838200" cy="609600"/>
+            </a:xfrm>
+            <a:prstGeom prst="rect">
+              <a:avLst/>
+            </a:prstGeom>
+            <a:solidFill>
+              <a:schemeClr val="bg1"/>
+            </a:solidFill>
+          </p:spPr>
+          <p:style>
+            <a:lnRef idx="2">
+              <a:schemeClr val="accent1">
+                <a:shade val="50000"/>
+              </a:schemeClr>
+            </a:lnRef>
+            <a:fillRef idx="1">
+              <a:schemeClr val="accent1"/>
+            </a:fillRef>
+            <a:effectRef idx="0">
+              <a:schemeClr val="accent1"/>
+            </a:effectRef>
+            <a:fontRef idx="minor">
+              <a:schemeClr val="lt1"/>
+            </a:fontRef>
+          </p:style>
+          <p:txBody>
+            <a:bodyPr rtlCol="0" anchor="ctr"/>
+            <a:lstStyle/>
+            <a:p>
+              <a:pPr algn="ctr"/>
+              <a:r>
+                <a:rPr lang="en-US" dirty="0" smtClean="0">
+                  <a:solidFill>
+                    <a:schemeClr val="tx1"/>
+                  </a:solidFill>
+                </a:rPr>
+                <a:t>x: </a:t>
+              </a:r>
+              <a:r>
+                <a:rPr lang="en-US" dirty="0" err="1" smtClean="0">
+                  <a:solidFill>
+                    <a:schemeClr val="tx1"/>
+                  </a:solidFill>
+                </a:rPr>
+                <a:t>int</a:t>
+              </a:r>
+              <a:endParaRPr lang="en-US" dirty="0" smtClean="0">
+                <a:solidFill>
+                  <a:schemeClr val="tx1"/>
+                </a:solidFill>
+              </a:endParaRPr>
+            </a:p>
+            <a:p>
+              <a:pPr algn="ctr"/>
+              <a:r>
+                <a:rPr lang="en-US" dirty="0" smtClean="0">
+                  <a:solidFill>
+                    <a:schemeClr val="tx1"/>
+                  </a:solidFill>
+                </a:rPr>
+                <a:t>y: </a:t>
+              </a:r>
+              <a:r>
+                <a:rPr lang="en-US" dirty="0" err="1" smtClean="0">
+                  <a:solidFill>
+                    <a:schemeClr val="tx1"/>
+                  </a:solidFill>
+                </a:rPr>
+                <a:t>bool</a:t>
+              </a:r>
+              <a:endParaRPr lang="en-US" dirty="0">
+                <a:solidFill>
+                  <a:schemeClr val="tx1"/>
+                </a:solidFill>
+              </a:endParaRPr>
+            </a:p>
+          </p:txBody>
+        </p:sp>
+        <p:sp>
+          <p:nvSpPr>
+            <p:cNvPr id="27" name="Rectangle 26"/>
+            <p:cNvSpPr/>
+            <p:nvPr/>
+          </p:nvSpPr>
+          <p:spPr>
+            <a:xfrm>
+              <a:off x="7848600" y="4572000"/>
+              <a:ext cx="838200" cy="609600"/>
+            </a:xfrm>
+            <a:prstGeom prst="rect">
+              <a:avLst/>
+            </a:prstGeom>
+            <a:solidFill>
+              <a:schemeClr val="bg1"/>
+            </a:solidFill>
+          </p:spPr>
+          <p:style>
+            <a:lnRef idx="2">
+              <a:schemeClr val="accent1">
+                <a:shade val="50000"/>
+              </a:schemeClr>
+            </a:lnRef>
+            <a:fillRef idx="1">
+              <a:schemeClr val="accent1"/>
+            </a:fillRef>
+            <a:effectRef idx="0">
+              <a:schemeClr val="accent1"/>
+            </a:effectRef>
+            <a:fontRef idx="minor">
+              <a:schemeClr val="lt1"/>
+            </a:fontRef>
+          </p:style>
+          <p:txBody>
+            <a:bodyPr rtlCol="0" anchor="ctr"/>
+            <a:lstStyle/>
+            <a:p>
+              <a:pPr algn="ctr"/>
+              <a:r>
+                <a:rPr lang="en-US" dirty="0" smtClean="0">
+                  <a:solidFill>
+                    <a:schemeClr val="tx1"/>
+                  </a:solidFill>
+                </a:rPr>
+                <a:t>y: </a:t>
+              </a:r>
+              <a:r>
+                <a:rPr lang="en-US" dirty="0" err="1" smtClean="0">
+                  <a:solidFill>
+                    <a:schemeClr val="tx1"/>
+                  </a:solidFill>
+                </a:rPr>
+                <a:t>int</a:t>
+              </a:r>
+              <a:endParaRPr lang="en-US" dirty="0">
+                <a:solidFill>
+                  <a:schemeClr val="tx1"/>
+                </a:solidFill>
+              </a:endParaRPr>
+            </a:p>
+          </p:txBody>
+        </p:sp>
+        <p:cxnSp>
+          <p:nvCxnSpPr>
+            <p:cNvPr id="29" name="Straight Connector 28"/>
+            <p:cNvCxnSpPr>
+              <a:stCxn id="27" idx="1"/>
+              <a:endCxn id="2" idx="2"/>
+            </p:cNvCxnSpPr>
+            <p:nvPr/>
+          </p:nvCxnSpPr>
+          <p:spPr>
+            <a:xfrm rot="10800000">
+              <a:off x="7505700" y="4419600"/>
+              <a:ext cx="342900" cy="457200"/>
+            </a:xfrm>
+            <a:prstGeom prst="curvedConnector2">
+              <a:avLst/>
+            </a:prstGeom>
+            <a:ln w="28575">
+              <a:solidFill>
+                <a:schemeClr val="accent1">
+                  <a:lumMod val="75000"/>
+                </a:schemeClr>
+              </a:solidFill>
+              <a:tailEnd type="triangle"/>
+            </a:ln>
+          </p:spPr>
+          <p:style>
+            <a:lnRef idx="1">
+              <a:schemeClr val="accent1"/>
+            </a:lnRef>
+            <a:fillRef idx="0">
+              <a:schemeClr val="accent1"/>
+            </a:fillRef>
+            <a:effectRef idx="0">
+              <a:schemeClr val="accent1"/>
+            </a:effectRef>
+            <a:fontRef idx="minor">
+              <a:schemeClr val="tx1"/>
+            </a:fontRef>
+          </p:style>
+        </p:cxnSp>
+        <p:sp>
+          <p:nvSpPr>
+            <p:cNvPr id="30" name="Rectangle 29"/>
+            <p:cNvSpPr/>
+            <p:nvPr/>
+          </p:nvSpPr>
+          <p:spPr>
+            <a:xfrm>
+              <a:off x="6324600" y="3302167"/>
+              <a:ext cx="838200" cy="355433"/>
+            </a:xfrm>
+            <a:prstGeom prst="rect">
+              <a:avLst/>
+            </a:prstGeom>
+            <a:solidFill>
+              <a:schemeClr val="bg1"/>
+            </a:solidFill>
+          </p:spPr>
+          <p:style>
+            <a:lnRef idx="2">
+              <a:schemeClr val="accent1">
+                <a:shade val="50000"/>
+              </a:schemeClr>
+            </a:lnRef>
+            <a:fillRef idx="1">
+              <a:schemeClr val="accent1"/>
+            </a:fillRef>
+            <a:effectRef idx="0">
+              <a:schemeClr val="accent1"/>
+            </a:effectRef>
+            <a:fontRef idx="minor">
+              <a:schemeClr val="lt1"/>
+            </a:fontRef>
+          </p:style>
+          <p:txBody>
+            <a:bodyPr rtlCol="0" anchor="ctr"/>
+            <a:lstStyle/>
+            <a:p>
+              <a:pPr algn="ctr"/>
+              <a:r>
+                <a:rPr lang="en-US" dirty="0" err="1" smtClean="0">
+                  <a:solidFill>
+                    <a:schemeClr val="tx1"/>
+                  </a:solidFill>
+                </a:rPr>
+                <a:t>globals</a:t>
+              </a:r>
+              <a:endParaRPr lang="en-US" dirty="0">
+                <a:solidFill>
+                  <a:schemeClr val="tx1"/>
+                </a:solidFill>
+              </a:endParaRPr>
+            </a:p>
+          </p:txBody>
+        </p:sp>
+        <p:cxnSp>
+          <p:nvCxnSpPr>
+            <p:cNvPr id="31" name="Straight Connector 28"/>
+            <p:cNvCxnSpPr>
+              <a:stCxn id="2" idx="1"/>
+              <a:endCxn id="30" idx="2"/>
+            </p:cNvCxnSpPr>
+            <p:nvPr/>
+          </p:nvCxnSpPr>
+          <p:spPr>
+            <a:xfrm rot="10800000">
+              <a:off x="6743700" y="3657600"/>
+              <a:ext cx="342900" cy="457200"/>
+            </a:xfrm>
+            <a:prstGeom prst="curvedConnector2">
+              <a:avLst/>
+            </a:prstGeom>
+            <a:ln w="28575">
+              <a:solidFill>
+                <a:schemeClr val="accent1">
+                  <a:lumMod val="75000"/>
+                </a:schemeClr>
+              </a:solidFill>
+              <a:tailEnd type="triangle"/>
+            </a:ln>
+          </p:spPr>
+          <p:style>
+            <a:lnRef idx="1">
+              <a:schemeClr val="accent1"/>
+            </a:lnRef>
+            <a:fillRef idx="0">
+              <a:schemeClr val="accent1"/>
+            </a:fillRef>
+            <a:effectRef idx="0">
+              <a:schemeClr val="accent1"/>
+            </a:effectRef>
+            <a:fontRef idx="minor">
+              <a:schemeClr val="tx1"/>
+            </a:fontRef>
+          </p:style>
+        </p:cxnSp>
+      </p:grpSp>
     </p:spTree>
     <p:extLst>
       <p:ext uri="{BB962C8B-B14F-4D97-AF65-F5344CB8AC3E}">
@@ -5561,7 +5711,7 @@
                             </p:stCondLst>
                             <p:childTnLst>
                               <p:par>
-                                <p:cTn id="5" presetID="1" presetClass="entr" presetSubtype="0" fill="hold" nodeType="clickEffect">
+                                <p:cTn id="5" presetID="1" presetClass="entr" presetSubtype="0" fill="hold" grpId="0" nodeType="clickEffect">
                                   <p:stCondLst>
                                     <p:cond delay="0"/>
                                   </p:stCondLst>
@@ -5574,7 +5724,7 @@
                                           </p:stCondLst>
                                         </p:cTn>
                                         <p:tgtEl>
-                                          <p:spTgt spid="25"/>
+                                          <p:spTgt spid="33"/>
                                         </p:tgtEl>
                                         <p:attrNameLst>
                                           <p:attrName>style.visibility</p:attrName>
@@ -5619,7 +5769,7 @@
                                           </p:stCondLst>
                                         </p:cTn>
                                         <p:tgtEl>
-                                          <p:spTgt spid="7"/>
+                                          <p:spTgt spid="25"/>
                                         </p:tgtEl>
                                         <p:attrNameLst>
                                           <p:attrName>style.visibility</p:attrName>
@@ -5664,7 +5814,7 @@
                                           </p:stCondLst>
                                         </p:cTn>
                                         <p:tgtEl>
-                                          <p:spTgt spid="45"/>
+                                          <p:spTgt spid="11"/>
                                         </p:tgtEl>
                                         <p:attrNameLst>
                                           <p:attrName>style.visibility</p:attrName>
@@ -5709,6 +5859,51 @@
                                           </p:stCondLst>
                                         </p:cTn>
                                         <p:tgtEl>
+                                          <p:spTgt spid="45"/>
+                                        </p:tgtEl>
+                                        <p:attrNameLst>
+                                          <p:attrName>style.visibility</p:attrName>
+                                        </p:attrNameLst>
+                                      </p:cBhvr>
+                                      <p:to>
+                                        <p:strVal val="visible"/>
+                                      </p:to>
+                                    </p:set>
+                                  </p:childTnLst>
+                                </p:cTn>
+                              </p:par>
+                            </p:childTnLst>
+                          </p:cTn>
+                        </p:par>
+                      </p:childTnLst>
+                    </p:cTn>
+                  </p:par>
+                  <p:par>
+                    <p:cTn id="19" fill="hold">
+                      <p:stCondLst>
+                        <p:cond delay="indefinite"/>
+                      </p:stCondLst>
+                      <p:childTnLst>
+                        <p:par>
+                          <p:cTn id="20" fill="hold">
+                            <p:stCondLst>
+                              <p:cond delay="0"/>
+                            </p:stCondLst>
+                            <p:childTnLst>
+                              <p:par>
+                                <p:cTn id="21" presetID="1" presetClass="entr" presetSubtype="0" fill="hold" nodeType="clickEffect">
+                                  <p:stCondLst>
+                                    <p:cond delay="0"/>
+                                  </p:stCondLst>
+                                  <p:childTnLst>
+                                    <p:set>
+                                      <p:cBhvr>
+                                        <p:cTn id="22" dur="1" fill="hold">
+                                          <p:stCondLst>
+                                            <p:cond delay="0"/>
+                                          </p:stCondLst>
+                                        </p:cTn>
+                                        <p:tgtEl>
                                           <p:spTgt spid="41"/>
                                         </p:tgtEl>
                                         <p:attrNameLst>
@@ -5723,14 +5918,14 @@
                                 </p:cTn>
                               </p:par>
                               <p:par>
-                                <p:cTn id="19" presetID="1" presetClass="entr" presetSubtype="0" fill="hold" grpId="0" nodeType="withEffect">
+                                <p:cTn id="23" presetID="1" presetClass="entr" presetSubtype="0" fill="hold" grpId="0" nodeType="withEffect">
                                   <p:stCondLst>
                                     <p:cond delay="0"/>
                                   </p:stCondLst>
                                   <p:childTnLst>
                                     <p:set>
                                       <p:cBhvr>
-                                        <p:cTn id="20" dur="1" fill="hold">
+                                        <p:cTn id="24" dur="1" fill="hold">
                                           <p:stCondLst>
                                             <p:cond delay="0"/>
                                           </p:stCondLst>
@@ -5756,26 +5951,26 @@
                     </p:cTn>
                   </p:par>
                   <p:par>
-                    <p:cTn id="21" fill="hold">
+                    <p:cTn id="25" fill="hold">
                       <p:stCondLst>
                         <p:cond delay="indefinite"/>
                       </p:stCondLst>
                       <p:childTnLst>
                         <p:par>
-                          <p:cTn id="22" fill="hold">
+                          <p:cTn id="26" fill="hold">
                             <p:stCondLst>
                               <p:cond delay="0"/>
                             </p:stCondLst>
                             <p:childTnLst>
                               <p:par>
-                                <p:cTn id="23" presetID="1" presetClass="entr" presetSubtype="0" fill="hold" nodeType="clickEffect">
+                                <p:cTn id="27" presetID="1" presetClass="entr" presetSubtype="0" fill="hold" nodeType="clickEffect">
                                   <p:stCondLst>
                                     <p:cond delay="0"/>
                                   </p:stCondLst>
                                   <p:childTnLst>
                                     <p:set>
                                       <p:cBhvr>
-                                        <p:cTn id="24" dur="1" fill="hold">
+                                        <p:cTn id="28" dur="1" fill="hold">
                                           <p:stCondLst>
                                             <p:cond delay="0"/>
                                           </p:stCondLst>
@@ -5795,14 +5990,14 @@
                                 </p:cTn>
                               </p:par>
                               <p:par>
-                                <p:cTn id="25" presetID="1" presetClass="entr" presetSubtype="0" fill="hold" grpId="0" nodeType="withEffect">
+                                <p:cTn id="29" presetID="1" presetClass="entr" presetSubtype="0" fill="hold" grpId="0" nodeType="withEffect">
                                   <p:stCondLst>
                                     <p:cond delay="0"/>
                                   </p:stCondLst>
                                   <p:childTnLst>
                                     <p:set>
                                       <p:cBhvr>
-                                        <p:cTn id="26" dur="1" fill="hold">
+                                        <p:cTn id="30" dur="1" fill="hold">
                                           <p:stCondLst>
                                             <p:cond delay="0"/>
                                           </p:stCondLst>
@@ -5828,26 +6023,26 @@
                     </p:cTn>
                   </p:par>
                   <p:par>
-                    <p:cTn id="27" fill="hold">
+                    <p:cTn id="31" fill="hold">
                       <p:stCondLst>
                         <p:cond delay="indefinite"/>
                       </p:stCondLst>
                       <p:childTnLst>
                         <p:par>
-                          <p:cTn id="28" fill="hold">
+                          <p:cTn id="32" fill="hold">
                             <p:stCondLst>
                               <p:cond delay="0"/>
                             </p:stCondLst>
                             <p:childTnLst>
                               <p:par>
-                                <p:cTn id="29" presetID="1" presetClass="entr" presetSubtype="0" fill="hold" grpId="0" nodeType="clickEffect">
+                                <p:cTn id="33" presetID="1" presetClass="entr" presetSubtype="0" fill="hold" grpId="0" nodeType="clickEffect">
                                   <p:stCondLst>
                                     <p:cond delay="0"/>
                                   </p:stCondLst>
                                   <p:childTnLst>
                                     <p:set>
                                       <p:cBhvr>
-                                        <p:cTn id="30" dur="1" fill="hold">
+                                        <p:cTn id="34" dur="1" fill="hold">
                                           <p:stCondLst>
                                             <p:cond delay="0"/>
                                           </p:stCondLst>
@@ -5894,6 +6089,7 @@
       </p:par>
     </p:tnLst>
     <p:bldLst>
+      <p:bldP spid="33" grpId="0" animBg="1"/>
       <p:bldP spid="44" grpId="0" animBg="1"/>
       <p:bldP spid="38" grpId="0" animBg="1"/>
       <p:bldP spid="40" grpId="0" animBg="1"/>
@@ -6202,161 +6398,47 @@
               </a:p>
             </p:txBody>
           </p:sp>
-          <p:grpSp>
-            <p:nvGrpSpPr>
-              <p:cNvPr id="11" name="Group 10"/>
-              <p:cNvGrpSpPr/>
+          <p:cxnSp>
+            <p:nvCxnSpPr>
+              <p:cNvPr id="15" name="Straight Connector 14"/>
+              <p:cNvCxnSpPr>
+                <a:stCxn id="33" idx="1"/>
+                <a:endCxn id="31" idx="2"/>
+              </p:cNvCxnSpPr>
               <p:nvPr/>
-            </p:nvGrpSpPr>
-            <p:grpSpPr>
-              <a:xfrm>
-                <a:off x="1143000" y="4038600"/>
-                <a:ext cx="2895600" cy="1170801"/>
-                <a:chOff x="1143000" y="4937593"/>
-                <a:chExt cx="2895600" cy="1170801"/>
+            </p:nvCxnSpPr>
+            <p:spPr>
+              <a:xfrm rot="10800000">
+                <a:off x="2419350" y="4708782"/>
+                <a:ext cx="628650" cy="368354"/>
               </a:xfrm>
-            </p:grpSpPr>
-            <p:sp>
-              <p:nvSpPr>
-                <p:cNvPr id="13" name="TextBox 12"/>
-                <p:cNvSpPr txBox="1"/>
-                <p:nvPr/>
-              </p:nvSpPr>
-              <p:spPr>
-                <a:xfrm>
-                  <a:off x="1981200" y="4937593"/>
-                  <a:ext cx="1447800" cy="369332"/>
-                </a:xfrm>
-                <a:prstGeom prst="rect">
-                  <a:avLst/>
-                </a:prstGeom>
-                <a:noFill/>
-              </p:spPr>
-              <p:txBody>
-                <a:bodyPr wrap="square" rtlCol="0">
-                  <a:spAutoFit/>
-                </a:bodyPr>
-                <a:lstStyle/>
-                <a:p>
-                  <a:r>
-                    <a:rPr lang="en-US" dirty="0" smtClean="0"/>
-                    <a:t>{ “x” : </a:t>
-                  </a:r>
-                  <a:r>
-                    <a:rPr lang="en-US" dirty="0" err="1" smtClean="0"/>
-                    <a:t>int</a:t>
-                  </a:r>
-                  <a:r>
-                    <a:rPr lang="en-US" dirty="0" smtClean="0"/>
-                    <a:t> }</a:t>
-                  </a:r>
-                  <a:endParaRPr lang="en-US" dirty="0"/>
-                </a:p>
-              </p:txBody>
-            </p:sp>
-            <p:sp>
-              <p:nvSpPr>
-                <p:cNvPr id="14" name="TextBox 13"/>
-                <p:cNvSpPr txBox="1"/>
-                <p:nvPr/>
-              </p:nvSpPr>
-              <p:spPr>
-                <a:xfrm>
-                  <a:off x="1143000" y="5739062"/>
-                  <a:ext cx="2895600" cy="369332"/>
-                </a:xfrm>
-                <a:prstGeom prst="rect">
-                  <a:avLst/>
-                </a:prstGeom>
-                <a:noFill/>
-              </p:spPr>
-              <p:txBody>
-                <a:bodyPr wrap="square" rtlCol="0">
-                  <a:spAutoFit/>
-                </a:bodyPr>
-                <a:lstStyle/>
-                <a:p>
-                  <a:r>
-                    <a:rPr lang="en-US" dirty="0" smtClean="0"/>
-                    <a:t>{ “foo” : </a:t>
-                  </a:r>
-                  <a:r>
-                    <a:rPr lang="en-US" dirty="0" err="1" smtClean="0"/>
-                    <a:t>Func</a:t>
-                  </a:r>
-                  <a:r>
-                    <a:rPr lang="en-US" dirty="0" smtClean="0"/>
-                    <a:t>&lt;</a:t>
-                  </a:r>
-                  <a:r>
-                    <a:rPr lang="en-US" dirty="0" err="1" smtClean="0"/>
-                    <a:t>int</a:t>
-                  </a:r>
-                  <a:r>
-                    <a:rPr lang="en-US" dirty="0" smtClean="0"/>
-                    <a:t>, </a:t>
-                  </a:r>
-                  <a:r>
-                    <a:rPr lang="en-US" dirty="0" err="1" smtClean="0"/>
-                    <a:t>int</a:t>
-                  </a:r>
-                  <a:r>
-                    <a:rPr lang="en-US" dirty="0" smtClean="0"/>
-                    <a:t>, </a:t>
-                  </a:r>
-                  <a:r>
-                    <a:rPr lang="en-US" dirty="0" err="1" smtClean="0"/>
-                    <a:t>bool</a:t>
-                  </a:r>
-                  <a:r>
-                    <a:rPr lang="en-US" dirty="0" smtClean="0"/>
-                    <a:t>&gt; }</a:t>
-                  </a:r>
-                  <a:endParaRPr lang="en-US" dirty="0"/>
-                </a:p>
-              </p:txBody>
-            </p:sp>
-            <p:cxnSp>
-              <p:nvCxnSpPr>
-                <p:cNvPr id="15" name="Straight Connector 14"/>
-                <p:cNvCxnSpPr>
-                  <a:endCxn id="14" idx="0"/>
-                </p:cNvCxnSpPr>
-                <p:nvPr/>
-              </p:nvCxnSpPr>
-              <p:spPr>
-                <a:xfrm>
-                  <a:off x="2590800" y="5306925"/>
-                  <a:ext cx="0" cy="432137"/>
-                </a:xfrm>
-                <a:prstGeom prst="line">
-                  <a:avLst/>
-                </a:prstGeom>
-                <a:ln w="28575">
-                  <a:solidFill>
-                    <a:schemeClr val="accent1">
-                      <a:lumMod val="75000"/>
-                    </a:schemeClr>
-                  </a:solidFill>
-                  <a:tailEnd type="triangle"/>
-                </a:ln>
-              </p:spPr>
-              <p:style>
-                <a:lnRef idx="1">
-                  <a:schemeClr val="accent1"/>
-                </a:lnRef>
-                <a:fillRef idx="0">
-                  <a:schemeClr val="accent1"/>
-                </a:fillRef>
-                <a:effectRef idx="0">
-                  <a:schemeClr val="accent1"/>
-                </a:effectRef>
-                <a:fontRef idx="minor">
-                  <a:schemeClr val="tx1"/>
-                </a:fontRef>
-              </p:style>
-            </p:cxnSp>
-          </p:grpSp>
+              <a:prstGeom prst="curvedConnector2">
+                <a:avLst/>
+              </a:prstGeom>
+              <a:ln w="28575">
+                <a:solidFill>
+                  <a:schemeClr val="accent1">
+                    <a:lumMod val="75000"/>
+                  </a:schemeClr>
+                </a:solidFill>
+                <a:tailEnd type="triangle"/>
+              </a:ln>
+            </p:spPr>
+            <p:style>
+              <a:lnRef idx="1">
+                <a:schemeClr val="accent1"/>
+              </a:lnRef>
+              <a:fillRef idx="0">
+                <a:schemeClr val="accent1"/>
+              </a:fillRef>
+              <a:effectRef idx="0">
+                <a:schemeClr val="accent1"/>
+              </a:effectRef>
+              <a:fontRef idx="minor">
+                <a:schemeClr val="tx1"/>
+              </a:fontRef>
+            </p:style>
+          </p:cxnSp>
         </p:grpSp>
         <p:sp>
           <p:nvSpPr>
@@ -6941,6 +7023,199 @@
           </a:fontRef>
         </p:style>
       </p:cxnSp>
+      <p:sp>
+        <p:nvSpPr>
+          <p:cNvPr id="31" name="Rectangle 30"/>
+          <p:cNvSpPr/>
+          <p:nvPr/>
+        </p:nvSpPr>
+        <p:spPr>
+          <a:xfrm>
+            <a:off x="571500" y="3220019"/>
+            <a:ext cx="2476500" cy="574363"/>
+          </a:xfrm>
+          <a:prstGeom prst="rect">
+            <a:avLst/>
+          </a:prstGeom>
+          <a:solidFill>
+            <a:schemeClr val="bg1"/>
+          </a:solidFill>
+        </p:spPr>
+        <p:style>
+          <a:lnRef idx="2">
+            <a:schemeClr val="accent1">
+              <a:shade val="50000"/>
+            </a:schemeClr>
+          </a:lnRef>
+          <a:fillRef idx="1">
+            <a:schemeClr val="accent1"/>
+          </a:fillRef>
+          <a:effectRef idx="0">
+            <a:schemeClr val="accent1"/>
+          </a:effectRef>
+          <a:fontRef idx="minor">
+            <a:schemeClr val="lt1"/>
+          </a:fontRef>
+        </p:style>
+        <p:txBody>
+          <a:bodyPr rtlCol="0" anchor="ctr"/>
+          <a:lstStyle/>
+          <a:p>
+            <a:pPr algn="ctr"/>
+            <a:r>
+              <a:rPr lang="en-US" u="sng" dirty="0" err="1" smtClean="0">
+                <a:solidFill>
+                  <a:schemeClr val="tx1"/>
+                </a:solidFill>
+              </a:rPr>
+              <a:t>Globals</a:t>
+            </a:r>
+            <a:endParaRPr lang="en-US" u="sng" dirty="0" smtClean="0">
+              <a:solidFill>
+                <a:schemeClr val="tx1"/>
+              </a:solidFill>
+            </a:endParaRPr>
+          </a:p>
+          <a:p>
+            <a:pPr algn="ctr"/>
+            <a:r>
+              <a:rPr lang="en-US" dirty="0" smtClean="0">
+                <a:solidFill>
+                  <a:schemeClr val="tx1"/>
+                </a:solidFill>
+              </a:rPr>
+              <a:t>foo: </a:t>
+            </a:r>
+            <a:r>
+              <a:rPr lang="en-US" dirty="0" err="1">
+                <a:solidFill>
+                  <a:schemeClr val="tx1"/>
+                </a:solidFill>
+              </a:rPr>
+              <a:t>Func</a:t>
+            </a:r>
+            <a:r>
+              <a:rPr lang="en-US" dirty="0">
+                <a:solidFill>
+                  <a:schemeClr val="tx1"/>
+                </a:solidFill>
+              </a:rPr>
+              <a:t>&lt;</a:t>
+            </a:r>
+            <a:r>
+              <a:rPr lang="en-US" dirty="0" err="1">
+                <a:solidFill>
+                  <a:schemeClr val="tx1"/>
+                </a:solidFill>
+              </a:rPr>
+              <a:t>int</a:t>
+            </a:r>
+            <a:r>
+              <a:rPr lang="en-US" dirty="0">
+                <a:solidFill>
+                  <a:schemeClr val="tx1"/>
+                </a:solidFill>
+              </a:rPr>
+              <a:t>, </a:t>
+            </a:r>
+            <a:r>
+              <a:rPr lang="en-US" dirty="0" err="1">
+                <a:solidFill>
+                  <a:schemeClr val="tx1"/>
+                </a:solidFill>
+              </a:rPr>
+              <a:t>int</a:t>
+            </a:r>
+            <a:r>
+              <a:rPr lang="en-US" dirty="0">
+                <a:solidFill>
+                  <a:schemeClr val="tx1"/>
+                </a:solidFill>
+              </a:rPr>
+              <a:t>, </a:t>
+            </a:r>
+            <a:r>
+              <a:rPr lang="en-US" dirty="0" err="1">
+                <a:solidFill>
+                  <a:schemeClr val="tx1"/>
+                </a:solidFill>
+              </a:rPr>
+              <a:t>bool</a:t>
+            </a:r>
+            <a:r>
+              <a:rPr lang="en-US" dirty="0">
+                <a:solidFill>
+                  <a:schemeClr val="tx1"/>
+                </a:solidFill>
+              </a:rPr>
+              <a:t>&gt;</a:t>
+            </a:r>
+          </a:p>
+        </p:txBody>
+      </p:sp>
+      <p:sp>
+        <p:nvSpPr>
+          <p:cNvPr id="33" name="Rectangle 32"/>
+          <p:cNvSpPr/>
+          <p:nvPr/>
+        </p:nvSpPr>
+        <p:spPr>
+          <a:xfrm>
+            <a:off x="2438400" y="3985019"/>
+            <a:ext cx="762000" cy="355433"/>
+          </a:xfrm>
+          <a:prstGeom prst="rect">
+            <a:avLst/>
+          </a:prstGeom>
+          <a:solidFill>
+            <a:schemeClr val="bg1"/>
+          </a:solidFill>
+        </p:spPr>
+        <p:style>
+          <a:lnRef idx="2">
+            <a:schemeClr val="accent1">
+              <a:shade val="50000"/>
+            </a:schemeClr>
+          </a:lnRef>
+          <a:fillRef idx="1">
+            <a:schemeClr val="accent1"/>
+          </a:fillRef>
+          <a:effectRef idx="0">
+            <a:schemeClr val="accent1"/>
+          </a:effectRef>
+          <a:fontRef idx="minor">
+            <a:schemeClr val="lt1"/>
+          </a:fontRef>
+        </p:style>
+        <p:txBody>
+          <a:bodyPr rtlCol="0" anchor="ctr"/>
+          <a:lstStyle/>
+          <a:p>
+            <a:pPr algn="ctr"/>
+            <a:r>
+              <a:rPr lang="en-US" dirty="0" smtClean="0">
+                <a:solidFill>
+                  <a:schemeClr val="tx1"/>
+                </a:solidFill>
+              </a:rPr>
+              <a:t>x: </a:t>
+            </a:r>
+            <a:r>
+              <a:rPr lang="en-US" dirty="0" err="1" smtClean="0">
+                <a:solidFill>
+                  <a:schemeClr val="tx1"/>
+                </a:solidFill>
+              </a:rPr>
+              <a:t>int</a:t>
+            </a:r>
+            <a:endParaRPr lang="en-US" dirty="0">
+              <a:solidFill>
+                <a:schemeClr val="tx1"/>
+              </a:solidFill>
+            </a:endParaRPr>
+          </a:p>
+        </p:txBody>
+      </p:sp>
     </p:spTree>
     <p:extLst>
       <p:ext uri="{BB962C8B-B14F-4D97-AF65-F5344CB8AC3E}">
